--- a/Data Interface Layout/logistics_standard_ppt.pptx
+++ b/Data Interface Layout/logistics_standard_ppt.pptx
@@ -5,13 +5,17 @@
     <p:sldMasterId id="2147483659" r:id="rId1"/>
   </p:sldMasterIdLst>
   <p:notesMasterIdLst>
-    <p:notesMasterId r:id="rId6"/>
+    <p:notesMasterId r:id="rId10"/>
   </p:notesMasterIdLst>
   <p:sldIdLst>
     <p:sldId id="256" r:id="rId2"/>
     <p:sldId id="257" r:id="rId3"/>
     <p:sldId id="258" r:id="rId4"/>
-    <p:sldId id="259" r:id="rId5"/>
+    <p:sldId id="262" r:id="rId5"/>
+    <p:sldId id="260" r:id="rId6"/>
+    <p:sldId id="261" r:id="rId7"/>
+    <p:sldId id="263" r:id="rId8"/>
+    <p:sldId id="259" r:id="rId9"/>
   </p:sldIdLst>
   <p:sldSz cx="9144000" cy="5143500" type="screen16x9"/>
   <p:notesSz cx="6858000" cy="9144000"/>
@@ -250,35 +254,6 @@
     </p:ext>
   </p:extLst>
 </p:presentation>
-</file>
-
-<file path=ppt/changesInfos/changesInfo1.xml><?xml version="1.0" encoding="utf-8"?>
-<pc:chgInfo xmlns:a="http://schemas.openxmlformats.org/drawingml/2006/main" xmlns:r="http://schemas.openxmlformats.org/officeDocument/2006/relationships" xmlns:ac="http://schemas.microsoft.com/office/drawing/2013/main/command" xmlns:pc="http://schemas.microsoft.com/office/powerpoint/2013/main/command">
-  <pc:docChgLst>
-    <pc:chgData name="HUI Ho Wa" userId="S::hwhui8-c@ad.cityu.edu.hk::e927a532-8ed5-44ad-b01b-167d5e91968d" providerId="AD" clId="Web-{D81B24B2-4221-3208-3550-938421D442F1}"/>
-    <pc:docChg chg="modSld">
-      <pc:chgData name="HUI Ho Wa" userId="S::hwhui8-c@ad.cityu.edu.hk::e927a532-8ed5-44ad-b01b-167d5e91968d" providerId="AD" clId="Web-{D81B24B2-4221-3208-3550-938421D442F1}" dt="2019-02-14T17:26:44.819" v="7"/>
-      <pc:docMkLst>
-        <pc:docMk/>
-      </pc:docMkLst>
-      <pc:sldChg chg="modSp">
-        <pc:chgData name="HUI Ho Wa" userId="S::hwhui8-c@ad.cityu.edu.hk::e927a532-8ed5-44ad-b01b-167d5e91968d" providerId="AD" clId="Web-{D81B24B2-4221-3208-3550-938421D442F1}" dt="2019-02-14T17:26:44.819" v="7"/>
-        <pc:sldMkLst>
-          <pc:docMk/>
-          <pc:sldMk cId="0" sldId="258"/>
-        </pc:sldMkLst>
-        <pc:graphicFrameChg chg="mod modGraphic">
-          <ac:chgData name="HUI Ho Wa" userId="S::hwhui8-c@ad.cityu.edu.hk::e927a532-8ed5-44ad-b01b-167d5e91968d" providerId="AD" clId="Web-{D81B24B2-4221-3208-3550-938421D442F1}" dt="2019-02-14T17:26:44.819" v="7"/>
-          <ac:graphicFrameMkLst>
-            <pc:docMk/>
-            <pc:sldMk cId="0" sldId="258"/>
-            <ac:graphicFrameMk id="6" creationId="{A4DFD465-DB11-4FA3-AE8B-2D4053351532}"/>
-          </ac:graphicFrameMkLst>
-        </pc:graphicFrameChg>
-      </pc:sldChg>
-    </pc:docChg>
-  </pc:docChgLst>
-</pc:chgInfo>
 </file>
 
 <file path=ppt/notesMasters/notesMaster1.xml><?xml version="1.0" encoding="utf-8"?>
@@ -6011,7 +5986,7 @@
         </p:nvSpPr>
         <p:spPr>
           <a:xfrm>
-            <a:off x="311700" y="445025"/>
+            <a:off x="0" y="0"/>
             <a:ext cx="8520600" cy="572700"/>
           </a:xfrm>
           <a:prstGeom prst="rect">
@@ -6024,15 +5999,23 @@
           </a:bodyPr>
           <a:lstStyle/>
           <a:p>
-            <a:pPr marL="0" lvl="0" indent="0" algn="l" rtl="0">
-              <a:spcBef>
-                <a:spcPts val="0"/>
-              </a:spcBef>
-              <a:spcAft>
-                <a:spcPts val="0"/>
-              </a:spcAft>
-              <a:buNone/>
-            </a:pPr>
+            <a:pPr lvl="0"/>
+            <a:r>
+              <a:rPr lang="en-US" dirty="0" err="1"/>
+              <a:t>logistics_sample_format</a:t>
+            </a:r>
+            <a:r>
+              <a:rPr lang="zh-TW" altLang="en-US" dirty="0"/>
+              <a:t> </a:t>
+            </a:r>
+            <a:r>
+              <a:rPr lang="en-US" altLang="zh-TW" dirty="0"/>
+              <a:t>from </a:t>
+            </a:r>
+            <a:r>
+              <a:rPr lang="en-US" dirty="0"/>
+              <a:t>manufacturers</a:t>
+            </a:r>
             <a:endParaRPr dirty="0"/>
           </a:p>
         </p:txBody>
@@ -6082,14 +6065,14 @@
           <p:nvPr>
             <p:extLst>
               <p:ext uri="{D42A27DB-BD31-4B8C-83A1-F6EECF244321}">
-                <p14:modId xmlns:p14="http://schemas.microsoft.com/office/powerpoint/2010/main" val="3388776934"/>
+                <p14:modId xmlns:p14="http://schemas.microsoft.com/office/powerpoint/2010/main" val="4275015837"/>
               </p:ext>
             </p:extLst>
           </p:nvPr>
         </p:nvGraphicFramePr>
         <p:xfrm>
-          <a:off x="311700" y="1152475"/>
-          <a:ext cx="7238999" cy="3870780"/>
+          <a:off x="0" y="572700"/>
+          <a:ext cx="7555999" cy="4266990"/>
         </p:xfrm>
         <a:graphic>
           <a:graphicData uri="http://schemas.openxmlformats.org/drawingml/2006/table">
@@ -6099,7 +6082,7 @@
                 <a:tableStyleId>{809D720A-15E3-4011-8018-CBF829D7B348}</a:tableStyleId>
               </a:tblPr>
               <a:tblGrid>
-                <a:gridCol w="1326688">
+                <a:gridCol w="1643688">
                   <a:extLst>
                     <a:ext uri="{9D8B030D-6E8A-4147-A177-3AD203B41FA5}">
                       <a16:colId xmlns:a16="http://schemas.microsoft.com/office/drawing/2014/main" val="20000"/>
@@ -6113,14 +6096,14 @@
                     </a:ext>
                   </a:extLst>
                 </a:gridCol>
-                <a:gridCol w="721129">
+                <a:gridCol w="946524">
                   <a:extLst>
                     <a:ext uri="{9D8B030D-6E8A-4147-A177-3AD203B41FA5}">
                       <a16:colId xmlns:a16="http://schemas.microsoft.com/office/drawing/2014/main" val="20002"/>
                     </a:ext>
                   </a:extLst>
                 </a:gridCol>
-                <a:gridCol w="1932247">
+                <a:gridCol w="1706852">
                   <a:extLst>
                     <a:ext uri="{9D8B030D-6E8A-4147-A177-3AD203B41FA5}">
                       <a16:colId xmlns:a16="http://schemas.microsoft.com/office/drawing/2014/main" val="20003"/>
@@ -6777,8 +6760,12 @@
                         <a:buNone/>
                       </a:pPr>
                       <a:r>
+                        <a:rPr lang="en-US" altLang="zh-TW" dirty="0"/>
+                        <a:t>retailer</a:t>
+                      </a:r>
+                      <a:r>
                         <a:rPr lang="zh-TW" dirty="0"/>
-                        <a:t>client_id</a:t>
+                        <a:t>_id</a:t>
                       </a:r>
                       <a:endParaRPr dirty="0"/>
                     </a:p>
@@ -6837,10 +6824,10 @@
                         <a:buNone/>
                       </a:pPr>
                       <a:r>
-                        <a:rPr lang="zh-TW"/>
+                        <a:rPr lang="zh-TW" dirty="0"/>
                         <a:t>char(10)</a:t>
                       </a:r>
-                      <a:endParaRPr/>
+                      <a:endParaRPr dirty="0"/>
                     </a:p>
                   </a:txBody>
                   <a:tcPr marL="68575" marR="68575" marT="91425" marB="91425">
@@ -6962,7 +6949,11 @@
                       </a:pPr>
                       <a:r>
                         <a:rPr lang="zh-TW" dirty="0"/>
-                        <a:t>The individual id of client</a:t>
+                        <a:t>The individual id of </a:t>
+                      </a:r>
+                      <a:r>
+                        <a:rPr lang="en-US" altLang="zh-TW" dirty="0"/>
+                        <a:t>retailer</a:t>
                       </a:r>
                       <a:endParaRPr dirty="0"/>
                     </a:p>
@@ -7022,7 +7013,7 @@
                       </a:pPr>
                       <a:r>
                         <a:rPr lang="en-US" dirty="0"/>
-                        <a:t>M0001</a:t>
+                        <a:t>R0001</a:t>
                       </a:r>
                     </a:p>
                     <a:p>
@@ -7039,7 +7030,6 @@
                         <a:rPr lang="en-US" dirty="0"/>
                         <a:t>R0002</a:t>
                       </a:r>
-                      <a:endParaRPr dirty="0"/>
                     </a:p>
                   </a:txBody>
                   <a:tcPr marL="68575" marR="68575" marT="91425" marB="91425">
@@ -7103,6 +7093,359 @@
                         <a:buNone/>
                       </a:pPr>
                       <a:r>
+                        <a:rPr lang="en-US" dirty="0" err="1"/>
+                        <a:t>logistics_id</a:t>
+                      </a:r>
+                      <a:endParaRPr dirty="0"/>
+                    </a:p>
+                  </a:txBody>
+                  <a:tcPr marL="68575" marR="68575" marT="91425" marB="91425">
+                    <a:lnL w="12650" cap="flat" cmpd="sng">
+                      <a:solidFill>
+                        <a:srgbClr val="000000"/>
+                      </a:solidFill>
+                      <a:prstDash val="solid"/>
+                      <a:round/>
+                      <a:headEnd type="none" w="sm" len="sm"/>
+                      <a:tailEnd type="none" w="sm" len="sm"/>
+                    </a:lnL>
+                    <a:lnR w="12650" cap="flat" cmpd="sng" algn="ctr">
+                      <a:solidFill>
+                        <a:srgbClr val="000000"/>
+                      </a:solidFill>
+                      <a:prstDash val="solid"/>
+                      <a:round/>
+                      <a:headEnd type="none" w="sm" len="sm"/>
+                      <a:tailEnd type="none" w="sm" len="sm"/>
+                    </a:lnR>
+                    <a:lnT w="12650" cap="flat" cmpd="sng" algn="ctr">
+                      <a:solidFill>
+                        <a:srgbClr val="000000"/>
+                      </a:solidFill>
+                      <a:prstDash val="solid"/>
+                      <a:round/>
+                      <a:headEnd type="none" w="sm" len="sm"/>
+                      <a:tailEnd type="none" w="sm" len="sm"/>
+                    </a:lnT>
+                    <a:lnB w="12650" cap="flat" cmpd="sng">
+                      <a:solidFill>
+                        <a:srgbClr val="000000"/>
+                      </a:solidFill>
+                      <a:prstDash val="solid"/>
+                      <a:round/>
+                      <a:headEnd type="none" w="sm" len="sm"/>
+                      <a:tailEnd type="none" w="sm" len="sm"/>
+                    </a:lnB>
+                  </a:tcPr>
+                </a:tc>
+                <a:tc>
+                  <a:txBody>
+                    <a:bodyPr/>
+                    <a:lstStyle/>
+                    <a:p>
+                      <a:pPr marL="0" marR="0" lvl="0" indent="0" algn="l" defTabSz="914400" rtl="0" eaLnBrk="1" fontAlgn="auto" latinLnBrk="0" hangingPunct="1">
+                        <a:lnSpc>
+                          <a:spcPct val="100000"/>
+                        </a:lnSpc>
+                        <a:spcBef>
+                          <a:spcPts val="0"/>
+                        </a:spcBef>
+                        <a:spcAft>
+                          <a:spcPts val="0"/>
+                        </a:spcAft>
+                        <a:buClr>
+                          <a:srgbClr val="000000"/>
+                        </a:buClr>
+                        <a:buSzTx/>
+                        <a:buFont typeface="Arial"/>
+                        <a:buNone/>
+                        <a:tabLst/>
+                        <a:defRPr/>
+                      </a:pPr>
+                      <a:r>
+                        <a:rPr lang="en-US" altLang="zh-TW" dirty="0"/>
+                        <a:t>char(10)</a:t>
+                      </a:r>
+                      <a:endParaRPr lang="en-US" altLang="zh-HK" dirty="0"/>
+                    </a:p>
+                  </a:txBody>
+                  <a:tcPr marL="68575" marR="68575" marT="91425" marB="91425">
+                    <a:lnL w="12650" cap="flat" cmpd="sng" algn="ctr">
+                      <a:solidFill>
+                        <a:srgbClr val="000000"/>
+                      </a:solidFill>
+                      <a:prstDash val="solid"/>
+                      <a:round/>
+                      <a:headEnd type="none" w="sm" len="sm"/>
+                      <a:tailEnd type="none" w="sm" len="sm"/>
+                    </a:lnL>
+                    <a:lnR w="12650" cap="flat" cmpd="sng" algn="ctr">
+                      <a:solidFill>
+                        <a:srgbClr val="000000"/>
+                      </a:solidFill>
+                      <a:prstDash val="solid"/>
+                      <a:round/>
+                      <a:headEnd type="none" w="sm" len="sm"/>
+                      <a:tailEnd type="none" w="sm" len="sm"/>
+                    </a:lnR>
+                    <a:lnT w="12650" cap="flat" cmpd="sng" algn="ctr">
+                      <a:solidFill>
+                        <a:srgbClr val="000000"/>
+                      </a:solidFill>
+                      <a:prstDash val="solid"/>
+                      <a:round/>
+                      <a:headEnd type="none" w="sm" len="sm"/>
+                      <a:tailEnd type="none" w="sm" len="sm"/>
+                    </a:lnT>
+                    <a:lnB w="12650" cap="flat" cmpd="sng">
+                      <a:solidFill>
+                        <a:srgbClr val="000000"/>
+                      </a:solidFill>
+                      <a:prstDash val="solid"/>
+                      <a:round/>
+                      <a:headEnd type="none" w="sm" len="sm"/>
+                      <a:tailEnd type="none" w="sm" len="sm"/>
+                    </a:lnB>
+                  </a:tcPr>
+                </a:tc>
+                <a:tc>
+                  <a:txBody>
+                    <a:bodyPr/>
+                    <a:lstStyle/>
+                    <a:p>
+                      <a:pPr marL="0" marR="0" lvl="0" indent="0" algn="l" defTabSz="914400" rtl="0" eaLnBrk="1" fontAlgn="auto" latinLnBrk="0" hangingPunct="1">
+                        <a:lnSpc>
+                          <a:spcPct val="100000"/>
+                        </a:lnSpc>
+                        <a:spcBef>
+                          <a:spcPts val="0"/>
+                        </a:spcBef>
+                        <a:spcAft>
+                          <a:spcPts val="0"/>
+                        </a:spcAft>
+                        <a:buClr>
+                          <a:srgbClr val="000000"/>
+                        </a:buClr>
+                        <a:buSzTx/>
+                        <a:buFont typeface="Arial"/>
+                        <a:buNone/>
+                        <a:tabLst/>
+                        <a:defRPr/>
+                      </a:pPr>
+                      <a:r>
+                        <a:rPr lang="en-US" altLang="zh-TW" dirty="0"/>
+                        <a:t>FK</a:t>
+                      </a:r>
+                      <a:endParaRPr lang="en-US" altLang="zh-HK" dirty="0"/>
+                    </a:p>
+                    <a:p>
+                      <a:pPr marL="0" lvl="0" indent="0" algn="l" rtl="0">
+                        <a:spcBef>
+                          <a:spcPts val="0"/>
+                        </a:spcBef>
+                        <a:spcAft>
+                          <a:spcPts val="0"/>
+                        </a:spcAft>
+                        <a:buNone/>
+                      </a:pPr>
+                      <a:endParaRPr dirty="0"/>
+                    </a:p>
+                  </a:txBody>
+                  <a:tcPr marL="68575" marR="68575" marT="91425" marB="91425">
+                    <a:lnL w="12650" cap="flat" cmpd="sng" algn="ctr">
+                      <a:solidFill>
+                        <a:srgbClr val="000000"/>
+                      </a:solidFill>
+                      <a:prstDash val="solid"/>
+                      <a:round/>
+                      <a:headEnd type="none" w="sm" len="sm"/>
+                      <a:tailEnd type="none" w="sm" len="sm"/>
+                    </a:lnL>
+                    <a:lnR w="12650" cap="flat" cmpd="sng" algn="ctr">
+                      <a:solidFill>
+                        <a:srgbClr val="000000"/>
+                      </a:solidFill>
+                      <a:prstDash val="solid"/>
+                      <a:round/>
+                      <a:headEnd type="none" w="sm" len="sm"/>
+                      <a:tailEnd type="none" w="sm" len="sm"/>
+                    </a:lnR>
+                    <a:lnT w="12650" cap="flat" cmpd="sng" algn="ctr">
+                      <a:solidFill>
+                        <a:srgbClr val="000000"/>
+                      </a:solidFill>
+                      <a:prstDash val="solid"/>
+                      <a:round/>
+                      <a:headEnd type="none" w="sm" len="sm"/>
+                      <a:tailEnd type="none" w="sm" len="sm"/>
+                    </a:lnT>
+                    <a:lnB w="12650" cap="flat" cmpd="sng">
+                      <a:solidFill>
+                        <a:srgbClr val="000000"/>
+                      </a:solidFill>
+                      <a:prstDash val="solid"/>
+                      <a:round/>
+                      <a:headEnd type="none" w="sm" len="sm"/>
+                      <a:tailEnd type="none" w="sm" len="sm"/>
+                    </a:lnB>
+                  </a:tcPr>
+                </a:tc>
+                <a:tc>
+                  <a:txBody>
+                    <a:bodyPr/>
+                    <a:lstStyle/>
+                    <a:p>
+                      <a:pPr marL="0" lvl="0" indent="0" algn="l" rtl="0">
+                        <a:spcBef>
+                          <a:spcPts val="0"/>
+                        </a:spcBef>
+                        <a:spcAft>
+                          <a:spcPts val="0"/>
+                        </a:spcAft>
+                        <a:buNone/>
+                      </a:pPr>
+                      <a:r>
+                        <a:rPr lang="en-US" dirty="0"/>
+                        <a:t>The individual id of logistics</a:t>
+                      </a:r>
+                      <a:endParaRPr dirty="0"/>
+                    </a:p>
+                  </a:txBody>
+                  <a:tcPr marL="68575" marR="68575" marT="91425" marB="91425">
+                    <a:lnL w="12650" cap="flat" cmpd="sng" algn="ctr">
+                      <a:solidFill>
+                        <a:srgbClr val="000000"/>
+                      </a:solidFill>
+                      <a:prstDash val="solid"/>
+                      <a:round/>
+                      <a:headEnd type="none" w="sm" len="sm"/>
+                      <a:tailEnd type="none" w="sm" len="sm"/>
+                    </a:lnL>
+                    <a:lnR w="12650" cap="flat" cmpd="sng" algn="ctr">
+                      <a:solidFill>
+                        <a:srgbClr val="000000"/>
+                      </a:solidFill>
+                      <a:prstDash val="solid"/>
+                      <a:round/>
+                      <a:headEnd type="none" w="sm" len="sm"/>
+                      <a:tailEnd type="none" w="sm" len="sm"/>
+                    </a:lnR>
+                    <a:lnT w="12650" cap="flat" cmpd="sng" algn="ctr">
+                      <a:solidFill>
+                        <a:srgbClr val="000000"/>
+                      </a:solidFill>
+                      <a:prstDash val="solid"/>
+                      <a:round/>
+                      <a:headEnd type="none" w="sm" len="sm"/>
+                      <a:tailEnd type="none" w="sm" len="sm"/>
+                    </a:lnT>
+                    <a:lnB w="12650" cap="flat" cmpd="sng">
+                      <a:solidFill>
+                        <a:srgbClr val="000000"/>
+                      </a:solidFill>
+                      <a:prstDash val="solid"/>
+                      <a:round/>
+                      <a:headEnd type="none" w="sm" len="sm"/>
+                      <a:tailEnd type="none" w="sm" len="sm"/>
+                    </a:lnB>
+                  </a:tcPr>
+                </a:tc>
+                <a:tc>
+                  <a:txBody>
+                    <a:bodyPr/>
+                    <a:lstStyle/>
+                    <a:p>
+                      <a:pPr marL="0" lvl="0" indent="0" algn="l" rtl="0">
+                        <a:spcBef>
+                          <a:spcPts val="0"/>
+                        </a:spcBef>
+                        <a:spcAft>
+                          <a:spcPts val="0"/>
+                        </a:spcAft>
+                        <a:buNone/>
+                      </a:pPr>
+                      <a:r>
+                        <a:rPr lang="en-US" dirty="0"/>
+                        <a:t>L0001</a:t>
+                      </a:r>
+                    </a:p>
+                    <a:p>
+                      <a:pPr marL="0" lvl="0" indent="0" algn="l" rtl="0">
+                        <a:spcBef>
+                          <a:spcPts val="0"/>
+                        </a:spcBef>
+                        <a:spcAft>
+                          <a:spcPts val="0"/>
+                        </a:spcAft>
+                        <a:buNone/>
+                      </a:pPr>
+                      <a:r>
+                        <a:rPr lang="en-US" dirty="0"/>
+                        <a:t>L0002</a:t>
+                      </a:r>
+                    </a:p>
+                  </a:txBody>
+                  <a:tcPr marL="68575" marR="68575" marT="91425" marB="91425">
+                    <a:lnL w="12650" cap="flat" cmpd="sng" algn="ctr">
+                      <a:solidFill>
+                        <a:srgbClr val="000000"/>
+                      </a:solidFill>
+                      <a:prstDash val="solid"/>
+                      <a:round/>
+                      <a:headEnd type="none" w="sm" len="sm"/>
+                      <a:tailEnd type="none" w="sm" len="sm"/>
+                    </a:lnL>
+                    <a:lnR w="12650" cap="flat" cmpd="sng">
+                      <a:solidFill>
+                        <a:srgbClr val="000000"/>
+                      </a:solidFill>
+                      <a:prstDash val="solid"/>
+                      <a:round/>
+                      <a:headEnd type="none" w="sm" len="sm"/>
+                      <a:tailEnd type="none" w="sm" len="sm"/>
+                    </a:lnR>
+                    <a:lnT w="12650" cap="flat" cmpd="sng" algn="ctr">
+                      <a:solidFill>
+                        <a:srgbClr val="000000"/>
+                      </a:solidFill>
+                      <a:prstDash val="solid"/>
+                      <a:round/>
+                      <a:headEnd type="none" w="sm" len="sm"/>
+                      <a:tailEnd type="none" w="sm" len="sm"/>
+                    </a:lnT>
+                    <a:lnB w="12650" cap="flat" cmpd="sng" algn="ctr">
+                      <a:solidFill>
+                        <a:srgbClr val="000000"/>
+                      </a:solidFill>
+                      <a:prstDash val="solid"/>
+                      <a:round/>
+                      <a:headEnd type="none" w="sm" len="sm"/>
+                      <a:tailEnd type="none" w="sm" len="sm"/>
+                    </a:lnB>
+                  </a:tcPr>
+                </a:tc>
+                <a:extLst>
+                  <a:ext uri="{0D108BD9-81ED-4DB2-BD59-A6C34878D82A}">
+                    <a16:rowId xmlns:a16="http://schemas.microsoft.com/office/drawing/2014/main" val="3325384645"/>
+                  </a:ext>
+                </a:extLst>
+              </a:tr>
+              <a:tr h="381000">
+                <a:tc>
+                  <a:txBody>
+                    <a:bodyPr/>
+                    <a:lstStyle/>
+                    <a:p>
+                      <a:pPr marL="0" lvl="0" indent="0" algn="l" rtl="0">
+                        <a:spcBef>
+                          <a:spcPts val="0"/>
+                        </a:spcBef>
+                        <a:spcAft>
+                          <a:spcPts val="0"/>
+                        </a:spcAft>
+                        <a:buNone/>
+                      </a:pPr>
+                      <a:r>
                         <a:rPr lang="zh-TW"/>
                         <a:t>customer_address</a:t>
                       </a:r>
@@ -7343,17 +7686,24 @@
                         <a:buNone/>
                       </a:pPr>
                       <a:r>
-                        <a:rPr lang="en-US" dirty="0"/>
-                        <a:t>XX House</a:t>
+                        <a:rPr lang="en-US" altLang="zh-HK" dirty="0"/>
+                        <a:t>YY Building</a:t>
                       </a:r>
-                      <a:br>
-                        <a:rPr lang="en-US" dirty="0"/>
-                      </a:br>
+                    </a:p>
+                    <a:p>
+                      <a:pPr marL="0" lvl="0" indent="0" algn="l" rtl="0">
+                        <a:spcBef>
+                          <a:spcPts val="0"/>
+                        </a:spcBef>
+                        <a:spcAft>
+                          <a:spcPts val="0"/>
+                        </a:spcAft>
+                        <a:buNone/>
+                      </a:pPr>
                       <a:r>
                         <a:rPr lang="en-US" dirty="0"/>
-                        <a:t>YY Building</a:t>
+                        <a:t>YZ Building</a:t>
                       </a:r>
-                      <a:endParaRPr dirty="0"/>
                     </a:p>
                   </a:txBody>
                   <a:tcPr marL="68575" marR="68575" marT="91425" marB="91425">
@@ -7657,8 +8007,8 @@
                         <a:buNone/>
                       </a:pPr>
                       <a:r>
-                        <a:rPr lang="en-US" altLang="zh-HK" dirty="0"/>
-                        <a:t>12345678</a:t>
+                        <a:rPr lang="en-US" altLang="zh-HK"/>
+                        <a:t>11111111</a:t>
                       </a:r>
                     </a:p>
                     <a:p>
@@ -7672,8 +8022,8 @@
                         <a:buNone/>
                       </a:pPr>
                       <a:r>
-                        <a:rPr lang="en-US" altLang="zh-HK" dirty="0"/>
-                        <a:t>11111111</a:t>
+                        <a:rPr lang="en-US" altLang="zh-HK"/>
+                        <a:t>11111112</a:t>
                       </a:r>
                       <a:br>
                         <a:rPr lang="en-US" altLang="zh-HK" dirty="0"/>
@@ -7983,7 +8333,7 @@
                       </a:pPr>
                       <a:r>
                         <a:rPr lang="en-US" dirty="0"/>
-                        <a:t>David Chan</a:t>
+                        <a:t>Mandy Man</a:t>
                       </a:r>
                     </a:p>
                     <a:p>
@@ -7998,9 +8348,8 @@
                       </a:pPr>
                       <a:r>
                         <a:rPr lang="en-US" dirty="0"/>
-                        <a:t>Mandy Man</a:t>
+                        <a:t>Mandy Ma</a:t>
                       </a:r>
-                      <a:endParaRPr dirty="0"/>
                     </a:p>
                   </a:txBody>
                   <a:tcPr marL="68575" marR="68575" marT="91425" marB="91425">
@@ -8089,7 +8438,7 @@
         </p:nvSpPr>
         <p:spPr>
           <a:xfrm>
-            <a:off x="311700" y="445025"/>
+            <a:off x="0" y="1925"/>
             <a:ext cx="8520600" cy="572700"/>
           </a:xfrm>
           <a:prstGeom prst="rect">
@@ -8102,15 +8451,23 @@
           </a:bodyPr>
           <a:lstStyle/>
           <a:p>
-            <a:pPr marL="0" lvl="0" indent="0" algn="l" rtl="0">
-              <a:spcBef>
-                <a:spcPts val="0"/>
-              </a:spcBef>
-              <a:spcAft>
-                <a:spcPts val="0"/>
-              </a:spcAft>
-              <a:buNone/>
-            </a:pPr>
+            <a:pPr lvl="0"/>
+            <a:r>
+              <a:rPr lang="en-US" altLang="zh-HK" dirty="0" err="1"/>
+              <a:t>logistics_sample_format</a:t>
+            </a:r>
+            <a:r>
+              <a:rPr lang="zh-TW" altLang="en-US" dirty="0"/>
+              <a:t> </a:t>
+            </a:r>
+            <a:r>
+              <a:rPr lang="en-US" altLang="zh-TW" dirty="0"/>
+              <a:t>from </a:t>
+            </a:r>
+            <a:r>
+              <a:rPr lang="en-US" altLang="zh-HK" dirty="0"/>
+              <a:t>manufacturers</a:t>
+            </a:r>
             <a:endParaRPr dirty="0"/>
           </a:p>
         </p:txBody>
@@ -8166,14 +8523,14 @@
           <p:nvPr>
             <p:extLst>
               <p:ext uri="{D42A27DB-BD31-4B8C-83A1-F6EECF244321}">
-                <p14:modId xmlns:p14="http://schemas.microsoft.com/office/powerpoint/2010/main" val="2986908797"/>
+                <p14:modId xmlns:p14="http://schemas.microsoft.com/office/powerpoint/2010/main" val="1526878822"/>
               </p:ext>
             </p:extLst>
           </p:nvPr>
         </p:nvGraphicFramePr>
         <p:xfrm>
-          <a:off x="311700" y="12700"/>
-          <a:ext cx="7238999" cy="4266990"/>
+          <a:off x="311700" y="1117500"/>
+          <a:ext cx="7238999" cy="2224920"/>
         </p:xfrm>
         <a:graphic>
           <a:graphicData uri="http://schemas.openxmlformats.org/drawingml/2006/table">
@@ -8197,14 +8554,14 @@
                     </a:ext>
                   </a:extLst>
                 </a:gridCol>
-                <a:gridCol w="721129">
+                <a:gridCol w="1042324">
                   <a:extLst>
                     <a:ext uri="{9D8B030D-6E8A-4147-A177-3AD203B41FA5}">
                       <a16:colId xmlns:a16="http://schemas.microsoft.com/office/drawing/2014/main" val="20002"/>
                     </a:ext>
                   </a:extLst>
                 </a:gridCol>
-                <a:gridCol w="1932247">
+                <a:gridCol w="1611052">
                   <a:extLst>
                     <a:ext uri="{9D8B030D-6E8A-4147-A177-3AD203B41FA5}">
                       <a16:colId xmlns:a16="http://schemas.microsoft.com/office/drawing/2014/main" val="20003"/>
@@ -8219,7 +8576,7 @@
                   </a:extLst>
                 </a:gridCol>
               </a:tblGrid>
-              <a:tr h="381000">
+              <a:tr h="0">
                 <a:tc>
                   <a:txBody>
                     <a:bodyPr/>
@@ -8295,10 +8652,10 @@
                         <a:buNone/>
                       </a:pPr>
                       <a:r>
-                        <a:rPr lang="zh-TW"/>
+                        <a:rPr lang="zh-TW" dirty="0"/>
                         <a:t>Data type</a:t>
                       </a:r>
-                      <a:endParaRPr/>
+                      <a:endParaRPr dirty="0"/>
                     </a:p>
                   </a:txBody>
                   <a:tcPr marL="68575" marR="68575" marT="91425" marB="91425">
@@ -8355,10 +8712,10 @@
                         <a:buNone/>
                       </a:pPr>
                       <a:r>
-                        <a:rPr lang="zh-TW"/>
+                        <a:rPr lang="zh-TW" dirty="0"/>
                         <a:t>Constraint</a:t>
                       </a:r>
-                      <a:endParaRPr/>
+                      <a:endParaRPr dirty="0"/>
                     </a:p>
                   </a:txBody>
                   <a:tcPr marL="68575" marR="68575" marT="91425" marB="91425">
@@ -8489,18 +8846,6 @@
                         <a:t>Examples</a:t>
                       </a:r>
                       <a:endParaRPr lang="en-US" altLang="zh-HK" dirty="0"/>
-                    </a:p>
-                    <a:p>
-                      <a:pPr marL="0" lvl="0" indent="0" algn="l" rtl="0">
-                        <a:spcBef>
-                          <a:spcPts val="0"/>
-                        </a:spcBef>
-                        <a:spcAft>
-                          <a:spcPts val="0"/>
-                        </a:spcAft>
-                        <a:buNone/>
-                      </a:pPr>
-                      <a:endParaRPr dirty="0"/>
                     </a:p>
                   </a:txBody>
                   <a:tcPr marL="68575" marR="68575" marT="91425" marB="91425">
@@ -8565,8 +8910,9 @@
                       </a:pPr>
                       <a:r>
                         <a:rPr lang="en-US" dirty="0" err="1"/>
-                        <a:t>expected_shipment_date</a:t>
+                        <a:t>ship_date</a:t>
                       </a:r>
+                      <a:endParaRPr lang="en-US" dirty="0"/>
                     </a:p>
                   </a:txBody>
                   <a:tcPr marL="68575" marR="68575" marT="91425" marB="91425">
@@ -8739,7 +9085,7 @@
                       </a:pPr>
                       <a:r>
                         <a:rPr lang="en-US" dirty="0"/>
-                        <a:t>The expected shipment date</a:t>
+                        <a:t>The shipment date</a:t>
                       </a:r>
                     </a:p>
                   </a:txBody>
@@ -8798,32 +9144,22 @@
                       </a:pPr>
                       <a:r>
                         <a:rPr lang="en-US" dirty="0"/>
-                        <a:t>2019-01-30 21:39</a:t>
+                        <a:t>30/1/2019 21:39</a:t>
                       </a:r>
                     </a:p>
                     <a:p>
-                      <a:pPr marL="0" marR="0" lvl="0" indent="0" algn="l" defTabSz="914400" rtl="0" eaLnBrk="1" fontAlgn="auto" latinLnBrk="0" hangingPunct="1">
-                        <a:lnSpc>
-                          <a:spcPct val="100000"/>
-                        </a:lnSpc>
+                      <a:pPr marL="0" lvl="0" indent="0" algn="l" rtl="0">
                         <a:spcBef>
                           <a:spcPts val="0"/>
                         </a:spcBef>
                         <a:spcAft>
                           <a:spcPts val="0"/>
                         </a:spcAft>
-                        <a:buClr>
-                          <a:srgbClr val="000000"/>
-                        </a:buClr>
-                        <a:buSzTx/>
-                        <a:buFont typeface="Arial"/>
                         <a:buNone/>
-                        <a:tabLst/>
-                        <a:defRPr/>
                       </a:pPr>
                       <a:r>
-                        <a:rPr lang="en-US" altLang="zh-HK" dirty="0"/>
-                        <a:t>2019-01-31 22:49</a:t>
+                        <a:rPr lang="en-US" dirty="0"/>
+                        <a:t>31/1/2019 21:39</a:t>
                       </a:r>
                     </a:p>
                   </a:txBody>
@@ -8889,7 +9225,7 @@
                       </a:pPr>
                       <a:r>
                         <a:rPr lang="en-US" dirty="0" err="1"/>
-                        <a:t>ship_date</a:t>
+                        <a:t>Item_no</a:t>
                       </a:r>
                       <a:endParaRPr lang="en-US" dirty="0"/>
                     </a:p>
@@ -8904,7 +9240,7 @@
                       <a:headEnd type="none" w="sm" len="sm"/>
                       <a:tailEnd type="none" w="sm" len="sm"/>
                     </a:lnL>
-                    <a:lnR w="12650" cap="flat" cmpd="sng">
+                    <a:lnR w="12650" cap="flat" cmpd="sng" algn="ctr">
                       <a:solidFill>
                         <a:srgbClr val="000000"/>
                       </a:solidFill>
@@ -8913,7 +9249,7 @@
                       <a:headEnd type="none" w="sm" len="sm"/>
                       <a:tailEnd type="none" w="sm" len="sm"/>
                     </a:lnR>
-                    <a:lnT w="12650" cap="flat" cmpd="sng">
+                    <a:lnT w="12650" cap="flat" cmpd="sng" algn="ctr">
                       <a:solidFill>
                         <a:srgbClr val="000000"/>
                       </a:solidFill>
@@ -8949,12 +9285,12 @@
                       </a:pPr>
                       <a:r>
                         <a:rPr lang="en-US" dirty="0"/>
-                        <a:t>datetime()</a:t>
+                        <a:t>char(10)</a:t>
                       </a:r>
                     </a:p>
                   </a:txBody>
                   <a:tcPr marL="68575" marR="68575" marT="91425" marB="91425">
-                    <a:lnL w="12650" cap="flat" cmpd="sng">
+                    <a:lnL w="12650" cap="flat" cmpd="sng" algn="ctr">
                       <a:solidFill>
                         <a:srgbClr val="000000"/>
                       </a:solidFill>
@@ -8963,7 +9299,7 @@
                       <a:headEnd type="none" w="sm" len="sm"/>
                       <a:tailEnd type="none" w="sm" len="sm"/>
                     </a:lnL>
-                    <a:lnR w="12650" cap="flat" cmpd="sng">
+                    <a:lnR w="12650" cap="flat" cmpd="sng" algn="ctr">
                       <a:solidFill>
                         <a:srgbClr val="000000"/>
                       </a:solidFill>
@@ -8972,7 +9308,7 @@
                       <a:headEnd type="none" w="sm" len="sm"/>
                       <a:tailEnd type="none" w="sm" len="sm"/>
                     </a:lnR>
-                    <a:lnT w="12650" cap="flat" cmpd="sng">
+                    <a:lnT w="12650" cap="flat" cmpd="sng" algn="ctr">
                       <a:solidFill>
                         <a:srgbClr val="000000"/>
                       </a:solidFill>
@@ -9006,11 +9342,14 @@
                         </a:spcAft>
                         <a:buNone/>
                       </a:pPr>
-                      <a:endParaRPr dirty="0"/>
+                      <a:r>
+                        <a:rPr lang="en-US" dirty="0"/>
+                        <a:t>FK</a:t>
+                      </a:r>
                     </a:p>
                   </a:txBody>
                   <a:tcPr marL="68575" marR="68575" marT="91425" marB="91425">
-                    <a:lnL w="12650" cap="flat" cmpd="sng">
+                    <a:lnL w="12650" cap="flat" cmpd="sng" algn="ctr">
                       <a:solidFill>
                         <a:srgbClr val="000000"/>
                       </a:solidFill>
@@ -9019,7 +9358,7 @@
                       <a:headEnd type="none" w="sm" len="sm"/>
                       <a:tailEnd type="none" w="sm" len="sm"/>
                     </a:lnL>
-                    <a:lnR w="12650" cap="flat" cmpd="sng">
+                    <a:lnR w="12650" cap="flat" cmpd="sng" algn="ctr">
                       <a:solidFill>
                         <a:srgbClr val="000000"/>
                       </a:solidFill>
@@ -9028,7 +9367,7 @@
                       <a:headEnd type="none" w="sm" len="sm"/>
                       <a:tailEnd type="none" w="sm" len="sm"/>
                     </a:lnR>
-                    <a:lnT w="12650" cap="flat" cmpd="sng">
+                    <a:lnT w="12650" cap="flat" cmpd="sng" algn="ctr">
                       <a:solidFill>
                         <a:srgbClr val="000000"/>
                       </a:solidFill>
@@ -9064,12 +9403,12 @@
                       </a:pPr>
                       <a:r>
                         <a:rPr lang="en-US" dirty="0"/>
-                        <a:t>The actual shipment date</a:t>
+                        <a:t>The item number</a:t>
                       </a:r>
                     </a:p>
                   </a:txBody>
                   <a:tcPr marL="68575" marR="68575" marT="91425" marB="91425">
-                    <a:lnL w="12650" cap="flat" cmpd="sng">
+                    <a:lnL w="12650" cap="flat" cmpd="sng" algn="ctr">
                       <a:solidFill>
                         <a:srgbClr val="000000"/>
                       </a:solidFill>
@@ -9087,7 +9426,7 @@
                       <a:headEnd type="none" w="sm" len="sm"/>
                       <a:tailEnd type="none" w="sm" len="sm"/>
                     </a:lnR>
-                    <a:lnT w="12650" cap="flat" cmpd="sng">
+                    <a:lnT w="12650" cap="flat" cmpd="sng" algn="ctr">
                       <a:solidFill>
                         <a:srgbClr val="000000"/>
                       </a:solidFill>
@@ -9122,33 +9461,1576 @@
                         <a:buNone/>
                       </a:pPr>
                       <a:r>
-                        <a:rPr lang="en-US" altLang="zh-HK" dirty="0"/>
-                        <a:t>2019-01-30 23:59</a:t>
+                        <a:rPr lang="en-US" dirty="0"/>
+                        <a:t>I0001</a:t>
+                      </a:r>
+                      <a:br>
+                        <a:rPr lang="en-US" dirty="0"/>
+                      </a:br>
+                      <a:r>
+                        <a:rPr lang="en-US" dirty="0"/>
+                        <a:t>I0002</a:t>
+                      </a:r>
+                    </a:p>
+                  </a:txBody>
+                  <a:tcPr marL="68575" marR="68575" marT="91425" marB="91425">
+                    <a:lnL w="12650" cap="flat" cmpd="sng" algn="ctr">
+                      <a:solidFill>
+                        <a:srgbClr val="000000"/>
+                      </a:solidFill>
+                      <a:prstDash val="solid"/>
+                      <a:round/>
+                      <a:headEnd type="none" w="sm" len="sm"/>
+                      <a:tailEnd type="none" w="sm" len="sm"/>
+                    </a:lnL>
+                    <a:lnR w="12650" cap="flat" cmpd="sng">
+                      <a:solidFill>
+                        <a:srgbClr val="000000"/>
+                      </a:solidFill>
+                      <a:prstDash val="solid"/>
+                      <a:round/>
+                      <a:headEnd type="none" w="sm" len="sm"/>
+                      <a:tailEnd type="none" w="sm" len="sm"/>
+                    </a:lnR>
+                    <a:lnT w="12650" cap="flat" cmpd="sng" algn="ctr">
+                      <a:solidFill>
+                        <a:srgbClr val="000000"/>
+                      </a:solidFill>
+                      <a:prstDash val="solid"/>
+                      <a:round/>
+                      <a:headEnd type="none" w="sm" len="sm"/>
+                      <a:tailEnd type="none" w="sm" len="sm"/>
+                    </a:lnT>
+                    <a:lnB w="12650" cap="flat" cmpd="sng" algn="ctr">
+                      <a:solidFill>
+                        <a:srgbClr val="000000"/>
+                      </a:solidFill>
+                      <a:prstDash val="solid"/>
+                      <a:round/>
+                      <a:headEnd type="none" w="sm" len="sm"/>
+                      <a:tailEnd type="none" w="sm" len="sm"/>
+                    </a:lnB>
+                  </a:tcPr>
+                </a:tc>
+                <a:extLst>
+                  <a:ext uri="{0D108BD9-81ED-4DB2-BD59-A6C34878D82A}">
+                    <a16:rowId xmlns:a16="http://schemas.microsoft.com/office/drawing/2014/main" val="10002"/>
+                  </a:ext>
+                </a:extLst>
+              </a:tr>
+              <a:tr h="381000">
+                <a:tc>
+                  <a:txBody>
+                    <a:bodyPr/>
+                    <a:lstStyle/>
+                    <a:p>
+                      <a:pPr marL="0" lvl="0" indent="0" algn="l" rtl="0">
+                        <a:spcBef>
+                          <a:spcPts val="0"/>
+                        </a:spcBef>
+                        <a:spcAft>
+                          <a:spcPts val="0"/>
+                        </a:spcAft>
+                        <a:buNone/>
+                      </a:pPr>
+                      <a:r>
+                        <a:rPr lang="en-US" dirty="0"/>
+                        <a:t>weight</a:t>
+                      </a:r>
+                    </a:p>
+                  </a:txBody>
+                  <a:tcPr marL="68575" marR="68575" marT="91425" marB="91425">
+                    <a:lnL w="12650" cap="flat" cmpd="sng">
+                      <a:solidFill>
+                        <a:srgbClr val="000000"/>
+                      </a:solidFill>
+                      <a:prstDash val="solid"/>
+                      <a:round/>
+                      <a:headEnd type="none" w="sm" len="sm"/>
+                      <a:tailEnd type="none" w="sm" len="sm"/>
+                    </a:lnL>
+                    <a:lnR w="12650" cap="flat" cmpd="sng" algn="ctr">
+                      <a:solidFill>
+                        <a:srgbClr val="000000"/>
+                      </a:solidFill>
+                      <a:prstDash val="solid"/>
+                      <a:round/>
+                      <a:headEnd type="none" w="sm" len="sm"/>
+                      <a:tailEnd type="none" w="sm" len="sm"/>
+                    </a:lnR>
+                    <a:lnT w="12650" cap="flat" cmpd="sng" algn="ctr">
+                      <a:solidFill>
+                        <a:srgbClr val="000000"/>
+                      </a:solidFill>
+                      <a:prstDash val="solid"/>
+                      <a:round/>
+                      <a:headEnd type="none" w="sm" len="sm"/>
+                      <a:tailEnd type="none" w="sm" len="sm"/>
+                    </a:lnT>
+                    <a:lnB w="12650" cap="flat" cmpd="sng" algn="ctr">
+                      <a:solidFill>
+                        <a:srgbClr val="000000"/>
+                      </a:solidFill>
+                      <a:prstDash val="solid"/>
+                      <a:round/>
+                      <a:headEnd type="none" w="sm" len="sm"/>
+                      <a:tailEnd type="none" w="sm" len="sm"/>
+                    </a:lnB>
+                  </a:tcPr>
+                </a:tc>
+                <a:tc>
+                  <a:txBody>
+                    <a:bodyPr/>
+                    <a:lstStyle/>
+                    <a:p>
+                      <a:pPr marL="0" lvl="0" indent="0" algn="l" rtl="0">
+                        <a:spcBef>
+                          <a:spcPts val="0"/>
+                        </a:spcBef>
+                        <a:spcAft>
+                          <a:spcPts val="0"/>
+                        </a:spcAft>
+                        <a:buNone/>
+                      </a:pPr>
+                      <a:r>
+                        <a:rPr lang="en-US" dirty="0"/>
+                        <a:t>double(7,5)</a:t>
+                      </a:r>
+                    </a:p>
+                  </a:txBody>
+                  <a:tcPr marL="68575" marR="68575" marT="91425" marB="91425">
+                    <a:lnL w="12650" cap="flat" cmpd="sng" algn="ctr">
+                      <a:solidFill>
+                        <a:srgbClr val="000000"/>
+                      </a:solidFill>
+                      <a:prstDash val="solid"/>
+                      <a:round/>
+                      <a:headEnd type="none" w="sm" len="sm"/>
+                      <a:tailEnd type="none" w="sm" len="sm"/>
+                    </a:lnL>
+                    <a:lnR w="12650" cap="flat" cmpd="sng" algn="ctr">
+                      <a:solidFill>
+                        <a:srgbClr val="000000"/>
+                      </a:solidFill>
+                      <a:prstDash val="solid"/>
+                      <a:round/>
+                      <a:headEnd type="none" w="sm" len="sm"/>
+                      <a:tailEnd type="none" w="sm" len="sm"/>
+                    </a:lnR>
+                    <a:lnT w="12650" cap="flat" cmpd="sng" algn="ctr">
+                      <a:solidFill>
+                        <a:srgbClr val="000000"/>
+                      </a:solidFill>
+                      <a:prstDash val="solid"/>
+                      <a:round/>
+                      <a:headEnd type="none" w="sm" len="sm"/>
+                      <a:tailEnd type="none" w="sm" len="sm"/>
+                    </a:lnT>
+                    <a:lnB w="12650" cap="flat" cmpd="sng" algn="ctr">
+                      <a:solidFill>
+                        <a:srgbClr val="000000"/>
+                      </a:solidFill>
+                      <a:prstDash val="solid"/>
+                      <a:round/>
+                      <a:headEnd type="none" w="sm" len="sm"/>
+                      <a:tailEnd type="none" w="sm" len="sm"/>
+                    </a:lnB>
+                  </a:tcPr>
+                </a:tc>
+                <a:tc>
+                  <a:txBody>
+                    <a:bodyPr/>
+                    <a:lstStyle/>
+                    <a:p>
+                      <a:pPr marL="0" lvl="0" indent="0" algn="l" rtl="0">
+                        <a:spcBef>
+                          <a:spcPts val="0"/>
+                        </a:spcBef>
+                        <a:spcAft>
+                          <a:spcPts val="0"/>
+                        </a:spcAft>
+                        <a:buNone/>
+                      </a:pPr>
+                      <a:endParaRPr dirty="0"/>
+                    </a:p>
+                  </a:txBody>
+                  <a:tcPr marL="68575" marR="68575" marT="91425" marB="91425">
+                    <a:lnL w="12650" cap="flat" cmpd="sng" algn="ctr">
+                      <a:solidFill>
+                        <a:srgbClr val="000000"/>
+                      </a:solidFill>
+                      <a:prstDash val="solid"/>
+                      <a:round/>
+                      <a:headEnd type="none" w="sm" len="sm"/>
+                      <a:tailEnd type="none" w="sm" len="sm"/>
+                    </a:lnL>
+                    <a:lnR w="12650" cap="flat" cmpd="sng" algn="ctr">
+                      <a:solidFill>
+                        <a:srgbClr val="000000"/>
+                      </a:solidFill>
+                      <a:prstDash val="solid"/>
+                      <a:round/>
+                      <a:headEnd type="none" w="sm" len="sm"/>
+                      <a:tailEnd type="none" w="sm" len="sm"/>
+                    </a:lnR>
+                    <a:lnT w="12650" cap="flat" cmpd="sng" algn="ctr">
+                      <a:solidFill>
+                        <a:srgbClr val="000000"/>
+                      </a:solidFill>
+                      <a:prstDash val="solid"/>
+                      <a:round/>
+                      <a:headEnd type="none" w="sm" len="sm"/>
+                      <a:tailEnd type="none" w="sm" len="sm"/>
+                    </a:lnT>
+                    <a:lnB w="12650" cap="flat" cmpd="sng" algn="ctr">
+                      <a:solidFill>
+                        <a:srgbClr val="000000"/>
+                      </a:solidFill>
+                      <a:prstDash val="solid"/>
+                      <a:round/>
+                      <a:headEnd type="none" w="sm" len="sm"/>
+                      <a:tailEnd type="none" w="sm" len="sm"/>
+                    </a:lnB>
+                  </a:tcPr>
+                </a:tc>
+                <a:tc>
+                  <a:txBody>
+                    <a:bodyPr/>
+                    <a:lstStyle/>
+                    <a:p>
+                      <a:pPr marL="0" lvl="0" indent="0" algn="l" rtl="0">
+                        <a:spcBef>
+                          <a:spcPts val="0"/>
+                        </a:spcBef>
+                        <a:spcAft>
+                          <a:spcPts val="0"/>
+                        </a:spcAft>
+                        <a:buNone/>
+                      </a:pPr>
+                      <a:r>
+                        <a:rPr lang="en-US" dirty="0"/>
+                        <a:t>The weight of the item</a:t>
+                      </a:r>
+                    </a:p>
+                  </a:txBody>
+                  <a:tcPr marL="68575" marR="68575" marT="91425" marB="91425">
+                    <a:lnL w="12650" cap="flat" cmpd="sng" algn="ctr">
+                      <a:solidFill>
+                        <a:srgbClr val="000000"/>
+                      </a:solidFill>
+                      <a:prstDash val="solid"/>
+                      <a:round/>
+                      <a:headEnd type="none" w="sm" len="sm"/>
+                      <a:tailEnd type="none" w="sm" len="sm"/>
+                    </a:lnL>
+                    <a:lnR w="12650" cap="flat" cmpd="sng" algn="ctr">
+                      <a:solidFill>
+                        <a:srgbClr val="000000"/>
+                      </a:solidFill>
+                      <a:prstDash val="solid"/>
+                      <a:round/>
+                      <a:headEnd type="none" w="sm" len="sm"/>
+                      <a:tailEnd type="none" w="sm" len="sm"/>
+                    </a:lnR>
+                    <a:lnT w="12650" cap="flat" cmpd="sng" algn="ctr">
+                      <a:solidFill>
+                        <a:srgbClr val="000000"/>
+                      </a:solidFill>
+                      <a:prstDash val="solid"/>
+                      <a:round/>
+                      <a:headEnd type="none" w="sm" len="sm"/>
+                      <a:tailEnd type="none" w="sm" len="sm"/>
+                    </a:lnT>
+                    <a:lnB w="12650" cap="flat" cmpd="sng" algn="ctr">
+                      <a:solidFill>
+                        <a:srgbClr val="000000"/>
+                      </a:solidFill>
+                      <a:prstDash val="solid"/>
+                      <a:round/>
+                      <a:headEnd type="none" w="sm" len="sm"/>
+                      <a:tailEnd type="none" w="sm" len="sm"/>
+                    </a:lnB>
+                  </a:tcPr>
+                </a:tc>
+                <a:tc>
+                  <a:txBody>
+                    <a:bodyPr/>
+                    <a:lstStyle/>
+                    <a:p>
+                      <a:pPr marL="0" lvl="0" indent="0" algn="l" rtl="0">
+                        <a:spcBef>
+                          <a:spcPts val="0"/>
+                        </a:spcBef>
+                        <a:spcAft>
+                          <a:spcPts val="0"/>
+                        </a:spcAft>
+                        <a:buNone/>
+                      </a:pPr>
+                      <a:r>
+                        <a:rPr lang="en-US" dirty="0"/>
+                        <a:t>11.22222</a:t>
                       </a:r>
                     </a:p>
                     <a:p>
-                      <a:pPr marL="0" marR="0" lvl="0" indent="0" algn="l" defTabSz="914400" rtl="0" eaLnBrk="1" fontAlgn="auto" latinLnBrk="0" hangingPunct="1">
-                        <a:lnSpc>
-                          <a:spcPct val="100000"/>
-                        </a:lnSpc>
+                      <a:pPr marL="0" lvl="0" indent="0" algn="l" rtl="0">
                         <a:spcBef>
                           <a:spcPts val="0"/>
                         </a:spcBef>
                         <a:spcAft>
                           <a:spcPts val="0"/>
                         </a:spcAft>
-                        <a:buClr>
-                          <a:srgbClr val="000000"/>
-                        </a:buClr>
-                        <a:buSzTx/>
-                        <a:buFont typeface="Arial"/>
                         <a:buNone/>
-                        <a:tabLst/>
-                        <a:defRPr/>
                       </a:pPr>
                       <a:r>
-                        <a:rPr lang="en-US" altLang="zh-HK" dirty="0"/>
-                        <a:t>2019-02-01 23:59</a:t>
+                        <a:rPr lang="en-US" dirty="0"/>
+                        <a:t>88.00006</a:t>
+                      </a:r>
+                    </a:p>
+                  </a:txBody>
+                  <a:tcPr marL="68575" marR="68575" marT="91425" marB="91425">
+                    <a:lnL w="12650" cap="flat" cmpd="sng" algn="ctr">
+                      <a:solidFill>
+                        <a:srgbClr val="000000"/>
+                      </a:solidFill>
+                      <a:prstDash val="solid"/>
+                      <a:round/>
+                      <a:headEnd type="none" w="sm" len="sm"/>
+                      <a:tailEnd type="none" w="sm" len="sm"/>
+                    </a:lnL>
+                    <a:lnR w="12650" cap="flat" cmpd="sng">
+                      <a:solidFill>
+                        <a:srgbClr val="000000"/>
+                      </a:solidFill>
+                      <a:prstDash val="solid"/>
+                      <a:round/>
+                      <a:headEnd type="none" w="sm" len="sm"/>
+                      <a:tailEnd type="none" w="sm" len="sm"/>
+                    </a:lnR>
+                    <a:lnT w="12650" cap="flat" cmpd="sng" algn="ctr">
+                      <a:solidFill>
+                        <a:srgbClr val="000000"/>
+                      </a:solidFill>
+                      <a:prstDash val="solid"/>
+                      <a:round/>
+                      <a:headEnd type="none" w="sm" len="sm"/>
+                      <a:tailEnd type="none" w="sm" len="sm"/>
+                    </a:lnT>
+                    <a:lnB w="12650" cap="flat" cmpd="sng" algn="ctr">
+                      <a:solidFill>
+                        <a:srgbClr val="000000"/>
+                      </a:solidFill>
+                      <a:prstDash val="solid"/>
+                      <a:round/>
+                      <a:headEnd type="none" w="sm" len="sm"/>
+                      <a:tailEnd type="none" w="sm" len="sm"/>
+                    </a:lnB>
+                  </a:tcPr>
+                </a:tc>
+                <a:extLst>
+                  <a:ext uri="{0D108BD9-81ED-4DB2-BD59-A6C34878D82A}">
+                    <a16:rowId xmlns:a16="http://schemas.microsoft.com/office/drawing/2014/main" val="10004"/>
+                  </a:ext>
+                </a:extLst>
+              </a:tr>
+            </a:tbl>
+          </a:graphicData>
+        </a:graphic>
+      </p:graphicFrame>
+    </p:spTree>
+  </p:cSld>
+  <p:clrMapOvr>
+    <a:masterClrMapping/>
+  </p:clrMapOvr>
+</p:sld>
+</file>
+
+<file path=ppt/slides/slide4.xml><?xml version="1.0" encoding="utf-8"?>
+<p:sld xmlns:a="http://schemas.openxmlformats.org/drawingml/2006/main" xmlns:r="http://schemas.openxmlformats.org/officeDocument/2006/relationships" xmlns:p="http://schemas.openxmlformats.org/presentationml/2006/main">
+  <p:cSld>
+    <p:spTree>
+      <p:nvGrpSpPr>
+        <p:cNvPr id="1" name=""/>
+        <p:cNvGrpSpPr/>
+        <p:nvPr/>
+      </p:nvGrpSpPr>
+      <p:grpSpPr>
+        <a:xfrm>
+          <a:off x="0" y="0"/>
+          <a:ext cx="0" cy="0"/>
+          <a:chOff x="0" y="0"/>
+          <a:chExt cx="0" cy="0"/>
+        </a:xfrm>
+      </p:grpSpPr>
+      <p:sp>
+        <p:nvSpPr>
+          <p:cNvPr id="2" name="標題 1">
+            <a:extLst>
+              <a:ext uri="{FF2B5EF4-FFF2-40B4-BE49-F238E27FC236}">
+                <a16:creationId xmlns:a16="http://schemas.microsoft.com/office/drawing/2014/main" id="{E06F6255-F2D0-414C-9E33-F883E12629CD}"/>
+              </a:ext>
+            </a:extLst>
+          </p:cNvPr>
+          <p:cNvSpPr>
+            <a:spLocks noGrp="1"/>
+          </p:cNvSpPr>
+          <p:nvPr>
+            <p:ph type="title"/>
+          </p:nvPr>
+        </p:nvSpPr>
+        <p:spPr/>
+        <p:txBody>
+          <a:bodyPr/>
+          <a:lstStyle/>
+          <a:p>
+            <a:r>
+              <a:rPr lang="en-US" altLang="zh-HK" dirty="0" err="1"/>
+              <a:t>logistics_sample_data</a:t>
+            </a:r>
+            <a:r>
+              <a:rPr lang="zh-TW" altLang="en-US" dirty="0"/>
+              <a:t> </a:t>
+            </a:r>
+            <a:r>
+              <a:rPr lang="en-US" altLang="zh-TW" dirty="0"/>
+              <a:t>from </a:t>
+            </a:r>
+            <a:r>
+              <a:rPr lang="en-US" altLang="zh-HK" dirty="0"/>
+              <a:t>manufacturers</a:t>
+            </a:r>
+            <a:endParaRPr lang="zh-HK" altLang="en-US" dirty="0"/>
+          </a:p>
+        </p:txBody>
+      </p:sp>
+      <p:pic>
+        <p:nvPicPr>
+          <p:cNvPr id="5" name="圖片 4">
+            <a:extLst>
+              <a:ext uri="{FF2B5EF4-FFF2-40B4-BE49-F238E27FC236}">
+                <a16:creationId xmlns:a16="http://schemas.microsoft.com/office/drawing/2014/main" id="{159856FA-8302-4340-BAE1-11130B9CD14C}"/>
+              </a:ext>
+            </a:extLst>
+          </p:cNvPr>
+          <p:cNvPicPr>
+            <a:picLocks noChangeAspect="1"/>
+          </p:cNvPicPr>
+          <p:nvPr/>
+        </p:nvPicPr>
+        <p:blipFill>
+          <a:blip r:embed="rId2"/>
+          <a:stretch>
+            <a:fillRect/>
+          </a:stretch>
+        </p:blipFill>
+        <p:spPr>
+          <a:xfrm>
+            <a:off x="311700" y="1152475"/>
+            <a:ext cx="6905625" cy="3829050"/>
+          </a:xfrm>
+          <a:prstGeom prst="rect">
+            <a:avLst/>
+          </a:prstGeom>
+        </p:spPr>
+      </p:pic>
+      <p:sp>
+        <p:nvSpPr>
+          <p:cNvPr id="3" name="文字版面配置區 2">
+            <a:extLst>
+              <a:ext uri="{FF2B5EF4-FFF2-40B4-BE49-F238E27FC236}">
+                <a16:creationId xmlns:a16="http://schemas.microsoft.com/office/drawing/2014/main" id="{FA24F6DB-FB0F-4B1D-AF32-3034FCC809CD}"/>
+              </a:ext>
+            </a:extLst>
+          </p:cNvPr>
+          <p:cNvSpPr>
+            <a:spLocks noGrp="1"/>
+          </p:cNvSpPr>
+          <p:nvPr>
+            <p:ph type="body" idx="1"/>
+          </p:nvPr>
+        </p:nvSpPr>
+        <p:spPr/>
+        <p:txBody>
+          <a:bodyPr/>
+          <a:lstStyle/>
+          <a:p>
+            <a:endParaRPr lang="zh-HK" altLang="en-US" dirty="0"/>
+          </a:p>
+        </p:txBody>
+      </p:sp>
+    </p:spTree>
+    <p:extLst>
+      <p:ext uri="{BB962C8B-B14F-4D97-AF65-F5344CB8AC3E}">
+        <p14:creationId xmlns:p14="http://schemas.microsoft.com/office/powerpoint/2010/main" val="2957424948"/>
+      </p:ext>
+    </p:extLst>
+  </p:cSld>
+  <p:clrMapOvr>
+    <a:masterClrMapping/>
+  </p:clrMapOvr>
+</p:sld>
+</file>
+
+<file path=ppt/slides/slide5.xml><?xml version="1.0" encoding="utf-8"?>
+<p:sld xmlns:a="http://schemas.openxmlformats.org/drawingml/2006/main" xmlns:r="http://schemas.openxmlformats.org/officeDocument/2006/relationships" xmlns:p="http://schemas.openxmlformats.org/presentationml/2006/main">
+  <p:cSld>
+    <p:spTree>
+      <p:nvGrpSpPr>
+        <p:cNvPr id="1" name=""/>
+        <p:cNvGrpSpPr/>
+        <p:nvPr/>
+      </p:nvGrpSpPr>
+      <p:grpSpPr>
+        <a:xfrm>
+          <a:off x="0" y="0"/>
+          <a:ext cx="0" cy="0"/>
+          <a:chOff x="0" y="0"/>
+          <a:chExt cx="0" cy="0"/>
+        </a:xfrm>
+      </p:grpSpPr>
+      <p:sp>
+        <p:nvSpPr>
+          <p:cNvPr id="2" name="標題 1">
+            <a:extLst>
+              <a:ext uri="{FF2B5EF4-FFF2-40B4-BE49-F238E27FC236}">
+                <a16:creationId xmlns:a16="http://schemas.microsoft.com/office/drawing/2014/main" id="{7E97453A-E82E-40A3-B7C5-92639D5ED987}"/>
+              </a:ext>
+            </a:extLst>
+          </p:cNvPr>
+          <p:cNvSpPr>
+            <a:spLocks noGrp="1"/>
+          </p:cNvSpPr>
+          <p:nvPr>
+            <p:ph type="title"/>
+          </p:nvPr>
+        </p:nvSpPr>
+        <p:spPr>
+          <a:xfrm>
+            <a:off x="0" y="1925"/>
+            <a:ext cx="8520600" cy="572700"/>
+          </a:xfrm>
+        </p:spPr>
+        <p:txBody>
+          <a:bodyPr/>
+          <a:lstStyle/>
+          <a:p>
+            <a:r>
+              <a:rPr lang="en-US" altLang="zh-HK" dirty="0" err="1"/>
+              <a:t>logistics_sample_format</a:t>
+            </a:r>
+            <a:r>
+              <a:rPr lang="zh-TW" altLang="en-US" dirty="0"/>
+              <a:t> </a:t>
+            </a:r>
+            <a:r>
+              <a:rPr lang="en-US" altLang="zh-TW" dirty="0"/>
+              <a:t>from retailers</a:t>
+            </a:r>
+            <a:endParaRPr lang="zh-HK" altLang="en-US" dirty="0"/>
+          </a:p>
+        </p:txBody>
+      </p:sp>
+      <p:sp>
+        <p:nvSpPr>
+          <p:cNvPr id="3" name="文字版面配置區 2">
+            <a:extLst>
+              <a:ext uri="{FF2B5EF4-FFF2-40B4-BE49-F238E27FC236}">
+                <a16:creationId xmlns:a16="http://schemas.microsoft.com/office/drawing/2014/main" id="{8AA59E1C-55A0-4EF3-B504-03DF03D4B231}"/>
+              </a:ext>
+            </a:extLst>
+          </p:cNvPr>
+          <p:cNvSpPr>
+            <a:spLocks noGrp="1"/>
+          </p:cNvSpPr>
+          <p:nvPr>
+            <p:ph type="body" idx="1"/>
+          </p:nvPr>
+        </p:nvSpPr>
+        <p:spPr/>
+        <p:txBody>
+          <a:bodyPr/>
+          <a:lstStyle/>
+          <a:p>
+            <a:endParaRPr lang="zh-HK" altLang="en-US" dirty="0"/>
+          </a:p>
+        </p:txBody>
+      </p:sp>
+      <p:graphicFrame>
+        <p:nvGraphicFramePr>
+          <p:cNvPr id="6" name="Google Shape;62;p14">
+            <a:extLst>
+              <a:ext uri="{FF2B5EF4-FFF2-40B4-BE49-F238E27FC236}">
+                <a16:creationId xmlns:a16="http://schemas.microsoft.com/office/drawing/2014/main" id="{003D3B9D-6FCB-4D5B-81FE-FA33389AF98D}"/>
+              </a:ext>
+            </a:extLst>
+          </p:cNvPr>
+          <p:cNvGraphicFramePr/>
+          <p:nvPr>
+            <p:extLst>
+              <p:ext uri="{D42A27DB-BD31-4B8C-83A1-F6EECF244321}">
+                <p14:modId xmlns:p14="http://schemas.microsoft.com/office/powerpoint/2010/main" val="897680338"/>
+              </p:ext>
+            </p:extLst>
+          </p:nvPr>
+        </p:nvGraphicFramePr>
+        <p:xfrm>
+          <a:off x="311700" y="574625"/>
+          <a:ext cx="7555999" cy="4266990"/>
+        </p:xfrm>
+        <a:graphic>
+          <a:graphicData uri="http://schemas.openxmlformats.org/drawingml/2006/table">
+            <a:tbl>
+              <a:tblPr>
+                <a:noFill/>
+                <a:tableStyleId>{809D720A-15E3-4011-8018-CBF829D7B348}</a:tableStyleId>
+              </a:tblPr>
+              <a:tblGrid>
+                <a:gridCol w="1643688">
+                  <a:extLst>
+                    <a:ext uri="{9D8B030D-6E8A-4147-A177-3AD203B41FA5}">
+                      <a16:colId xmlns:a16="http://schemas.microsoft.com/office/drawing/2014/main" val="20000"/>
+                    </a:ext>
+                  </a:extLst>
+                </a:gridCol>
+                <a:gridCol w="1326688">
+                  <a:extLst>
+                    <a:ext uri="{9D8B030D-6E8A-4147-A177-3AD203B41FA5}">
+                      <a16:colId xmlns:a16="http://schemas.microsoft.com/office/drawing/2014/main" val="20001"/>
+                    </a:ext>
+                  </a:extLst>
+                </a:gridCol>
+                <a:gridCol w="946524">
+                  <a:extLst>
+                    <a:ext uri="{9D8B030D-6E8A-4147-A177-3AD203B41FA5}">
+                      <a16:colId xmlns:a16="http://schemas.microsoft.com/office/drawing/2014/main" val="20002"/>
+                    </a:ext>
+                  </a:extLst>
+                </a:gridCol>
+                <a:gridCol w="1706852">
+                  <a:extLst>
+                    <a:ext uri="{9D8B030D-6E8A-4147-A177-3AD203B41FA5}">
+                      <a16:colId xmlns:a16="http://schemas.microsoft.com/office/drawing/2014/main" val="20003"/>
+                    </a:ext>
+                  </a:extLst>
+                </a:gridCol>
+                <a:gridCol w="1932247">
+                  <a:extLst>
+                    <a:ext uri="{9D8B030D-6E8A-4147-A177-3AD203B41FA5}">
+                      <a16:colId xmlns:a16="http://schemas.microsoft.com/office/drawing/2014/main" val="110897952"/>
+                    </a:ext>
+                  </a:extLst>
+                </a:gridCol>
+              </a:tblGrid>
+              <a:tr h="381000">
+                <a:tc>
+                  <a:txBody>
+                    <a:bodyPr/>
+                    <a:lstStyle/>
+                    <a:p>
+                      <a:pPr marL="0" lvl="0" indent="0" algn="l" rtl="0">
+                        <a:spcBef>
+                          <a:spcPts val="0"/>
+                        </a:spcBef>
+                        <a:spcAft>
+                          <a:spcPts val="0"/>
+                        </a:spcAft>
+                        <a:buNone/>
+                      </a:pPr>
+                      <a:r>
+                        <a:rPr lang="zh-TW" dirty="0"/>
+                        <a:t>Name</a:t>
+                      </a:r>
+                      <a:endParaRPr dirty="0"/>
+                    </a:p>
+                  </a:txBody>
+                  <a:tcPr marL="68575" marR="68575" marT="91425" marB="91425">
+                    <a:lnL w="12650" cap="flat" cmpd="sng">
+                      <a:solidFill>
+                        <a:srgbClr val="000000"/>
+                      </a:solidFill>
+                      <a:prstDash val="solid"/>
+                      <a:round/>
+                      <a:headEnd type="none" w="sm" len="sm"/>
+                      <a:tailEnd type="none" w="sm" len="sm"/>
+                    </a:lnL>
+                    <a:lnR w="12650" cap="flat" cmpd="sng">
+                      <a:solidFill>
+                        <a:srgbClr val="000000"/>
+                      </a:solidFill>
+                      <a:prstDash val="solid"/>
+                      <a:round/>
+                      <a:headEnd type="none" w="sm" len="sm"/>
+                      <a:tailEnd type="none" w="sm" len="sm"/>
+                    </a:lnR>
+                    <a:lnT w="12650" cap="flat" cmpd="sng">
+                      <a:solidFill>
+                        <a:srgbClr val="000000"/>
+                      </a:solidFill>
+                      <a:prstDash val="solid"/>
+                      <a:round/>
+                      <a:headEnd type="none" w="sm" len="sm"/>
+                      <a:tailEnd type="none" w="sm" len="sm"/>
+                    </a:lnT>
+                    <a:lnB w="12650" cap="flat" cmpd="sng">
+                      <a:solidFill>
+                        <a:srgbClr val="000000"/>
+                      </a:solidFill>
+                      <a:prstDash val="solid"/>
+                      <a:round/>
+                      <a:headEnd type="none" w="sm" len="sm"/>
+                      <a:tailEnd type="none" w="sm" len="sm"/>
+                    </a:lnB>
+                  </a:tcPr>
+                </a:tc>
+                <a:tc>
+                  <a:txBody>
+                    <a:bodyPr/>
+                    <a:lstStyle/>
+                    <a:p>
+                      <a:pPr marL="0" lvl="0" indent="0" algn="l" rtl="0">
+                        <a:spcBef>
+                          <a:spcPts val="0"/>
+                        </a:spcBef>
+                        <a:spcAft>
+                          <a:spcPts val="0"/>
+                        </a:spcAft>
+                        <a:buNone/>
+                      </a:pPr>
+                      <a:r>
+                        <a:rPr lang="zh-TW"/>
+                        <a:t>Data type</a:t>
+                      </a:r>
+                      <a:endParaRPr/>
+                    </a:p>
+                  </a:txBody>
+                  <a:tcPr marL="68575" marR="68575" marT="91425" marB="91425">
+                    <a:lnL w="12650" cap="flat" cmpd="sng">
+                      <a:solidFill>
+                        <a:srgbClr val="000000"/>
+                      </a:solidFill>
+                      <a:prstDash val="solid"/>
+                      <a:round/>
+                      <a:headEnd type="none" w="sm" len="sm"/>
+                      <a:tailEnd type="none" w="sm" len="sm"/>
+                    </a:lnL>
+                    <a:lnR w="12650" cap="flat" cmpd="sng">
+                      <a:solidFill>
+                        <a:srgbClr val="000000"/>
+                      </a:solidFill>
+                      <a:prstDash val="solid"/>
+                      <a:round/>
+                      <a:headEnd type="none" w="sm" len="sm"/>
+                      <a:tailEnd type="none" w="sm" len="sm"/>
+                    </a:lnR>
+                    <a:lnT w="12650" cap="flat" cmpd="sng">
+                      <a:solidFill>
+                        <a:srgbClr val="000000"/>
+                      </a:solidFill>
+                      <a:prstDash val="solid"/>
+                      <a:round/>
+                      <a:headEnd type="none" w="sm" len="sm"/>
+                      <a:tailEnd type="none" w="sm" len="sm"/>
+                    </a:lnT>
+                    <a:lnB w="12650" cap="flat" cmpd="sng">
+                      <a:solidFill>
+                        <a:srgbClr val="000000"/>
+                      </a:solidFill>
+                      <a:prstDash val="solid"/>
+                      <a:round/>
+                      <a:headEnd type="none" w="sm" len="sm"/>
+                      <a:tailEnd type="none" w="sm" len="sm"/>
+                    </a:lnB>
+                  </a:tcPr>
+                </a:tc>
+                <a:tc>
+                  <a:txBody>
+                    <a:bodyPr/>
+                    <a:lstStyle/>
+                    <a:p>
+                      <a:pPr marL="0" lvl="0" indent="0" algn="l" rtl="0">
+                        <a:spcBef>
+                          <a:spcPts val="0"/>
+                        </a:spcBef>
+                        <a:spcAft>
+                          <a:spcPts val="0"/>
+                        </a:spcAft>
+                        <a:buNone/>
+                      </a:pPr>
+                      <a:r>
+                        <a:rPr lang="zh-TW"/>
+                        <a:t>Constraint</a:t>
+                      </a:r>
+                      <a:endParaRPr/>
+                    </a:p>
+                  </a:txBody>
+                  <a:tcPr marL="68575" marR="68575" marT="91425" marB="91425">
+                    <a:lnL w="12650" cap="flat" cmpd="sng">
+                      <a:solidFill>
+                        <a:srgbClr val="000000"/>
+                      </a:solidFill>
+                      <a:prstDash val="solid"/>
+                      <a:round/>
+                      <a:headEnd type="none" w="sm" len="sm"/>
+                      <a:tailEnd type="none" w="sm" len="sm"/>
+                    </a:lnL>
+                    <a:lnR w="12650" cap="flat" cmpd="sng">
+                      <a:solidFill>
+                        <a:srgbClr val="000000"/>
+                      </a:solidFill>
+                      <a:prstDash val="solid"/>
+                      <a:round/>
+                      <a:headEnd type="none" w="sm" len="sm"/>
+                      <a:tailEnd type="none" w="sm" len="sm"/>
+                    </a:lnR>
+                    <a:lnT w="12650" cap="flat" cmpd="sng">
+                      <a:solidFill>
+                        <a:srgbClr val="000000"/>
+                      </a:solidFill>
+                      <a:prstDash val="solid"/>
+                      <a:round/>
+                      <a:headEnd type="none" w="sm" len="sm"/>
+                      <a:tailEnd type="none" w="sm" len="sm"/>
+                    </a:lnT>
+                    <a:lnB w="12650" cap="flat" cmpd="sng">
+                      <a:solidFill>
+                        <a:srgbClr val="000000"/>
+                      </a:solidFill>
+                      <a:prstDash val="solid"/>
+                      <a:round/>
+                      <a:headEnd type="none" w="sm" len="sm"/>
+                      <a:tailEnd type="none" w="sm" len="sm"/>
+                    </a:lnB>
+                  </a:tcPr>
+                </a:tc>
+                <a:tc>
+                  <a:txBody>
+                    <a:bodyPr/>
+                    <a:lstStyle/>
+                    <a:p>
+                      <a:pPr marL="0" lvl="0" indent="0" algn="l" rtl="0">
+                        <a:spcBef>
+                          <a:spcPts val="0"/>
+                        </a:spcBef>
+                        <a:spcAft>
+                          <a:spcPts val="0"/>
+                        </a:spcAft>
+                        <a:buNone/>
+                      </a:pPr>
+                      <a:r>
+                        <a:rPr lang="zh-TW" dirty="0"/>
+                        <a:t>Description</a:t>
+                      </a:r>
+                      <a:endParaRPr dirty="0"/>
+                    </a:p>
+                  </a:txBody>
+                  <a:tcPr marL="68575" marR="68575" marT="91425" marB="91425">
+                    <a:lnL w="12650" cap="flat" cmpd="sng">
+                      <a:solidFill>
+                        <a:srgbClr val="000000"/>
+                      </a:solidFill>
+                      <a:prstDash val="solid"/>
+                      <a:round/>
+                      <a:headEnd type="none" w="sm" len="sm"/>
+                      <a:tailEnd type="none" w="sm" len="sm"/>
+                    </a:lnL>
+                    <a:lnR w="12650" cap="flat" cmpd="sng" algn="ctr">
+                      <a:solidFill>
+                        <a:srgbClr val="000000"/>
+                      </a:solidFill>
+                      <a:prstDash val="solid"/>
+                      <a:round/>
+                      <a:headEnd type="none" w="sm" len="sm"/>
+                      <a:tailEnd type="none" w="sm" len="sm"/>
+                    </a:lnR>
+                    <a:lnT w="12650" cap="flat" cmpd="sng">
+                      <a:solidFill>
+                        <a:srgbClr val="000000"/>
+                      </a:solidFill>
+                      <a:prstDash val="solid"/>
+                      <a:round/>
+                      <a:headEnd type="none" w="sm" len="sm"/>
+                      <a:tailEnd type="none" w="sm" len="sm"/>
+                    </a:lnT>
+                    <a:lnB w="12650" cap="flat" cmpd="sng">
+                      <a:solidFill>
+                        <a:srgbClr val="000000"/>
+                      </a:solidFill>
+                      <a:prstDash val="solid"/>
+                      <a:round/>
+                      <a:headEnd type="none" w="sm" len="sm"/>
+                      <a:tailEnd type="none" w="sm" len="sm"/>
+                    </a:lnB>
+                  </a:tcPr>
+                </a:tc>
+                <a:tc>
+                  <a:txBody>
+                    <a:bodyPr/>
+                    <a:lstStyle/>
+                    <a:p>
+                      <a:pPr marL="0" lvl="0" indent="0" algn="l" rtl="0">
+                        <a:spcBef>
+                          <a:spcPts val="0"/>
+                        </a:spcBef>
+                        <a:spcAft>
+                          <a:spcPts val="0"/>
+                        </a:spcAft>
+                        <a:buNone/>
+                      </a:pPr>
+                      <a:r>
+                        <a:rPr lang="en-US" altLang="zh-TW" dirty="0"/>
+                        <a:t>Examples</a:t>
+                      </a:r>
+                      <a:endParaRPr dirty="0"/>
+                    </a:p>
+                  </a:txBody>
+                  <a:tcPr marL="68575" marR="68575" marT="91425" marB="91425">
+                    <a:lnL w="12650" cap="flat" cmpd="sng">
+                      <a:solidFill>
+                        <a:srgbClr val="000000"/>
+                      </a:solidFill>
+                      <a:prstDash val="solid"/>
+                      <a:round/>
+                      <a:headEnd type="none" w="sm" len="sm"/>
+                      <a:tailEnd type="none" w="sm" len="sm"/>
+                    </a:lnL>
+                    <a:lnR w="12650" cap="flat" cmpd="sng">
+                      <a:solidFill>
+                        <a:srgbClr val="000000"/>
+                      </a:solidFill>
+                      <a:prstDash val="solid"/>
+                      <a:round/>
+                      <a:headEnd type="none" w="sm" len="sm"/>
+                      <a:tailEnd type="none" w="sm" len="sm"/>
+                    </a:lnR>
+                    <a:lnT w="12650" cap="flat" cmpd="sng">
+                      <a:solidFill>
+                        <a:srgbClr val="000000"/>
+                      </a:solidFill>
+                      <a:prstDash val="solid"/>
+                      <a:round/>
+                      <a:headEnd type="none" w="sm" len="sm"/>
+                      <a:tailEnd type="none" w="sm" len="sm"/>
+                    </a:lnT>
+                    <a:lnB w="12650" cap="flat" cmpd="sng" algn="ctr">
+                      <a:solidFill>
+                        <a:srgbClr val="000000"/>
+                      </a:solidFill>
+                      <a:prstDash val="solid"/>
+                      <a:round/>
+                      <a:headEnd type="none" w="sm" len="sm"/>
+                      <a:tailEnd type="none" w="sm" len="sm"/>
+                    </a:lnB>
+                  </a:tcPr>
+                </a:tc>
+                <a:extLst>
+                  <a:ext uri="{0D108BD9-81ED-4DB2-BD59-A6C34878D82A}">
+                    <a16:rowId xmlns:a16="http://schemas.microsoft.com/office/drawing/2014/main" val="10000"/>
+                  </a:ext>
+                </a:extLst>
+              </a:tr>
+              <a:tr h="381000">
+                <a:tc>
+                  <a:txBody>
+                    <a:bodyPr/>
+                    <a:lstStyle/>
+                    <a:p>
+                      <a:pPr marL="0" lvl="0" indent="0" algn="l" rtl="0">
+                        <a:spcBef>
+                          <a:spcPts val="0"/>
+                        </a:spcBef>
+                        <a:spcAft>
+                          <a:spcPts val="0"/>
+                        </a:spcAft>
+                        <a:buNone/>
+                      </a:pPr>
+                      <a:r>
+                        <a:rPr lang="en-US" dirty="0" err="1"/>
+                        <a:t>order_no</a:t>
+                      </a:r>
+                      <a:endParaRPr lang="en-US" dirty="0"/>
+                    </a:p>
+                  </a:txBody>
+                  <a:tcPr marL="68575" marR="68575" marT="91425" marB="91425">
+                    <a:lnL w="12650" cap="flat" cmpd="sng">
+                      <a:solidFill>
+                        <a:srgbClr val="000000"/>
+                      </a:solidFill>
+                      <a:prstDash val="solid"/>
+                      <a:round/>
+                      <a:headEnd type="none" w="sm" len="sm"/>
+                      <a:tailEnd type="none" w="sm" len="sm"/>
+                    </a:lnL>
+                    <a:lnR w="12650" cap="flat" cmpd="sng" algn="ctr">
+                      <a:solidFill>
+                        <a:srgbClr val="000000"/>
+                      </a:solidFill>
+                      <a:prstDash val="solid"/>
+                      <a:round/>
+                      <a:headEnd type="none" w="sm" len="sm"/>
+                      <a:tailEnd type="none" w="sm" len="sm"/>
+                    </a:lnR>
+                    <a:lnT w="12650" cap="flat" cmpd="sng" algn="ctr">
+                      <a:solidFill>
+                        <a:srgbClr val="000000"/>
+                      </a:solidFill>
+                      <a:prstDash val="solid"/>
+                      <a:round/>
+                      <a:headEnd type="none" w="sm" len="sm"/>
+                      <a:tailEnd type="none" w="sm" len="sm"/>
+                    </a:lnT>
+                    <a:lnB w="12650" cap="flat" cmpd="sng">
+                      <a:solidFill>
+                        <a:srgbClr val="000000"/>
+                      </a:solidFill>
+                      <a:prstDash val="solid"/>
+                      <a:round/>
+                      <a:headEnd type="none" w="sm" len="sm"/>
+                      <a:tailEnd type="none" w="sm" len="sm"/>
+                    </a:lnB>
+                  </a:tcPr>
+                </a:tc>
+                <a:tc>
+                  <a:txBody>
+                    <a:bodyPr/>
+                    <a:lstStyle/>
+                    <a:p>
+                      <a:pPr marL="0" lvl="0" indent="0" algn="l" rtl="0">
+                        <a:spcBef>
+                          <a:spcPts val="0"/>
+                        </a:spcBef>
+                        <a:spcAft>
+                          <a:spcPts val="0"/>
+                        </a:spcAft>
+                        <a:buNone/>
+                      </a:pPr>
+                      <a:r>
+                        <a:rPr lang="en-US" dirty="0"/>
+                        <a:t>char(10)</a:t>
+                      </a:r>
+                    </a:p>
+                  </a:txBody>
+                  <a:tcPr marL="68575" marR="68575" marT="91425" marB="91425">
+                    <a:lnL w="12650" cap="flat" cmpd="sng" algn="ctr">
+                      <a:solidFill>
+                        <a:srgbClr val="000000"/>
+                      </a:solidFill>
+                      <a:prstDash val="solid"/>
+                      <a:round/>
+                      <a:headEnd type="none" w="sm" len="sm"/>
+                      <a:tailEnd type="none" w="sm" len="sm"/>
+                    </a:lnL>
+                    <a:lnR w="12650" cap="flat" cmpd="sng" algn="ctr">
+                      <a:solidFill>
+                        <a:srgbClr val="000000"/>
+                      </a:solidFill>
+                      <a:prstDash val="solid"/>
+                      <a:round/>
+                      <a:headEnd type="none" w="sm" len="sm"/>
+                      <a:tailEnd type="none" w="sm" len="sm"/>
+                    </a:lnR>
+                    <a:lnT w="12650" cap="flat" cmpd="sng" algn="ctr">
+                      <a:solidFill>
+                        <a:srgbClr val="000000"/>
+                      </a:solidFill>
+                      <a:prstDash val="solid"/>
+                      <a:round/>
+                      <a:headEnd type="none" w="sm" len="sm"/>
+                      <a:tailEnd type="none" w="sm" len="sm"/>
+                    </a:lnT>
+                    <a:lnB w="12650" cap="flat" cmpd="sng">
+                      <a:solidFill>
+                        <a:srgbClr val="000000"/>
+                      </a:solidFill>
+                      <a:prstDash val="solid"/>
+                      <a:round/>
+                      <a:headEnd type="none" w="sm" len="sm"/>
+                      <a:tailEnd type="none" w="sm" len="sm"/>
+                    </a:lnB>
+                  </a:tcPr>
+                </a:tc>
+                <a:tc>
+                  <a:txBody>
+                    <a:bodyPr/>
+                    <a:lstStyle/>
+                    <a:p>
+                      <a:pPr marL="0" lvl="0" indent="0" algn="l" rtl="0">
+                        <a:spcBef>
+                          <a:spcPts val="0"/>
+                        </a:spcBef>
+                        <a:spcAft>
+                          <a:spcPts val="0"/>
+                        </a:spcAft>
+                        <a:buNone/>
+                      </a:pPr>
+                      <a:r>
+                        <a:rPr lang="en-US" altLang="zh-TW" dirty="0"/>
+                        <a:t>PK</a:t>
+                      </a:r>
+                      <a:endParaRPr dirty="0"/>
+                    </a:p>
+                  </a:txBody>
+                  <a:tcPr marL="68575" marR="68575" marT="91425" marB="91425">
+                    <a:lnL w="12650" cap="flat" cmpd="sng" algn="ctr">
+                      <a:solidFill>
+                        <a:srgbClr val="000000"/>
+                      </a:solidFill>
+                      <a:prstDash val="solid"/>
+                      <a:round/>
+                      <a:headEnd type="none" w="sm" len="sm"/>
+                      <a:tailEnd type="none" w="sm" len="sm"/>
+                    </a:lnL>
+                    <a:lnR w="12650" cap="flat" cmpd="sng" algn="ctr">
+                      <a:solidFill>
+                        <a:srgbClr val="000000"/>
+                      </a:solidFill>
+                      <a:prstDash val="solid"/>
+                      <a:round/>
+                      <a:headEnd type="none" w="sm" len="sm"/>
+                      <a:tailEnd type="none" w="sm" len="sm"/>
+                    </a:lnR>
+                    <a:lnT w="12650" cap="flat" cmpd="sng" algn="ctr">
+                      <a:solidFill>
+                        <a:srgbClr val="000000"/>
+                      </a:solidFill>
+                      <a:prstDash val="solid"/>
+                      <a:round/>
+                      <a:headEnd type="none" w="sm" len="sm"/>
+                      <a:tailEnd type="none" w="sm" len="sm"/>
+                    </a:lnT>
+                    <a:lnB w="12650" cap="flat" cmpd="sng">
+                      <a:solidFill>
+                        <a:srgbClr val="000000"/>
+                      </a:solidFill>
+                      <a:prstDash val="solid"/>
+                      <a:round/>
+                      <a:headEnd type="none" w="sm" len="sm"/>
+                      <a:tailEnd type="none" w="sm" len="sm"/>
+                    </a:lnB>
+                  </a:tcPr>
+                </a:tc>
+                <a:tc>
+                  <a:txBody>
+                    <a:bodyPr/>
+                    <a:lstStyle/>
+                    <a:p>
+                      <a:pPr marL="0" lvl="0" indent="0" algn="l" rtl="0">
+                        <a:spcBef>
+                          <a:spcPts val="0"/>
+                        </a:spcBef>
+                        <a:spcAft>
+                          <a:spcPts val="0"/>
+                        </a:spcAft>
+                        <a:buNone/>
+                      </a:pPr>
+                      <a:r>
+                        <a:rPr lang="en-US" dirty="0"/>
+                        <a:t>The order number</a:t>
+                      </a:r>
+                    </a:p>
+                  </a:txBody>
+                  <a:tcPr marL="68575" marR="68575" marT="91425" marB="91425">
+                    <a:lnL w="12650" cap="flat" cmpd="sng" algn="ctr">
+                      <a:solidFill>
+                        <a:srgbClr val="000000"/>
+                      </a:solidFill>
+                      <a:prstDash val="solid"/>
+                      <a:round/>
+                      <a:headEnd type="none" w="sm" len="sm"/>
+                      <a:tailEnd type="none" w="sm" len="sm"/>
+                    </a:lnL>
+                    <a:lnR w="12650" cap="flat" cmpd="sng" algn="ctr">
+                      <a:solidFill>
+                        <a:srgbClr val="000000"/>
+                      </a:solidFill>
+                      <a:prstDash val="solid"/>
+                      <a:round/>
+                      <a:headEnd type="none" w="sm" len="sm"/>
+                      <a:tailEnd type="none" w="sm" len="sm"/>
+                    </a:lnR>
+                    <a:lnT w="12650" cap="flat" cmpd="sng" algn="ctr">
+                      <a:solidFill>
+                        <a:srgbClr val="000000"/>
+                      </a:solidFill>
+                      <a:prstDash val="solid"/>
+                      <a:round/>
+                      <a:headEnd type="none" w="sm" len="sm"/>
+                      <a:tailEnd type="none" w="sm" len="sm"/>
+                    </a:lnT>
+                    <a:lnB w="12650" cap="flat" cmpd="sng">
+                      <a:solidFill>
+                        <a:srgbClr val="000000"/>
+                      </a:solidFill>
+                      <a:prstDash val="solid"/>
+                      <a:round/>
+                      <a:headEnd type="none" w="sm" len="sm"/>
+                      <a:tailEnd type="none" w="sm" len="sm"/>
+                    </a:lnB>
+                  </a:tcPr>
+                </a:tc>
+                <a:tc>
+                  <a:txBody>
+                    <a:bodyPr/>
+                    <a:lstStyle/>
+                    <a:p>
+                      <a:pPr marL="0" lvl="0" indent="0" algn="l" rtl="0">
+                        <a:spcBef>
+                          <a:spcPts val="0"/>
+                        </a:spcBef>
+                        <a:spcAft>
+                          <a:spcPts val="0"/>
+                        </a:spcAft>
+                        <a:buNone/>
+                      </a:pPr>
+                      <a:r>
+                        <a:rPr lang="en-US" dirty="0"/>
+                        <a:t>O0001</a:t>
+                      </a:r>
+                    </a:p>
+                    <a:p>
+                      <a:pPr marL="0" lvl="0" indent="0" algn="l" rtl="0">
+                        <a:spcBef>
+                          <a:spcPts val="0"/>
+                        </a:spcBef>
+                        <a:spcAft>
+                          <a:spcPts val="0"/>
+                        </a:spcAft>
+                        <a:buNone/>
+                      </a:pPr>
+                      <a:r>
+                        <a:rPr lang="en-US" dirty="0"/>
+                        <a:t>O0002</a:t>
+                      </a:r>
+                    </a:p>
+                  </a:txBody>
+                  <a:tcPr marL="68575" marR="68575" marT="91425" marB="91425">
+                    <a:lnL w="12650" cap="flat" cmpd="sng" algn="ctr">
+                      <a:solidFill>
+                        <a:srgbClr val="000000"/>
+                      </a:solidFill>
+                      <a:prstDash val="solid"/>
+                      <a:round/>
+                      <a:headEnd type="none" w="sm" len="sm"/>
+                      <a:tailEnd type="none" w="sm" len="sm"/>
+                    </a:lnL>
+                    <a:lnR w="12650" cap="flat" cmpd="sng">
+                      <a:solidFill>
+                        <a:srgbClr val="000000"/>
+                      </a:solidFill>
+                      <a:prstDash val="solid"/>
+                      <a:round/>
+                      <a:headEnd type="none" w="sm" len="sm"/>
+                      <a:tailEnd type="none" w="sm" len="sm"/>
+                    </a:lnR>
+                    <a:lnT w="12650" cap="flat" cmpd="sng" algn="ctr">
+                      <a:solidFill>
+                        <a:srgbClr val="000000"/>
+                      </a:solidFill>
+                      <a:prstDash val="solid"/>
+                      <a:round/>
+                      <a:headEnd type="none" w="sm" len="sm"/>
+                      <a:tailEnd type="none" w="sm" len="sm"/>
+                    </a:lnT>
+                    <a:lnB w="12650" cap="flat" cmpd="sng" algn="ctr">
+                      <a:solidFill>
+                        <a:srgbClr val="000000"/>
+                      </a:solidFill>
+                      <a:prstDash val="solid"/>
+                      <a:round/>
+                      <a:headEnd type="none" w="sm" len="sm"/>
+                      <a:tailEnd type="none" w="sm" len="sm"/>
+                    </a:lnB>
+                  </a:tcPr>
+                </a:tc>
+                <a:extLst>
+                  <a:ext uri="{0D108BD9-81ED-4DB2-BD59-A6C34878D82A}">
+                    <a16:rowId xmlns:a16="http://schemas.microsoft.com/office/drawing/2014/main" val="366975574"/>
+                  </a:ext>
+                </a:extLst>
+              </a:tr>
+              <a:tr h="381000">
+                <a:tc>
+                  <a:txBody>
+                    <a:bodyPr/>
+                    <a:lstStyle/>
+                    <a:p>
+                      <a:pPr marL="0" lvl="0" indent="0" algn="l" rtl="0">
+                        <a:spcBef>
+                          <a:spcPts val="0"/>
+                        </a:spcBef>
+                        <a:spcAft>
+                          <a:spcPts val="0"/>
+                        </a:spcAft>
+                        <a:buNone/>
+                      </a:pPr>
+                      <a:r>
+                        <a:rPr lang="en-US" altLang="zh-TW" dirty="0"/>
+                        <a:t>retailer</a:t>
+                      </a:r>
+                      <a:r>
+                        <a:rPr lang="zh-TW" dirty="0"/>
+                        <a:t>_id</a:t>
+                      </a:r>
+                      <a:endParaRPr dirty="0"/>
+                    </a:p>
+                  </a:txBody>
+                  <a:tcPr marL="68575" marR="68575" marT="91425" marB="91425">
+                    <a:lnL w="12650" cap="flat" cmpd="sng">
+                      <a:solidFill>
+                        <a:srgbClr val="000000"/>
+                      </a:solidFill>
+                      <a:prstDash val="solid"/>
+                      <a:round/>
+                      <a:headEnd type="none" w="sm" len="sm"/>
+                      <a:tailEnd type="none" w="sm" len="sm"/>
+                    </a:lnL>
+                    <a:lnR w="12650" cap="flat" cmpd="sng">
+                      <a:solidFill>
+                        <a:srgbClr val="000000"/>
+                      </a:solidFill>
+                      <a:prstDash val="solid"/>
+                      <a:round/>
+                      <a:headEnd type="none" w="sm" len="sm"/>
+                      <a:tailEnd type="none" w="sm" len="sm"/>
+                    </a:lnR>
+                    <a:lnT w="12650" cap="flat" cmpd="sng">
+                      <a:solidFill>
+                        <a:srgbClr val="000000"/>
+                      </a:solidFill>
+                      <a:prstDash val="solid"/>
+                      <a:round/>
+                      <a:headEnd type="none" w="sm" len="sm"/>
+                      <a:tailEnd type="none" w="sm" len="sm"/>
+                    </a:lnT>
+                    <a:lnB w="12650" cap="flat" cmpd="sng">
+                      <a:solidFill>
+                        <a:srgbClr val="000000"/>
+                      </a:solidFill>
+                      <a:prstDash val="solid"/>
+                      <a:round/>
+                      <a:headEnd type="none" w="sm" len="sm"/>
+                      <a:tailEnd type="none" w="sm" len="sm"/>
+                    </a:lnB>
+                  </a:tcPr>
+                </a:tc>
+                <a:tc>
+                  <a:txBody>
+                    <a:bodyPr/>
+                    <a:lstStyle/>
+                    <a:p>
+                      <a:pPr marL="0" lvl="0" indent="0" algn="l" rtl="0">
+                        <a:spcBef>
+                          <a:spcPts val="0"/>
+                        </a:spcBef>
+                        <a:spcAft>
+                          <a:spcPts val="0"/>
+                        </a:spcAft>
+                        <a:buNone/>
+                      </a:pPr>
+                      <a:r>
+                        <a:rPr lang="zh-TW" dirty="0"/>
+                        <a:t>char(10)</a:t>
+                      </a:r>
+                      <a:endParaRPr dirty="0"/>
+                    </a:p>
+                  </a:txBody>
+                  <a:tcPr marL="68575" marR="68575" marT="91425" marB="91425">
+                    <a:lnL w="12650" cap="flat" cmpd="sng">
+                      <a:solidFill>
+                        <a:srgbClr val="000000"/>
+                      </a:solidFill>
+                      <a:prstDash val="solid"/>
+                      <a:round/>
+                      <a:headEnd type="none" w="sm" len="sm"/>
+                      <a:tailEnd type="none" w="sm" len="sm"/>
+                    </a:lnL>
+                    <a:lnR w="12650" cap="flat" cmpd="sng">
+                      <a:solidFill>
+                        <a:srgbClr val="000000"/>
+                      </a:solidFill>
+                      <a:prstDash val="solid"/>
+                      <a:round/>
+                      <a:headEnd type="none" w="sm" len="sm"/>
+                      <a:tailEnd type="none" w="sm" len="sm"/>
+                    </a:lnR>
+                    <a:lnT w="12650" cap="flat" cmpd="sng">
+                      <a:solidFill>
+                        <a:srgbClr val="000000"/>
+                      </a:solidFill>
+                      <a:prstDash val="solid"/>
+                      <a:round/>
+                      <a:headEnd type="none" w="sm" len="sm"/>
+                      <a:tailEnd type="none" w="sm" len="sm"/>
+                    </a:lnT>
+                    <a:lnB w="12650" cap="flat" cmpd="sng">
+                      <a:solidFill>
+                        <a:srgbClr val="000000"/>
+                      </a:solidFill>
+                      <a:prstDash val="solid"/>
+                      <a:round/>
+                      <a:headEnd type="none" w="sm" len="sm"/>
+                      <a:tailEnd type="none" w="sm" len="sm"/>
+                    </a:lnB>
+                  </a:tcPr>
+                </a:tc>
+                <a:tc>
+                  <a:txBody>
+                    <a:bodyPr/>
+                    <a:lstStyle/>
+                    <a:p>
+                      <a:pPr marL="0" lvl="0" indent="0" algn="l" rtl="0">
+                        <a:spcBef>
+                          <a:spcPts val="0"/>
+                        </a:spcBef>
+                        <a:spcAft>
+                          <a:spcPts val="0"/>
+                        </a:spcAft>
+                        <a:buNone/>
+                      </a:pPr>
+                      <a:r>
+                        <a:rPr lang="en-US" altLang="zh-TW" dirty="0"/>
+                        <a:t>F</a:t>
+                      </a:r>
+                      <a:r>
+                        <a:rPr lang="zh-TW" dirty="0"/>
+                        <a:t>K</a:t>
+                      </a:r>
+                      <a:endParaRPr dirty="0"/>
+                    </a:p>
+                  </a:txBody>
+                  <a:tcPr marL="68575" marR="68575" marT="91425" marB="91425">
+                    <a:lnL w="12650" cap="flat" cmpd="sng">
+                      <a:solidFill>
+                        <a:srgbClr val="000000"/>
+                      </a:solidFill>
+                      <a:prstDash val="solid"/>
+                      <a:round/>
+                      <a:headEnd type="none" w="sm" len="sm"/>
+                      <a:tailEnd type="none" w="sm" len="sm"/>
+                    </a:lnL>
+                    <a:lnR w="12650" cap="flat" cmpd="sng">
+                      <a:solidFill>
+                        <a:srgbClr val="000000"/>
+                      </a:solidFill>
+                      <a:prstDash val="solid"/>
+                      <a:round/>
+                      <a:headEnd type="none" w="sm" len="sm"/>
+                      <a:tailEnd type="none" w="sm" len="sm"/>
+                    </a:lnR>
+                    <a:lnT w="12650" cap="flat" cmpd="sng">
+                      <a:solidFill>
+                        <a:srgbClr val="000000"/>
+                      </a:solidFill>
+                      <a:prstDash val="solid"/>
+                      <a:round/>
+                      <a:headEnd type="none" w="sm" len="sm"/>
+                      <a:tailEnd type="none" w="sm" len="sm"/>
+                    </a:lnT>
+                    <a:lnB w="12650" cap="flat" cmpd="sng">
+                      <a:solidFill>
+                        <a:srgbClr val="000000"/>
+                      </a:solidFill>
+                      <a:prstDash val="solid"/>
+                      <a:round/>
+                      <a:headEnd type="none" w="sm" len="sm"/>
+                      <a:tailEnd type="none" w="sm" len="sm"/>
+                    </a:lnB>
+                  </a:tcPr>
+                </a:tc>
+                <a:tc>
+                  <a:txBody>
+                    <a:bodyPr/>
+                    <a:lstStyle/>
+                    <a:p>
+                      <a:pPr marL="0" lvl="0" indent="0" algn="l" rtl="0">
+                        <a:spcBef>
+                          <a:spcPts val="0"/>
+                        </a:spcBef>
+                        <a:spcAft>
+                          <a:spcPts val="0"/>
+                        </a:spcAft>
+                        <a:buNone/>
+                      </a:pPr>
+                      <a:r>
+                        <a:rPr lang="zh-TW" dirty="0"/>
+                        <a:t>The individual id of </a:t>
+                      </a:r>
+                      <a:r>
+                        <a:rPr lang="en-US" altLang="zh-TW" dirty="0"/>
+                        <a:t>retailer</a:t>
+                      </a:r>
+                      <a:endParaRPr dirty="0"/>
+                    </a:p>
+                  </a:txBody>
+                  <a:tcPr marL="68575" marR="68575" marT="91425" marB="91425">
+                    <a:lnL w="12650" cap="flat" cmpd="sng">
+                      <a:solidFill>
+                        <a:srgbClr val="000000"/>
+                      </a:solidFill>
+                      <a:prstDash val="solid"/>
+                      <a:round/>
+                      <a:headEnd type="none" w="sm" len="sm"/>
+                      <a:tailEnd type="none" w="sm" len="sm"/>
+                    </a:lnL>
+                    <a:lnR w="12650" cap="flat" cmpd="sng" algn="ctr">
+                      <a:solidFill>
+                        <a:srgbClr val="000000"/>
+                      </a:solidFill>
+                      <a:prstDash val="solid"/>
+                      <a:round/>
+                      <a:headEnd type="none" w="sm" len="sm"/>
+                      <a:tailEnd type="none" w="sm" len="sm"/>
+                    </a:lnR>
+                    <a:lnT w="12650" cap="flat" cmpd="sng">
+                      <a:solidFill>
+                        <a:srgbClr val="000000"/>
+                      </a:solidFill>
+                      <a:prstDash val="solid"/>
+                      <a:round/>
+                      <a:headEnd type="none" w="sm" len="sm"/>
+                      <a:tailEnd type="none" w="sm" len="sm"/>
+                    </a:lnT>
+                    <a:lnB w="12650" cap="flat" cmpd="sng">
+                      <a:solidFill>
+                        <a:srgbClr val="000000"/>
+                      </a:solidFill>
+                      <a:prstDash val="solid"/>
+                      <a:round/>
+                      <a:headEnd type="none" w="sm" len="sm"/>
+                      <a:tailEnd type="none" w="sm" len="sm"/>
+                    </a:lnB>
+                  </a:tcPr>
+                </a:tc>
+                <a:tc>
+                  <a:txBody>
+                    <a:bodyPr/>
+                    <a:lstStyle/>
+                    <a:p>
+                      <a:pPr marL="0" lvl="0" indent="0" algn="l" rtl="0">
+                        <a:spcBef>
+                          <a:spcPts val="0"/>
+                        </a:spcBef>
+                        <a:spcAft>
+                          <a:spcPts val="0"/>
+                        </a:spcAft>
+                        <a:buNone/>
+                      </a:pPr>
+                      <a:r>
+                        <a:rPr lang="en-US" dirty="0"/>
+                        <a:t>R0001</a:t>
+                      </a:r>
+                    </a:p>
+                    <a:p>
+                      <a:pPr marL="0" lvl="0" indent="0" algn="l" rtl="0">
+                        <a:spcBef>
+                          <a:spcPts val="0"/>
+                        </a:spcBef>
+                        <a:spcAft>
+                          <a:spcPts val="0"/>
+                        </a:spcAft>
+                        <a:buNone/>
+                      </a:pPr>
+                      <a:r>
+                        <a:rPr lang="en-US" dirty="0"/>
+                        <a:t>R0002</a:t>
                       </a:r>
                     </a:p>
                   </a:txBody>
@@ -9214,9 +11096,9 @@
                       </a:pPr>
                       <a:r>
                         <a:rPr lang="en-US" dirty="0" err="1"/>
-                        <a:t>item_no</a:t>
+                        <a:t>logistics_id</a:t>
                       </a:r>
-                      <a:endParaRPr lang="en-US" dirty="0"/>
+                      <a:endParaRPr dirty="0"/>
                     </a:p>
                   </a:txBody>
                   <a:tcPr marL="68575" marR="68575" marT="91425" marB="91425">
@@ -9229,7 +11111,7 @@
                       <a:headEnd type="none" w="sm" len="sm"/>
                       <a:tailEnd type="none" w="sm" len="sm"/>
                     </a:lnL>
-                    <a:lnR w="12650" cap="flat" cmpd="sng">
+                    <a:lnR w="12650" cap="flat" cmpd="sng" algn="ctr">
                       <a:solidFill>
                         <a:srgbClr val="000000"/>
                       </a:solidFill>
@@ -9238,7 +11120,159 @@
                       <a:headEnd type="none" w="sm" len="sm"/>
                       <a:tailEnd type="none" w="sm" len="sm"/>
                     </a:lnR>
-                    <a:lnT w="12650" cap="flat" cmpd="sng">
+                    <a:lnT w="12650" cap="flat" cmpd="sng" algn="ctr">
+                      <a:solidFill>
+                        <a:srgbClr val="000000"/>
+                      </a:solidFill>
+                      <a:prstDash val="solid"/>
+                      <a:round/>
+                      <a:headEnd type="none" w="sm" len="sm"/>
+                      <a:tailEnd type="none" w="sm" len="sm"/>
+                    </a:lnT>
+                    <a:lnB w="12650" cap="flat" cmpd="sng">
+                      <a:solidFill>
+                        <a:srgbClr val="000000"/>
+                      </a:solidFill>
+                      <a:prstDash val="solid"/>
+                      <a:round/>
+                      <a:headEnd type="none" w="sm" len="sm"/>
+                      <a:tailEnd type="none" w="sm" len="sm"/>
+                    </a:lnB>
+                  </a:tcPr>
+                </a:tc>
+                <a:tc>
+                  <a:txBody>
+                    <a:bodyPr/>
+                    <a:lstStyle/>
+                    <a:p>
+                      <a:pPr marL="0" marR="0" lvl="0" indent="0" algn="l" defTabSz="914400" rtl="0" eaLnBrk="1" fontAlgn="auto" latinLnBrk="0" hangingPunct="1">
+                        <a:lnSpc>
+                          <a:spcPct val="100000"/>
+                        </a:lnSpc>
+                        <a:spcBef>
+                          <a:spcPts val="0"/>
+                        </a:spcBef>
+                        <a:spcAft>
+                          <a:spcPts val="0"/>
+                        </a:spcAft>
+                        <a:buClr>
+                          <a:srgbClr val="000000"/>
+                        </a:buClr>
+                        <a:buSzTx/>
+                        <a:buFont typeface="Arial"/>
+                        <a:buNone/>
+                        <a:tabLst/>
+                        <a:defRPr/>
+                      </a:pPr>
+                      <a:r>
+                        <a:rPr lang="en-US" altLang="zh-TW" dirty="0"/>
+                        <a:t>char(10)</a:t>
+                      </a:r>
+                      <a:endParaRPr lang="en-US" altLang="zh-HK" dirty="0"/>
+                    </a:p>
+                  </a:txBody>
+                  <a:tcPr marL="68575" marR="68575" marT="91425" marB="91425">
+                    <a:lnL w="12650" cap="flat" cmpd="sng" algn="ctr">
+                      <a:solidFill>
+                        <a:srgbClr val="000000"/>
+                      </a:solidFill>
+                      <a:prstDash val="solid"/>
+                      <a:round/>
+                      <a:headEnd type="none" w="sm" len="sm"/>
+                      <a:tailEnd type="none" w="sm" len="sm"/>
+                    </a:lnL>
+                    <a:lnR w="12650" cap="flat" cmpd="sng" algn="ctr">
+                      <a:solidFill>
+                        <a:srgbClr val="000000"/>
+                      </a:solidFill>
+                      <a:prstDash val="solid"/>
+                      <a:round/>
+                      <a:headEnd type="none" w="sm" len="sm"/>
+                      <a:tailEnd type="none" w="sm" len="sm"/>
+                    </a:lnR>
+                    <a:lnT w="12650" cap="flat" cmpd="sng" algn="ctr">
+                      <a:solidFill>
+                        <a:srgbClr val="000000"/>
+                      </a:solidFill>
+                      <a:prstDash val="solid"/>
+                      <a:round/>
+                      <a:headEnd type="none" w="sm" len="sm"/>
+                      <a:tailEnd type="none" w="sm" len="sm"/>
+                    </a:lnT>
+                    <a:lnB w="12650" cap="flat" cmpd="sng">
+                      <a:solidFill>
+                        <a:srgbClr val="000000"/>
+                      </a:solidFill>
+                      <a:prstDash val="solid"/>
+                      <a:round/>
+                      <a:headEnd type="none" w="sm" len="sm"/>
+                      <a:tailEnd type="none" w="sm" len="sm"/>
+                    </a:lnB>
+                  </a:tcPr>
+                </a:tc>
+                <a:tc>
+                  <a:txBody>
+                    <a:bodyPr/>
+                    <a:lstStyle/>
+                    <a:p>
+                      <a:pPr marL="0" marR="0" lvl="0" indent="0" algn="l" defTabSz="914400" rtl="0" eaLnBrk="1" fontAlgn="auto" latinLnBrk="0" hangingPunct="1">
+                        <a:lnSpc>
+                          <a:spcPct val="100000"/>
+                        </a:lnSpc>
+                        <a:spcBef>
+                          <a:spcPts val="0"/>
+                        </a:spcBef>
+                        <a:spcAft>
+                          <a:spcPts val="0"/>
+                        </a:spcAft>
+                        <a:buClr>
+                          <a:srgbClr val="000000"/>
+                        </a:buClr>
+                        <a:buSzTx/>
+                        <a:buFont typeface="Arial"/>
+                        <a:buNone/>
+                        <a:tabLst/>
+                        <a:defRPr/>
+                      </a:pPr>
+                      <a:r>
+                        <a:rPr lang="en-US" altLang="zh-TW" dirty="0"/>
+                        <a:t>FK</a:t>
+                      </a:r>
+                      <a:endParaRPr lang="en-US" altLang="zh-HK" dirty="0"/>
+                    </a:p>
+                    <a:p>
+                      <a:pPr marL="0" lvl="0" indent="0" algn="l" rtl="0">
+                        <a:spcBef>
+                          <a:spcPts val="0"/>
+                        </a:spcBef>
+                        <a:spcAft>
+                          <a:spcPts val="0"/>
+                        </a:spcAft>
+                        <a:buNone/>
+                      </a:pPr>
+                      <a:endParaRPr dirty="0"/>
+                    </a:p>
+                  </a:txBody>
+                  <a:tcPr marL="68575" marR="68575" marT="91425" marB="91425">
+                    <a:lnL w="12650" cap="flat" cmpd="sng" algn="ctr">
+                      <a:solidFill>
+                        <a:srgbClr val="000000"/>
+                      </a:solidFill>
+                      <a:prstDash val="solid"/>
+                      <a:round/>
+                      <a:headEnd type="none" w="sm" len="sm"/>
+                      <a:tailEnd type="none" w="sm" len="sm"/>
+                    </a:lnL>
+                    <a:lnR w="12650" cap="flat" cmpd="sng" algn="ctr">
+                      <a:solidFill>
+                        <a:srgbClr val="000000"/>
+                      </a:solidFill>
+                      <a:prstDash val="solid"/>
+                      <a:round/>
+                      <a:headEnd type="none" w="sm" len="sm"/>
+                      <a:tailEnd type="none" w="sm" len="sm"/>
+                    </a:lnR>
+                    <a:lnT w="12650" cap="flat" cmpd="sng" algn="ctr">
                       <a:solidFill>
                         <a:srgbClr val="000000"/>
                       </a:solidFill>
@@ -9274,12 +11308,13 @@
                       </a:pPr>
                       <a:r>
                         <a:rPr lang="en-US" dirty="0"/>
-                        <a:t>char(10)</a:t>
+                        <a:t>The individual id of logistics</a:t>
                       </a:r>
+                      <a:endParaRPr dirty="0"/>
                     </a:p>
                   </a:txBody>
                   <a:tcPr marL="68575" marR="68575" marT="91425" marB="91425">
-                    <a:lnL w="12650" cap="flat" cmpd="sng">
+                    <a:lnL w="12650" cap="flat" cmpd="sng" algn="ctr">
                       <a:solidFill>
                         <a:srgbClr val="000000"/>
                       </a:solidFill>
@@ -9288,7 +11323,7 @@
                       <a:headEnd type="none" w="sm" len="sm"/>
                       <a:tailEnd type="none" w="sm" len="sm"/>
                     </a:lnL>
-                    <a:lnR w="12650" cap="flat" cmpd="sng">
+                    <a:lnR w="12650" cap="flat" cmpd="sng" algn="ctr">
                       <a:solidFill>
                         <a:srgbClr val="000000"/>
                       </a:solidFill>
@@ -9297,7 +11332,7 @@
                       <a:headEnd type="none" w="sm" len="sm"/>
                       <a:tailEnd type="none" w="sm" len="sm"/>
                     </a:lnR>
-                    <a:lnT w="12650" cap="flat" cmpd="sng">
+                    <a:lnT w="12650" cap="flat" cmpd="sng" algn="ctr">
                       <a:solidFill>
                         <a:srgbClr val="000000"/>
                       </a:solidFill>
@@ -9333,8 +11368,90 @@
                       </a:pPr>
                       <a:r>
                         <a:rPr lang="en-US" dirty="0"/>
-                        <a:t>FK</a:t>
+                        <a:t>L0001</a:t>
                       </a:r>
+                    </a:p>
+                    <a:p>
+                      <a:pPr marL="0" lvl="0" indent="0" algn="l" rtl="0">
+                        <a:spcBef>
+                          <a:spcPts val="0"/>
+                        </a:spcBef>
+                        <a:spcAft>
+                          <a:spcPts val="0"/>
+                        </a:spcAft>
+                        <a:buNone/>
+                      </a:pPr>
+                      <a:r>
+                        <a:rPr lang="en-US" dirty="0"/>
+                        <a:t>L0002</a:t>
+                      </a:r>
+                    </a:p>
+                  </a:txBody>
+                  <a:tcPr marL="68575" marR="68575" marT="91425" marB="91425">
+                    <a:lnL w="12650" cap="flat" cmpd="sng" algn="ctr">
+                      <a:solidFill>
+                        <a:srgbClr val="000000"/>
+                      </a:solidFill>
+                      <a:prstDash val="solid"/>
+                      <a:round/>
+                      <a:headEnd type="none" w="sm" len="sm"/>
+                      <a:tailEnd type="none" w="sm" len="sm"/>
+                    </a:lnL>
+                    <a:lnR w="12650" cap="flat" cmpd="sng">
+                      <a:solidFill>
+                        <a:srgbClr val="000000"/>
+                      </a:solidFill>
+                      <a:prstDash val="solid"/>
+                      <a:round/>
+                      <a:headEnd type="none" w="sm" len="sm"/>
+                      <a:tailEnd type="none" w="sm" len="sm"/>
+                    </a:lnR>
+                    <a:lnT w="12650" cap="flat" cmpd="sng" algn="ctr">
+                      <a:solidFill>
+                        <a:srgbClr val="000000"/>
+                      </a:solidFill>
+                      <a:prstDash val="solid"/>
+                      <a:round/>
+                      <a:headEnd type="none" w="sm" len="sm"/>
+                      <a:tailEnd type="none" w="sm" len="sm"/>
+                    </a:lnT>
+                    <a:lnB w="12650" cap="flat" cmpd="sng" algn="ctr">
+                      <a:solidFill>
+                        <a:srgbClr val="000000"/>
+                      </a:solidFill>
+                      <a:prstDash val="solid"/>
+                      <a:round/>
+                      <a:headEnd type="none" w="sm" len="sm"/>
+                      <a:tailEnd type="none" w="sm" len="sm"/>
+                    </a:lnB>
+                  </a:tcPr>
+                </a:tc>
+                <a:extLst>
+                  <a:ext uri="{0D108BD9-81ED-4DB2-BD59-A6C34878D82A}">
+                    <a16:rowId xmlns:a16="http://schemas.microsoft.com/office/drawing/2014/main" val="3325384645"/>
+                  </a:ext>
+                </a:extLst>
+              </a:tr>
+              <a:tr h="381000">
+                <a:tc>
+                  <a:txBody>
+                    <a:bodyPr/>
+                    <a:lstStyle/>
+                    <a:p>
+                      <a:pPr marL="0" lvl="0" indent="0" algn="l" rtl="0">
+                        <a:spcBef>
+                          <a:spcPts val="0"/>
+                        </a:spcBef>
+                        <a:spcAft>
+                          <a:spcPts val="0"/>
+                        </a:spcAft>
+                        <a:buNone/>
+                      </a:pPr>
+                      <a:r>
+                        <a:rPr lang="zh-TW"/>
+                        <a:t>customer_address</a:t>
+                      </a:r>
+                      <a:endParaRPr/>
                     </a:p>
                   </a:txBody>
                   <a:tcPr marL="68575" marR="68575" marT="91425" marB="91425">
@@ -9391,13 +11508,1892 @@
                         <a:buNone/>
                       </a:pPr>
                       <a:r>
+                        <a:rPr lang="zh-TW"/>
+                        <a:t>varchar(200)</a:t>
+                      </a:r>
+                      <a:endParaRPr/>
+                    </a:p>
+                  </a:txBody>
+                  <a:tcPr marL="68575" marR="68575" marT="91425" marB="91425">
+                    <a:lnL w="12650" cap="flat" cmpd="sng">
+                      <a:solidFill>
+                        <a:srgbClr val="000000"/>
+                      </a:solidFill>
+                      <a:prstDash val="solid"/>
+                      <a:round/>
+                      <a:headEnd type="none" w="sm" len="sm"/>
+                      <a:tailEnd type="none" w="sm" len="sm"/>
+                    </a:lnL>
+                    <a:lnR w="12650" cap="flat" cmpd="sng">
+                      <a:solidFill>
+                        <a:srgbClr val="000000"/>
+                      </a:solidFill>
+                      <a:prstDash val="solid"/>
+                      <a:round/>
+                      <a:headEnd type="none" w="sm" len="sm"/>
+                      <a:tailEnd type="none" w="sm" len="sm"/>
+                    </a:lnR>
+                    <a:lnT w="12650" cap="flat" cmpd="sng">
+                      <a:solidFill>
+                        <a:srgbClr val="000000"/>
+                      </a:solidFill>
+                      <a:prstDash val="solid"/>
+                      <a:round/>
+                      <a:headEnd type="none" w="sm" len="sm"/>
+                      <a:tailEnd type="none" w="sm" len="sm"/>
+                    </a:lnT>
+                    <a:lnB w="12650" cap="flat" cmpd="sng">
+                      <a:solidFill>
+                        <a:srgbClr val="000000"/>
+                      </a:solidFill>
+                      <a:prstDash val="solid"/>
+                      <a:round/>
+                      <a:headEnd type="none" w="sm" len="sm"/>
+                      <a:tailEnd type="none" w="sm" len="sm"/>
+                    </a:lnB>
+                  </a:tcPr>
+                </a:tc>
+                <a:tc>
+                  <a:txBody>
+                    <a:bodyPr/>
+                    <a:lstStyle/>
+                    <a:p>
+                      <a:pPr marL="0" lvl="0" indent="0" algn="l" rtl="0">
+                        <a:spcBef>
+                          <a:spcPts val="0"/>
+                        </a:spcBef>
+                        <a:spcAft>
+                          <a:spcPts val="0"/>
+                        </a:spcAft>
+                        <a:buNone/>
+                      </a:pPr>
+                      <a:r>
+                        <a:rPr lang="zh-TW"/>
+                        <a:t> </a:t>
+                      </a:r>
+                      <a:endParaRPr/>
+                    </a:p>
+                  </a:txBody>
+                  <a:tcPr marL="68575" marR="68575" marT="91425" marB="91425">
+                    <a:lnL w="12650" cap="flat" cmpd="sng">
+                      <a:solidFill>
+                        <a:srgbClr val="000000"/>
+                      </a:solidFill>
+                      <a:prstDash val="solid"/>
+                      <a:round/>
+                      <a:headEnd type="none" w="sm" len="sm"/>
+                      <a:tailEnd type="none" w="sm" len="sm"/>
+                    </a:lnL>
+                    <a:lnR w="12650" cap="flat" cmpd="sng">
+                      <a:solidFill>
+                        <a:srgbClr val="000000"/>
+                      </a:solidFill>
+                      <a:prstDash val="solid"/>
+                      <a:round/>
+                      <a:headEnd type="none" w="sm" len="sm"/>
+                      <a:tailEnd type="none" w="sm" len="sm"/>
+                    </a:lnR>
+                    <a:lnT w="12650" cap="flat" cmpd="sng">
+                      <a:solidFill>
+                        <a:srgbClr val="000000"/>
+                      </a:solidFill>
+                      <a:prstDash val="solid"/>
+                      <a:round/>
+                      <a:headEnd type="none" w="sm" len="sm"/>
+                      <a:tailEnd type="none" w="sm" len="sm"/>
+                    </a:lnT>
+                    <a:lnB w="12650" cap="flat" cmpd="sng">
+                      <a:solidFill>
+                        <a:srgbClr val="000000"/>
+                      </a:solidFill>
+                      <a:prstDash val="solid"/>
+                      <a:round/>
+                      <a:headEnd type="none" w="sm" len="sm"/>
+                      <a:tailEnd type="none" w="sm" len="sm"/>
+                    </a:lnB>
+                  </a:tcPr>
+                </a:tc>
+                <a:tc>
+                  <a:txBody>
+                    <a:bodyPr/>
+                    <a:lstStyle/>
+                    <a:p>
+                      <a:pPr marL="0" lvl="0" indent="0" algn="l" rtl="0">
+                        <a:spcBef>
+                          <a:spcPts val="0"/>
+                        </a:spcBef>
+                        <a:spcAft>
+                          <a:spcPts val="0"/>
+                        </a:spcAft>
+                        <a:buNone/>
+                      </a:pPr>
+                      <a:r>
+                        <a:rPr lang="zh-TW" dirty="0"/>
+                        <a:t>The address of the customer</a:t>
+                      </a:r>
+                      <a:endParaRPr dirty="0"/>
+                    </a:p>
+                  </a:txBody>
+                  <a:tcPr marL="68575" marR="68575" marT="91425" marB="91425">
+                    <a:lnL w="12650" cap="flat" cmpd="sng">
+                      <a:solidFill>
+                        <a:srgbClr val="000000"/>
+                      </a:solidFill>
+                      <a:prstDash val="solid"/>
+                      <a:round/>
+                      <a:headEnd type="none" w="sm" len="sm"/>
+                      <a:tailEnd type="none" w="sm" len="sm"/>
+                    </a:lnL>
+                    <a:lnR w="12650" cap="flat" cmpd="sng" algn="ctr">
+                      <a:solidFill>
+                        <a:srgbClr val="000000"/>
+                      </a:solidFill>
+                      <a:prstDash val="solid"/>
+                      <a:round/>
+                      <a:headEnd type="none" w="sm" len="sm"/>
+                      <a:tailEnd type="none" w="sm" len="sm"/>
+                    </a:lnR>
+                    <a:lnT w="12650" cap="flat" cmpd="sng">
+                      <a:solidFill>
+                        <a:srgbClr val="000000"/>
+                      </a:solidFill>
+                      <a:prstDash val="solid"/>
+                      <a:round/>
+                      <a:headEnd type="none" w="sm" len="sm"/>
+                      <a:tailEnd type="none" w="sm" len="sm"/>
+                    </a:lnT>
+                    <a:lnB w="12650" cap="flat" cmpd="sng">
+                      <a:solidFill>
+                        <a:srgbClr val="000000"/>
+                      </a:solidFill>
+                      <a:prstDash val="solid"/>
+                      <a:round/>
+                      <a:headEnd type="none" w="sm" len="sm"/>
+                      <a:tailEnd type="none" w="sm" len="sm"/>
+                    </a:lnB>
+                  </a:tcPr>
+                </a:tc>
+                <a:tc>
+                  <a:txBody>
+                    <a:bodyPr/>
+                    <a:lstStyle/>
+                    <a:p>
+                      <a:pPr marL="0" lvl="0" indent="0" algn="l" rtl="0">
+                        <a:spcBef>
+                          <a:spcPts val="0"/>
+                        </a:spcBef>
+                        <a:spcAft>
+                          <a:spcPts val="0"/>
+                        </a:spcAft>
+                        <a:buNone/>
+                      </a:pPr>
+                      <a:r>
+                        <a:rPr lang="en-US" altLang="zh-HK" dirty="0"/>
+                        <a:t>XX House</a:t>
+                      </a:r>
+                    </a:p>
+                    <a:p>
+                      <a:pPr marL="0" lvl="0" indent="0" algn="l" rtl="0">
+                        <a:spcBef>
+                          <a:spcPts val="0"/>
+                        </a:spcBef>
+                        <a:spcAft>
+                          <a:spcPts val="0"/>
+                        </a:spcAft>
+                        <a:buNone/>
+                      </a:pPr>
+                      <a:r>
+                        <a:rPr lang="en-US" altLang="zh-HK" dirty="0"/>
+                        <a:t>XY House</a:t>
+                      </a:r>
+                    </a:p>
+                  </a:txBody>
+                  <a:tcPr marL="68575" marR="68575" marT="91425" marB="91425">
+                    <a:lnL w="12650" cap="flat" cmpd="sng">
+                      <a:solidFill>
+                        <a:srgbClr val="000000"/>
+                      </a:solidFill>
+                      <a:prstDash val="solid"/>
+                      <a:round/>
+                      <a:headEnd type="none" w="sm" len="sm"/>
+                      <a:tailEnd type="none" w="sm" len="sm"/>
+                    </a:lnL>
+                    <a:lnR w="12650" cap="flat" cmpd="sng">
+                      <a:solidFill>
+                        <a:srgbClr val="000000"/>
+                      </a:solidFill>
+                      <a:prstDash val="solid"/>
+                      <a:round/>
+                      <a:headEnd type="none" w="sm" len="sm"/>
+                      <a:tailEnd type="none" w="sm" len="sm"/>
+                    </a:lnR>
+                    <a:lnT w="12650" cap="flat" cmpd="sng" algn="ctr">
+                      <a:solidFill>
+                        <a:srgbClr val="000000"/>
+                      </a:solidFill>
+                      <a:prstDash val="solid"/>
+                      <a:round/>
+                      <a:headEnd type="none" w="sm" len="sm"/>
+                      <a:tailEnd type="none" w="sm" len="sm"/>
+                    </a:lnT>
+                    <a:lnB w="12650" cap="flat" cmpd="sng" algn="ctr">
+                      <a:solidFill>
+                        <a:srgbClr val="000000"/>
+                      </a:solidFill>
+                      <a:prstDash val="solid"/>
+                      <a:round/>
+                      <a:headEnd type="none" w="sm" len="sm"/>
+                      <a:tailEnd type="none" w="sm" len="sm"/>
+                    </a:lnB>
+                  </a:tcPr>
+                </a:tc>
+                <a:extLst>
+                  <a:ext uri="{0D108BD9-81ED-4DB2-BD59-A6C34878D82A}">
+                    <a16:rowId xmlns:a16="http://schemas.microsoft.com/office/drawing/2014/main" val="10002"/>
+                  </a:ext>
+                </a:extLst>
+              </a:tr>
+              <a:tr h="381000">
+                <a:tc>
+                  <a:txBody>
+                    <a:bodyPr/>
+                    <a:lstStyle/>
+                    <a:p>
+                      <a:pPr marL="0" lvl="0" indent="0" algn="l" rtl="0">
+                        <a:spcBef>
+                          <a:spcPts val="0"/>
+                        </a:spcBef>
+                        <a:spcAft>
+                          <a:spcPts val="0"/>
+                        </a:spcAft>
+                        <a:buNone/>
+                      </a:pPr>
+                      <a:r>
+                        <a:rPr lang="zh-TW"/>
+                        <a:t>contact_no</a:t>
+                      </a:r>
+                      <a:endParaRPr/>
+                    </a:p>
+                  </a:txBody>
+                  <a:tcPr marL="68575" marR="68575" marT="91425" marB="91425">
+                    <a:lnL w="12650" cap="flat" cmpd="sng">
+                      <a:solidFill>
+                        <a:srgbClr val="000000"/>
+                      </a:solidFill>
+                      <a:prstDash val="solid"/>
+                      <a:round/>
+                      <a:headEnd type="none" w="sm" len="sm"/>
+                      <a:tailEnd type="none" w="sm" len="sm"/>
+                    </a:lnL>
+                    <a:lnR w="12650" cap="flat" cmpd="sng">
+                      <a:solidFill>
+                        <a:srgbClr val="000000"/>
+                      </a:solidFill>
+                      <a:prstDash val="solid"/>
+                      <a:round/>
+                      <a:headEnd type="none" w="sm" len="sm"/>
+                      <a:tailEnd type="none" w="sm" len="sm"/>
+                    </a:lnR>
+                    <a:lnT w="12650" cap="flat" cmpd="sng">
+                      <a:solidFill>
+                        <a:srgbClr val="000000"/>
+                      </a:solidFill>
+                      <a:prstDash val="solid"/>
+                      <a:round/>
+                      <a:headEnd type="none" w="sm" len="sm"/>
+                      <a:tailEnd type="none" w="sm" len="sm"/>
+                    </a:lnT>
+                    <a:lnB w="12650" cap="flat" cmpd="sng">
+                      <a:solidFill>
+                        <a:srgbClr val="000000"/>
+                      </a:solidFill>
+                      <a:prstDash val="solid"/>
+                      <a:round/>
+                      <a:headEnd type="none" w="sm" len="sm"/>
+                      <a:tailEnd type="none" w="sm" len="sm"/>
+                    </a:lnB>
+                  </a:tcPr>
+                </a:tc>
+                <a:tc>
+                  <a:txBody>
+                    <a:bodyPr/>
+                    <a:lstStyle/>
+                    <a:p>
+                      <a:pPr marL="0" lvl="0" indent="0" algn="l" rtl="0">
+                        <a:spcBef>
+                          <a:spcPts val="0"/>
+                        </a:spcBef>
+                        <a:spcAft>
+                          <a:spcPts val="0"/>
+                        </a:spcAft>
+                        <a:buNone/>
+                      </a:pPr>
+                      <a:r>
+                        <a:rPr lang="zh-TW"/>
+                        <a:t>char(10)</a:t>
+                      </a:r>
+                      <a:endParaRPr/>
+                    </a:p>
+                  </a:txBody>
+                  <a:tcPr marL="68575" marR="68575" marT="91425" marB="91425">
+                    <a:lnL w="12650" cap="flat" cmpd="sng">
+                      <a:solidFill>
+                        <a:srgbClr val="000000"/>
+                      </a:solidFill>
+                      <a:prstDash val="solid"/>
+                      <a:round/>
+                      <a:headEnd type="none" w="sm" len="sm"/>
+                      <a:tailEnd type="none" w="sm" len="sm"/>
+                    </a:lnL>
+                    <a:lnR w="12650" cap="flat" cmpd="sng">
+                      <a:solidFill>
+                        <a:srgbClr val="000000"/>
+                      </a:solidFill>
+                      <a:prstDash val="solid"/>
+                      <a:round/>
+                      <a:headEnd type="none" w="sm" len="sm"/>
+                      <a:tailEnd type="none" w="sm" len="sm"/>
+                    </a:lnR>
+                    <a:lnT w="12650" cap="flat" cmpd="sng">
+                      <a:solidFill>
+                        <a:srgbClr val="000000"/>
+                      </a:solidFill>
+                      <a:prstDash val="solid"/>
+                      <a:round/>
+                      <a:headEnd type="none" w="sm" len="sm"/>
+                      <a:tailEnd type="none" w="sm" len="sm"/>
+                    </a:lnT>
+                    <a:lnB w="12650" cap="flat" cmpd="sng">
+                      <a:solidFill>
+                        <a:srgbClr val="000000"/>
+                      </a:solidFill>
+                      <a:prstDash val="solid"/>
+                      <a:round/>
+                      <a:headEnd type="none" w="sm" len="sm"/>
+                      <a:tailEnd type="none" w="sm" len="sm"/>
+                    </a:lnB>
+                  </a:tcPr>
+                </a:tc>
+                <a:tc>
+                  <a:txBody>
+                    <a:bodyPr/>
+                    <a:lstStyle/>
+                    <a:p>
+                      <a:pPr marL="0" lvl="0" indent="0" algn="l" rtl="0">
+                        <a:spcBef>
+                          <a:spcPts val="0"/>
+                        </a:spcBef>
+                        <a:spcAft>
+                          <a:spcPts val="0"/>
+                        </a:spcAft>
+                        <a:buNone/>
+                      </a:pPr>
+                      <a:r>
+                        <a:rPr lang="zh-TW"/>
+                        <a:t> </a:t>
+                      </a:r>
+                      <a:endParaRPr/>
+                    </a:p>
+                  </a:txBody>
+                  <a:tcPr marL="68575" marR="68575" marT="91425" marB="91425">
+                    <a:lnL w="12650" cap="flat" cmpd="sng">
+                      <a:solidFill>
+                        <a:srgbClr val="000000"/>
+                      </a:solidFill>
+                      <a:prstDash val="solid"/>
+                      <a:round/>
+                      <a:headEnd type="none" w="sm" len="sm"/>
+                      <a:tailEnd type="none" w="sm" len="sm"/>
+                    </a:lnL>
+                    <a:lnR w="12650" cap="flat" cmpd="sng">
+                      <a:solidFill>
+                        <a:srgbClr val="000000"/>
+                      </a:solidFill>
+                      <a:prstDash val="solid"/>
+                      <a:round/>
+                      <a:headEnd type="none" w="sm" len="sm"/>
+                      <a:tailEnd type="none" w="sm" len="sm"/>
+                    </a:lnR>
+                    <a:lnT w="12650" cap="flat" cmpd="sng">
+                      <a:solidFill>
+                        <a:srgbClr val="000000"/>
+                      </a:solidFill>
+                      <a:prstDash val="solid"/>
+                      <a:round/>
+                      <a:headEnd type="none" w="sm" len="sm"/>
+                      <a:tailEnd type="none" w="sm" len="sm"/>
+                    </a:lnT>
+                    <a:lnB w="12650" cap="flat" cmpd="sng">
+                      <a:solidFill>
+                        <a:srgbClr val="000000"/>
+                      </a:solidFill>
+                      <a:prstDash val="solid"/>
+                      <a:round/>
+                      <a:headEnd type="none" w="sm" len="sm"/>
+                      <a:tailEnd type="none" w="sm" len="sm"/>
+                    </a:lnB>
+                  </a:tcPr>
+                </a:tc>
+                <a:tc>
+                  <a:txBody>
+                    <a:bodyPr/>
+                    <a:lstStyle/>
+                    <a:p>
+                      <a:pPr marL="0" lvl="0" indent="0" algn="l" rtl="0">
+                        <a:spcBef>
+                          <a:spcPts val="0"/>
+                        </a:spcBef>
+                        <a:spcAft>
+                          <a:spcPts val="0"/>
+                        </a:spcAft>
+                        <a:buNone/>
+                      </a:pPr>
+                      <a:r>
+                        <a:rPr lang="zh-TW" dirty="0"/>
+                        <a:t>The contact number of customer</a:t>
+                      </a:r>
+                      <a:endParaRPr dirty="0"/>
+                    </a:p>
+                  </a:txBody>
+                  <a:tcPr marL="68575" marR="68575" marT="91425" marB="91425">
+                    <a:lnL w="12650" cap="flat" cmpd="sng">
+                      <a:solidFill>
+                        <a:srgbClr val="000000"/>
+                      </a:solidFill>
+                      <a:prstDash val="solid"/>
+                      <a:round/>
+                      <a:headEnd type="none" w="sm" len="sm"/>
+                      <a:tailEnd type="none" w="sm" len="sm"/>
+                    </a:lnL>
+                    <a:lnR w="12650" cap="flat" cmpd="sng" algn="ctr">
+                      <a:solidFill>
+                        <a:srgbClr val="000000"/>
+                      </a:solidFill>
+                      <a:prstDash val="solid"/>
+                      <a:round/>
+                      <a:headEnd type="none" w="sm" len="sm"/>
+                      <a:tailEnd type="none" w="sm" len="sm"/>
+                    </a:lnR>
+                    <a:lnT w="12650" cap="flat" cmpd="sng">
+                      <a:solidFill>
+                        <a:srgbClr val="000000"/>
+                      </a:solidFill>
+                      <a:prstDash val="solid"/>
+                      <a:round/>
+                      <a:headEnd type="none" w="sm" len="sm"/>
+                      <a:tailEnd type="none" w="sm" len="sm"/>
+                    </a:lnT>
+                    <a:lnB w="12650" cap="flat" cmpd="sng">
+                      <a:solidFill>
+                        <a:srgbClr val="000000"/>
+                      </a:solidFill>
+                      <a:prstDash val="solid"/>
+                      <a:round/>
+                      <a:headEnd type="none" w="sm" len="sm"/>
+                      <a:tailEnd type="none" w="sm" len="sm"/>
+                    </a:lnB>
+                  </a:tcPr>
+                </a:tc>
+                <a:tc>
+                  <a:txBody>
+                    <a:bodyPr/>
+                    <a:lstStyle/>
+                    <a:p>
+                      <a:pPr marL="0" lvl="0" indent="0" algn="l" rtl="0">
+                        <a:spcBef>
+                          <a:spcPts val="0"/>
+                        </a:spcBef>
+                        <a:spcAft>
+                          <a:spcPts val="0"/>
+                        </a:spcAft>
+                        <a:buNone/>
+                      </a:pPr>
+                      <a:r>
+                        <a:rPr lang="en-US" altLang="zh-HK" dirty="0"/>
+                        <a:t>12345678</a:t>
+                      </a:r>
+                    </a:p>
+                    <a:p>
+                      <a:pPr marL="0" lvl="0" indent="0" algn="l" rtl="0">
+                        <a:spcBef>
+                          <a:spcPts val="0"/>
+                        </a:spcBef>
+                        <a:spcAft>
+                          <a:spcPts val="0"/>
+                        </a:spcAft>
+                        <a:buNone/>
+                      </a:pPr>
+                      <a:r>
+                        <a:rPr lang="en-US" altLang="zh-HK" dirty="0"/>
+                        <a:t>12345679</a:t>
+                      </a:r>
+                      <a:br>
+                        <a:rPr lang="en-US" altLang="zh-HK" dirty="0"/>
+                      </a:br>
+                      <a:endParaRPr dirty="0"/>
+                    </a:p>
+                  </a:txBody>
+                  <a:tcPr marL="68575" marR="68575" marT="91425" marB="91425">
+                    <a:lnL w="12650" cap="flat" cmpd="sng">
+                      <a:solidFill>
+                        <a:srgbClr val="000000"/>
+                      </a:solidFill>
+                      <a:prstDash val="solid"/>
+                      <a:round/>
+                      <a:headEnd type="none" w="sm" len="sm"/>
+                      <a:tailEnd type="none" w="sm" len="sm"/>
+                    </a:lnL>
+                    <a:lnR w="12650" cap="flat" cmpd="sng">
+                      <a:solidFill>
+                        <a:srgbClr val="000000"/>
+                      </a:solidFill>
+                      <a:prstDash val="solid"/>
+                      <a:round/>
+                      <a:headEnd type="none" w="sm" len="sm"/>
+                      <a:tailEnd type="none" w="sm" len="sm"/>
+                    </a:lnR>
+                    <a:lnT w="12650" cap="flat" cmpd="sng" algn="ctr">
+                      <a:solidFill>
+                        <a:srgbClr val="000000"/>
+                      </a:solidFill>
+                      <a:prstDash val="solid"/>
+                      <a:round/>
+                      <a:headEnd type="none" w="sm" len="sm"/>
+                      <a:tailEnd type="none" w="sm" len="sm"/>
+                    </a:lnT>
+                    <a:lnB w="12650" cap="flat" cmpd="sng" algn="ctr">
+                      <a:solidFill>
+                        <a:srgbClr val="000000"/>
+                      </a:solidFill>
+                      <a:prstDash val="solid"/>
+                      <a:round/>
+                      <a:headEnd type="none" w="sm" len="sm"/>
+                      <a:tailEnd type="none" w="sm" len="sm"/>
+                    </a:lnB>
+                  </a:tcPr>
+                </a:tc>
+                <a:extLst>
+                  <a:ext uri="{0D108BD9-81ED-4DB2-BD59-A6C34878D82A}">
+                    <a16:rowId xmlns:a16="http://schemas.microsoft.com/office/drawing/2014/main" val="10003"/>
+                  </a:ext>
+                </a:extLst>
+              </a:tr>
+              <a:tr h="381000">
+                <a:tc>
+                  <a:txBody>
+                    <a:bodyPr/>
+                    <a:lstStyle/>
+                    <a:p>
+                      <a:pPr marL="0" lvl="0" indent="0" algn="l" rtl="0">
+                        <a:spcBef>
+                          <a:spcPts val="0"/>
+                        </a:spcBef>
+                        <a:spcAft>
+                          <a:spcPts val="0"/>
+                        </a:spcAft>
+                        <a:buNone/>
+                      </a:pPr>
+                      <a:r>
+                        <a:rPr lang="zh-TW"/>
+                        <a:t>contact_person</a:t>
+                      </a:r>
+                      <a:endParaRPr/>
+                    </a:p>
+                  </a:txBody>
+                  <a:tcPr marL="68575" marR="68575" marT="91425" marB="91425">
+                    <a:lnL w="12650" cap="flat" cmpd="sng">
+                      <a:solidFill>
+                        <a:srgbClr val="000000"/>
+                      </a:solidFill>
+                      <a:prstDash val="solid"/>
+                      <a:round/>
+                      <a:headEnd type="none" w="sm" len="sm"/>
+                      <a:tailEnd type="none" w="sm" len="sm"/>
+                    </a:lnL>
+                    <a:lnR w="12650" cap="flat" cmpd="sng">
+                      <a:solidFill>
+                        <a:srgbClr val="000000"/>
+                      </a:solidFill>
+                      <a:prstDash val="solid"/>
+                      <a:round/>
+                      <a:headEnd type="none" w="sm" len="sm"/>
+                      <a:tailEnd type="none" w="sm" len="sm"/>
+                    </a:lnR>
+                    <a:lnT w="12650" cap="flat" cmpd="sng">
+                      <a:solidFill>
+                        <a:srgbClr val="000000"/>
+                      </a:solidFill>
+                      <a:prstDash val="solid"/>
+                      <a:round/>
+                      <a:headEnd type="none" w="sm" len="sm"/>
+                      <a:tailEnd type="none" w="sm" len="sm"/>
+                    </a:lnT>
+                    <a:lnB w="12650" cap="flat" cmpd="sng">
+                      <a:solidFill>
+                        <a:srgbClr val="000000"/>
+                      </a:solidFill>
+                      <a:prstDash val="solid"/>
+                      <a:round/>
+                      <a:headEnd type="none" w="sm" len="sm"/>
+                      <a:tailEnd type="none" w="sm" len="sm"/>
+                    </a:lnB>
+                  </a:tcPr>
+                </a:tc>
+                <a:tc>
+                  <a:txBody>
+                    <a:bodyPr/>
+                    <a:lstStyle/>
+                    <a:p>
+                      <a:pPr marL="0" lvl="0" indent="0" algn="l" rtl="0">
+                        <a:spcBef>
+                          <a:spcPts val="0"/>
+                        </a:spcBef>
+                        <a:spcAft>
+                          <a:spcPts val="0"/>
+                        </a:spcAft>
+                        <a:buNone/>
+                      </a:pPr>
+                      <a:r>
+                        <a:rPr lang="zh-TW"/>
+                        <a:t>varchar(50)</a:t>
+                      </a:r>
+                      <a:endParaRPr/>
+                    </a:p>
+                  </a:txBody>
+                  <a:tcPr marL="68575" marR="68575" marT="91425" marB="91425">
+                    <a:lnL w="12650" cap="flat" cmpd="sng">
+                      <a:solidFill>
+                        <a:srgbClr val="000000"/>
+                      </a:solidFill>
+                      <a:prstDash val="solid"/>
+                      <a:round/>
+                      <a:headEnd type="none" w="sm" len="sm"/>
+                      <a:tailEnd type="none" w="sm" len="sm"/>
+                    </a:lnL>
+                    <a:lnR w="12650" cap="flat" cmpd="sng">
+                      <a:solidFill>
+                        <a:srgbClr val="000000"/>
+                      </a:solidFill>
+                      <a:prstDash val="solid"/>
+                      <a:round/>
+                      <a:headEnd type="none" w="sm" len="sm"/>
+                      <a:tailEnd type="none" w="sm" len="sm"/>
+                    </a:lnR>
+                    <a:lnT w="12650" cap="flat" cmpd="sng">
+                      <a:solidFill>
+                        <a:srgbClr val="000000"/>
+                      </a:solidFill>
+                      <a:prstDash val="solid"/>
+                      <a:round/>
+                      <a:headEnd type="none" w="sm" len="sm"/>
+                      <a:tailEnd type="none" w="sm" len="sm"/>
+                    </a:lnT>
+                    <a:lnB w="12650" cap="flat" cmpd="sng">
+                      <a:solidFill>
+                        <a:srgbClr val="000000"/>
+                      </a:solidFill>
+                      <a:prstDash val="solid"/>
+                      <a:round/>
+                      <a:headEnd type="none" w="sm" len="sm"/>
+                      <a:tailEnd type="none" w="sm" len="sm"/>
+                    </a:lnB>
+                  </a:tcPr>
+                </a:tc>
+                <a:tc>
+                  <a:txBody>
+                    <a:bodyPr/>
+                    <a:lstStyle/>
+                    <a:p>
+                      <a:pPr marL="0" lvl="0" indent="0" algn="l" rtl="0">
+                        <a:spcBef>
+                          <a:spcPts val="0"/>
+                        </a:spcBef>
+                        <a:spcAft>
+                          <a:spcPts val="0"/>
+                        </a:spcAft>
+                        <a:buNone/>
+                      </a:pPr>
+                      <a:r>
+                        <a:rPr lang="zh-TW" dirty="0"/>
+                        <a:t> </a:t>
+                      </a:r>
+                      <a:endParaRPr dirty="0"/>
+                    </a:p>
+                  </a:txBody>
+                  <a:tcPr marL="68575" marR="68575" marT="91425" marB="91425">
+                    <a:lnL w="12650" cap="flat" cmpd="sng">
+                      <a:solidFill>
+                        <a:srgbClr val="000000"/>
+                      </a:solidFill>
+                      <a:prstDash val="solid"/>
+                      <a:round/>
+                      <a:headEnd type="none" w="sm" len="sm"/>
+                      <a:tailEnd type="none" w="sm" len="sm"/>
+                    </a:lnL>
+                    <a:lnR w="12650" cap="flat" cmpd="sng">
+                      <a:solidFill>
+                        <a:srgbClr val="000000"/>
+                      </a:solidFill>
+                      <a:prstDash val="solid"/>
+                      <a:round/>
+                      <a:headEnd type="none" w="sm" len="sm"/>
+                      <a:tailEnd type="none" w="sm" len="sm"/>
+                    </a:lnR>
+                    <a:lnT w="12650" cap="flat" cmpd="sng">
+                      <a:solidFill>
+                        <a:srgbClr val="000000"/>
+                      </a:solidFill>
+                      <a:prstDash val="solid"/>
+                      <a:round/>
+                      <a:headEnd type="none" w="sm" len="sm"/>
+                      <a:tailEnd type="none" w="sm" len="sm"/>
+                    </a:lnT>
+                    <a:lnB w="12650" cap="flat" cmpd="sng">
+                      <a:solidFill>
+                        <a:srgbClr val="000000"/>
+                      </a:solidFill>
+                      <a:prstDash val="solid"/>
+                      <a:round/>
+                      <a:headEnd type="none" w="sm" len="sm"/>
+                      <a:tailEnd type="none" w="sm" len="sm"/>
+                    </a:lnB>
+                  </a:tcPr>
+                </a:tc>
+                <a:tc>
+                  <a:txBody>
+                    <a:bodyPr/>
+                    <a:lstStyle/>
+                    <a:p>
+                      <a:pPr marL="0" lvl="0" indent="0" algn="l" rtl="0">
+                        <a:spcBef>
+                          <a:spcPts val="0"/>
+                        </a:spcBef>
+                        <a:spcAft>
+                          <a:spcPts val="0"/>
+                        </a:spcAft>
+                        <a:buNone/>
+                      </a:pPr>
+                      <a:r>
+                        <a:rPr lang="zh-TW" dirty="0"/>
+                        <a:t>The name of the contact person</a:t>
+                      </a:r>
+                      <a:endParaRPr dirty="0"/>
+                    </a:p>
+                  </a:txBody>
+                  <a:tcPr marL="68575" marR="68575" marT="91425" marB="91425">
+                    <a:lnL w="12650" cap="flat" cmpd="sng">
+                      <a:solidFill>
+                        <a:srgbClr val="000000"/>
+                      </a:solidFill>
+                      <a:prstDash val="solid"/>
+                      <a:round/>
+                      <a:headEnd type="none" w="sm" len="sm"/>
+                      <a:tailEnd type="none" w="sm" len="sm"/>
+                    </a:lnL>
+                    <a:lnR w="12650" cap="flat" cmpd="sng" algn="ctr">
+                      <a:solidFill>
+                        <a:srgbClr val="000000"/>
+                      </a:solidFill>
+                      <a:prstDash val="solid"/>
+                      <a:round/>
+                      <a:headEnd type="none" w="sm" len="sm"/>
+                      <a:tailEnd type="none" w="sm" len="sm"/>
+                    </a:lnR>
+                    <a:lnT w="12650" cap="flat" cmpd="sng">
+                      <a:solidFill>
+                        <a:srgbClr val="000000"/>
+                      </a:solidFill>
+                      <a:prstDash val="solid"/>
+                      <a:round/>
+                      <a:headEnd type="none" w="sm" len="sm"/>
+                      <a:tailEnd type="none" w="sm" len="sm"/>
+                    </a:lnT>
+                    <a:lnB w="12650" cap="flat" cmpd="sng">
+                      <a:solidFill>
+                        <a:srgbClr val="000000"/>
+                      </a:solidFill>
+                      <a:prstDash val="solid"/>
+                      <a:round/>
+                      <a:headEnd type="none" w="sm" len="sm"/>
+                      <a:tailEnd type="none" w="sm" len="sm"/>
+                    </a:lnB>
+                  </a:tcPr>
+                </a:tc>
+                <a:tc>
+                  <a:txBody>
+                    <a:bodyPr/>
+                    <a:lstStyle/>
+                    <a:p>
+                      <a:pPr marL="0" lvl="0" indent="0" algn="l" rtl="0">
+                        <a:spcBef>
+                          <a:spcPts val="0"/>
+                        </a:spcBef>
+                        <a:spcAft>
+                          <a:spcPts val="0"/>
+                        </a:spcAft>
+                        <a:buNone/>
+                      </a:pPr>
+                      <a:r>
+                        <a:rPr lang="en-US" dirty="0"/>
+                        <a:t>David Chan</a:t>
+                      </a:r>
+                    </a:p>
+                    <a:p>
+                      <a:pPr marL="0" lvl="0" indent="0" algn="l" rtl="0">
+                        <a:spcBef>
+                          <a:spcPts val="0"/>
+                        </a:spcBef>
+                        <a:spcAft>
+                          <a:spcPts val="0"/>
+                        </a:spcAft>
+                        <a:buNone/>
+                      </a:pPr>
+                      <a:r>
+                        <a:rPr lang="en-US" dirty="0"/>
+                        <a:t>David Cha</a:t>
+                      </a:r>
+                    </a:p>
+                  </a:txBody>
+                  <a:tcPr marL="68575" marR="68575" marT="91425" marB="91425">
+                    <a:lnL w="12650" cap="flat" cmpd="sng">
+                      <a:solidFill>
+                        <a:srgbClr val="000000"/>
+                      </a:solidFill>
+                      <a:prstDash val="solid"/>
+                      <a:round/>
+                      <a:headEnd type="none" w="sm" len="sm"/>
+                      <a:tailEnd type="none" w="sm" len="sm"/>
+                    </a:lnL>
+                    <a:lnR w="12650" cap="flat" cmpd="sng">
+                      <a:solidFill>
+                        <a:srgbClr val="000000"/>
+                      </a:solidFill>
+                      <a:prstDash val="solid"/>
+                      <a:round/>
+                      <a:headEnd type="none" w="sm" len="sm"/>
+                      <a:tailEnd type="none" w="sm" len="sm"/>
+                    </a:lnR>
+                    <a:lnT w="12650" cap="flat" cmpd="sng" algn="ctr">
+                      <a:solidFill>
+                        <a:srgbClr val="000000"/>
+                      </a:solidFill>
+                      <a:prstDash val="solid"/>
+                      <a:round/>
+                      <a:headEnd type="none" w="sm" len="sm"/>
+                      <a:tailEnd type="none" w="sm" len="sm"/>
+                    </a:lnT>
+                    <a:lnB w="12650" cap="flat" cmpd="sng">
+                      <a:solidFill>
+                        <a:srgbClr val="000000"/>
+                      </a:solidFill>
+                      <a:prstDash val="solid"/>
+                      <a:round/>
+                      <a:headEnd type="none" w="sm" len="sm"/>
+                      <a:tailEnd type="none" w="sm" len="sm"/>
+                    </a:lnB>
+                  </a:tcPr>
+                </a:tc>
+                <a:extLst>
+                  <a:ext uri="{0D108BD9-81ED-4DB2-BD59-A6C34878D82A}">
+                    <a16:rowId xmlns:a16="http://schemas.microsoft.com/office/drawing/2014/main" val="10004"/>
+                  </a:ext>
+                </a:extLst>
+              </a:tr>
+            </a:tbl>
+          </a:graphicData>
+        </a:graphic>
+      </p:graphicFrame>
+    </p:spTree>
+    <p:extLst>
+      <p:ext uri="{BB962C8B-B14F-4D97-AF65-F5344CB8AC3E}">
+        <p14:creationId xmlns:p14="http://schemas.microsoft.com/office/powerpoint/2010/main" val="1357437569"/>
+      </p:ext>
+    </p:extLst>
+  </p:cSld>
+  <p:clrMapOvr>
+    <a:masterClrMapping/>
+  </p:clrMapOvr>
+</p:sld>
+</file>
+
+<file path=ppt/slides/slide6.xml><?xml version="1.0" encoding="utf-8"?>
+<p:sld xmlns:a="http://schemas.openxmlformats.org/drawingml/2006/main" xmlns:r="http://schemas.openxmlformats.org/officeDocument/2006/relationships" xmlns:p="http://schemas.openxmlformats.org/presentationml/2006/main">
+  <p:cSld>
+    <p:spTree>
+      <p:nvGrpSpPr>
+        <p:cNvPr id="1" name=""/>
+        <p:cNvGrpSpPr/>
+        <p:nvPr/>
+      </p:nvGrpSpPr>
+      <p:grpSpPr>
+        <a:xfrm>
+          <a:off x="0" y="0"/>
+          <a:ext cx="0" cy="0"/>
+          <a:chOff x="0" y="0"/>
+          <a:chExt cx="0" cy="0"/>
+        </a:xfrm>
+      </p:grpSpPr>
+      <p:sp>
+        <p:nvSpPr>
+          <p:cNvPr id="2" name="標題 1">
+            <a:extLst>
+              <a:ext uri="{FF2B5EF4-FFF2-40B4-BE49-F238E27FC236}">
+                <a16:creationId xmlns:a16="http://schemas.microsoft.com/office/drawing/2014/main" id="{0CAE0166-0EEA-41F7-8516-CA0F74788F32}"/>
+              </a:ext>
+            </a:extLst>
+          </p:cNvPr>
+          <p:cNvSpPr>
+            <a:spLocks noGrp="1"/>
+          </p:cNvSpPr>
+          <p:nvPr>
+            <p:ph type="title"/>
+          </p:nvPr>
+        </p:nvSpPr>
+        <p:spPr/>
+        <p:txBody>
+          <a:bodyPr/>
+          <a:lstStyle/>
+          <a:p>
+            <a:r>
+              <a:rPr lang="en-US" altLang="zh-HK" dirty="0" err="1"/>
+              <a:t>logistics_sample_format</a:t>
+            </a:r>
+            <a:r>
+              <a:rPr lang="zh-TW" altLang="en-US" dirty="0"/>
+              <a:t> </a:t>
+            </a:r>
+            <a:r>
+              <a:rPr lang="en-US" altLang="zh-TW" dirty="0"/>
+              <a:t>from retailers</a:t>
+            </a:r>
+            <a:endParaRPr lang="zh-HK" altLang="en-US" dirty="0"/>
+          </a:p>
+        </p:txBody>
+      </p:sp>
+      <p:sp>
+        <p:nvSpPr>
+          <p:cNvPr id="3" name="文字版面配置區 2">
+            <a:extLst>
+              <a:ext uri="{FF2B5EF4-FFF2-40B4-BE49-F238E27FC236}">
+                <a16:creationId xmlns:a16="http://schemas.microsoft.com/office/drawing/2014/main" id="{475A21F6-9253-46D6-B3DD-74B193150228}"/>
+              </a:ext>
+            </a:extLst>
+          </p:cNvPr>
+          <p:cNvSpPr>
+            <a:spLocks noGrp="1"/>
+          </p:cNvSpPr>
+          <p:nvPr>
+            <p:ph type="body" idx="1"/>
+          </p:nvPr>
+        </p:nvSpPr>
+        <p:spPr/>
+        <p:txBody>
+          <a:bodyPr/>
+          <a:lstStyle/>
+          <a:p>
+            <a:endParaRPr lang="zh-HK" altLang="en-US" dirty="0"/>
+          </a:p>
+        </p:txBody>
+      </p:sp>
+      <p:graphicFrame>
+        <p:nvGraphicFramePr>
+          <p:cNvPr id="5" name="Google Shape;62;p14">
+            <a:extLst>
+              <a:ext uri="{FF2B5EF4-FFF2-40B4-BE49-F238E27FC236}">
+                <a16:creationId xmlns:a16="http://schemas.microsoft.com/office/drawing/2014/main" id="{25DEF3B1-0397-4945-9136-3E35C36648DD}"/>
+              </a:ext>
+            </a:extLst>
+          </p:cNvPr>
+          <p:cNvGraphicFramePr/>
+          <p:nvPr>
+            <p:extLst>
+              <p:ext uri="{D42A27DB-BD31-4B8C-83A1-F6EECF244321}">
+                <p14:modId xmlns:p14="http://schemas.microsoft.com/office/powerpoint/2010/main" val="4083836775"/>
+              </p:ext>
+            </p:extLst>
+          </p:nvPr>
+        </p:nvGraphicFramePr>
+        <p:xfrm>
+          <a:off x="311700" y="1152475"/>
+          <a:ext cx="7565524" cy="2438280"/>
+        </p:xfrm>
+        <a:graphic>
+          <a:graphicData uri="http://schemas.openxmlformats.org/drawingml/2006/table">
+            <a:tbl>
+              <a:tblPr>
+                <a:noFill/>
+                <a:tableStyleId>{809D720A-15E3-4011-8018-CBF829D7B348}</a:tableStyleId>
+              </a:tblPr>
+              <a:tblGrid>
+                <a:gridCol w="1653213">
+                  <a:extLst>
+                    <a:ext uri="{9D8B030D-6E8A-4147-A177-3AD203B41FA5}">
+                      <a16:colId xmlns:a16="http://schemas.microsoft.com/office/drawing/2014/main" val="20000"/>
+                    </a:ext>
+                  </a:extLst>
+                </a:gridCol>
+                <a:gridCol w="1326688">
+                  <a:extLst>
+                    <a:ext uri="{9D8B030D-6E8A-4147-A177-3AD203B41FA5}">
+                      <a16:colId xmlns:a16="http://schemas.microsoft.com/office/drawing/2014/main" val="20001"/>
+                    </a:ext>
+                  </a:extLst>
+                </a:gridCol>
+                <a:gridCol w="1042324">
+                  <a:extLst>
+                    <a:ext uri="{9D8B030D-6E8A-4147-A177-3AD203B41FA5}">
+                      <a16:colId xmlns:a16="http://schemas.microsoft.com/office/drawing/2014/main" val="20002"/>
+                    </a:ext>
+                  </a:extLst>
+                </a:gridCol>
+                <a:gridCol w="1611052">
+                  <a:extLst>
+                    <a:ext uri="{9D8B030D-6E8A-4147-A177-3AD203B41FA5}">
+                      <a16:colId xmlns:a16="http://schemas.microsoft.com/office/drawing/2014/main" val="20003"/>
+                    </a:ext>
+                  </a:extLst>
+                </a:gridCol>
+                <a:gridCol w="1932247">
+                  <a:extLst>
+                    <a:ext uri="{9D8B030D-6E8A-4147-A177-3AD203B41FA5}">
+                      <a16:colId xmlns:a16="http://schemas.microsoft.com/office/drawing/2014/main" val="12895856"/>
+                    </a:ext>
+                  </a:extLst>
+                </a:gridCol>
+              </a:tblGrid>
+              <a:tr h="0">
+                <a:tc>
+                  <a:txBody>
+                    <a:bodyPr/>
+                    <a:lstStyle/>
+                    <a:p>
+                      <a:pPr marL="0" lvl="0" indent="0" algn="l" rtl="0">
+                        <a:spcBef>
+                          <a:spcPts val="0"/>
+                        </a:spcBef>
+                        <a:spcAft>
+                          <a:spcPts val="0"/>
+                        </a:spcAft>
+                        <a:buNone/>
+                      </a:pPr>
+                      <a:r>
+                        <a:rPr lang="zh-TW" dirty="0"/>
+                        <a:t>Name</a:t>
+                      </a:r>
+                      <a:endParaRPr dirty="0"/>
+                    </a:p>
+                  </a:txBody>
+                  <a:tcPr marL="68575" marR="68575" marT="91425" marB="91425">
+                    <a:lnL w="12650" cap="flat" cmpd="sng">
+                      <a:solidFill>
+                        <a:srgbClr val="000000"/>
+                      </a:solidFill>
+                      <a:prstDash val="solid"/>
+                      <a:round/>
+                      <a:headEnd type="none" w="sm" len="sm"/>
+                      <a:tailEnd type="none" w="sm" len="sm"/>
+                    </a:lnL>
+                    <a:lnR w="12650" cap="flat" cmpd="sng">
+                      <a:solidFill>
+                        <a:srgbClr val="000000"/>
+                      </a:solidFill>
+                      <a:prstDash val="solid"/>
+                      <a:round/>
+                      <a:headEnd type="none" w="sm" len="sm"/>
+                      <a:tailEnd type="none" w="sm" len="sm"/>
+                    </a:lnR>
+                    <a:lnT w="12650" cap="flat" cmpd="sng">
+                      <a:solidFill>
+                        <a:srgbClr val="000000"/>
+                      </a:solidFill>
+                      <a:prstDash val="solid"/>
+                      <a:round/>
+                      <a:headEnd type="none" w="sm" len="sm"/>
+                      <a:tailEnd type="none" w="sm" len="sm"/>
+                    </a:lnT>
+                    <a:lnB w="12650" cap="flat" cmpd="sng">
+                      <a:solidFill>
+                        <a:srgbClr val="000000"/>
+                      </a:solidFill>
+                      <a:prstDash val="solid"/>
+                      <a:round/>
+                      <a:headEnd type="none" w="sm" len="sm"/>
+                      <a:tailEnd type="none" w="sm" len="sm"/>
+                    </a:lnB>
+                  </a:tcPr>
+                </a:tc>
+                <a:tc>
+                  <a:txBody>
+                    <a:bodyPr/>
+                    <a:lstStyle/>
+                    <a:p>
+                      <a:pPr marL="0" lvl="0" indent="0" algn="l" rtl="0">
+                        <a:spcBef>
+                          <a:spcPts val="0"/>
+                        </a:spcBef>
+                        <a:spcAft>
+                          <a:spcPts val="0"/>
+                        </a:spcAft>
+                        <a:buNone/>
+                      </a:pPr>
+                      <a:r>
+                        <a:rPr lang="zh-TW" dirty="0"/>
+                        <a:t>Data type</a:t>
+                      </a:r>
+                      <a:endParaRPr dirty="0"/>
+                    </a:p>
+                  </a:txBody>
+                  <a:tcPr marL="68575" marR="68575" marT="91425" marB="91425">
+                    <a:lnL w="12650" cap="flat" cmpd="sng">
+                      <a:solidFill>
+                        <a:srgbClr val="000000"/>
+                      </a:solidFill>
+                      <a:prstDash val="solid"/>
+                      <a:round/>
+                      <a:headEnd type="none" w="sm" len="sm"/>
+                      <a:tailEnd type="none" w="sm" len="sm"/>
+                    </a:lnL>
+                    <a:lnR w="12650" cap="flat" cmpd="sng">
+                      <a:solidFill>
+                        <a:srgbClr val="000000"/>
+                      </a:solidFill>
+                      <a:prstDash val="solid"/>
+                      <a:round/>
+                      <a:headEnd type="none" w="sm" len="sm"/>
+                      <a:tailEnd type="none" w="sm" len="sm"/>
+                    </a:lnR>
+                    <a:lnT w="12650" cap="flat" cmpd="sng">
+                      <a:solidFill>
+                        <a:srgbClr val="000000"/>
+                      </a:solidFill>
+                      <a:prstDash val="solid"/>
+                      <a:round/>
+                      <a:headEnd type="none" w="sm" len="sm"/>
+                      <a:tailEnd type="none" w="sm" len="sm"/>
+                    </a:lnT>
+                    <a:lnB w="12650" cap="flat" cmpd="sng">
+                      <a:solidFill>
+                        <a:srgbClr val="000000"/>
+                      </a:solidFill>
+                      <a:prstDash val="solid"/>
+                      <a:round/>
+                      <a:headEnd type="none" w="sm" len="sm"/>
+                      <a:tailEnd type="none" w="sm" len="sm"/>
+                    </a:lnB>
+                  </a:tcPr>
+                </a:tc>
+                <a:tc>
+                  <a:txBody>
+                    <a:bodyPr/>
+                    <a:lstStyle/>
+                    <a:p>
+                      <a:pPr marL="0" lvl="0" indent="0" algn="l" rtl="0">
+                        <a:spcBef>
+                          <a:spcPts val="0"/>
+                        </a:spcBef>
+                        <a:spcAft>
+                          <a:spcPts val="0"/>
+                        </a:spcAft>
+                        <a:buNone/>
+                      </a:pPr>
+                      <a:r>
+                        <a:rPr lang="zh-TW" dirty="0"/>
+                        <a:t>Constraint</a:t>
+                      </a:r>
+                      <a:endParaRPr dirty="0"/>
+                    </a:p>
+                  </a:txBody>
+                  <a:tcPr marL="68575" marR="68575" marT="91425" marB="91425">
+                    <a:lnL w="12650" cap="flat" cmpd="sng">
+                      <a:solidFill>
+                        <a:srgbClr val="000000"/>
+                      </a:solidFill>
+                      <a:prstDash val="solid"/>
+                      <a:round/>
+                      <a:headEnd type="none" w="sm" len="sm"/>
+                      <a:tailEnd type="none" w="sm" len="sm"/>
+                    </a:lnL>
+                    <a:lnR w="12650" cap="flat" cmpd="sng">
+                      <a:solidFill>
+                        <a:srgbClr val="000000"/>
+                      </a:solidFill>
+                      <a:prstDash val="solid"/>
+                      <a:round/>
+                      <a:headEnd type="none" w="sm" len="sm"/>
+                      <a:tailEnd type="none" w="sm" len="sm"/>
+                    </a:lnR>
+                    <a:lnT w="12650" cap="flat" cmpd="sng">
+                      <a:solidFill>
+                        <a:srgbClr val="000000"/>
+                      </a:solidFill>
+                      <a:prstDash val="solid"/>
+                      <a:round/>
+                      <a:headEnd type="none" w="sm" len="sm"/>
+                      <a:tailEnd type="none" w="sm" len="sm"/>
+                    </a:lnT>
+                    <a:lnB w="12650" cap="flat" cmpd="sng">
+                      <a:solidFill>
+                        <a:srgbClr val="000000"/>
+                      </a:solidFill>
+                      <a:prstDash val="solid"/>
+                      <a:round/>
+                      <a:headEnd type="none" w="sm" len="sm"/>
+                      <a:tailEnd type="none" w="sm" len="sm"/>
+                    </a:lnB>
+                  </a:tcPr>
+                </a:tc>
+                <a:tc>
+                  <a:txBody>
+                    <a:bodyPr/>
+                    <a:lstStyle/>
+                    <a:p>
+                      <a:pPr marL="0" lvl="0" indent="0" algn="l" rtl="0">
+                        <a:spcBef>
+                          <a:spcPts val="0"/>
+                        </a:spcBef>
+                        <a:spcAft>
+                          <a:spcPts val="0"/>
+                        </a:spcAft>
+                        <a:buNone/>
+                      </a:pPr>
+                      <a:r>
+                        <a:rPr lang="zh-TW" dirty="0"/>
+                        <a:t>Description</a:t>
+                      </a:r>
+                      <a:endParaRPr dirty="0"/>
+                    </a:p>
+                  </a:txBody>
+                  <a:tcPr marL="68575" marR="68575" marT="91425" marB="91425">
+                    <a:lnL w="12650" cap="flat" cmpd="sng">
+                      <a:solidFill>
+                        <a:srgbClr val="000000"/>
+                      </a:solidFill>
+                      <a:prstDash val="solid"/>
+                      <a:round/>
+                      <a:headEnd type="none" w="sm" len="sm"/>
+                      <a:tailEnd type="none" w="sm" len="sm"/>
+                    </a:lnL>
+                    <a:lnR w="12650" cap="flat" cmpd="sng" algn="ctr">
+                      <a:solidFill>
+                        <a:srgbClr val="000000"/>
+                      </a:solidFill>
+                      <a:prstDash val="solid"/>
+                      <a:round/>
+                      <a:headEnd type="none" w="sm" len="sm"/>
+                      <a:tailEnd type="none" w="sm" len="sm"/>
+                    </a:lnR>
+                    <a:lnT w="12650" cap="flat" cmpd="sng">
+                      <a:solidFill>
+                        <a:srgbClr val="000000"/>
+                      </a:solidFill>
+                      <a:prstDash val="solid"/>
+                      <a:round/>
+                      <a:headEnd type="none" w="sm" len="sm"/>
+                      <a:tailEnd type="none" w="sm" len="sm"/>
+                    </a:lnT>
+                    <a:lnB w="12650" cap="flat" cmpd="sng">
+                      <a:solidFill>
+                        <a:srgbClr val="000000"/>
+                      </a:solidFill>
+                      <a:prstDash val="solid"/>
+                      <a:round/>
+                      <a:headEnd type="none" w="sm" len="sm"/>
+                      <a:tailEnd type="none" w="sm" len="sm"/>
+                    </a:lnB>
+                  </a:tcPr>
+                </a:tc>
+                <a:tc>
+                  <a:txBody>
+                    <a:bodyPr/>
+                    <a:lstStyle/>
+                    <a:p>
+                      <a:pPr marL="0" marR="0" lvl="0" indent="0" algn="l" defTabSz="914400" rtl="0" eaLnBrk="1" fontAlgn="auto" latinLnBrk="0" hangingPunct="1">
+                        <a:lnSpc>
+                          <a:spcPct val="100000"/>
+                        </a:lnSpc>
+                        <a:spcBef>
+                          <a:spcPts val="0"/>
+                        </a:spcBef>
+                        <a:spcAft>
+                          <a:spcPts val="0"/>
+                        </a:spcAft>
+                        <a:buClr>
+                          <a:srgbClr val="000000"/>
+                        </a:buClr>
+                        <a:buSzTx/>
+                        <a:buFont typeface="Arial"/>
+                        <a:buNone/>
+                        <a:tabLst/>
+                        <a:defRPr/>
+                      </a:pPr>
+                      <a:r>
+                        <a:rPr lang="en-US" altLang="zh-TW" dirty="0"/>
+                        <a:t>Examples</a:t>
+                      </a:r>
+                      <a:endParaRPr lang="en-US" altLang="zh-HK" dirty="0"/>
+                    </a:p>
+                  </a:txBody>
+                  <a:tcPr marL="68575" marR="68575" marT="91425" marB="91425">
+                    <a:lnL w="12650" cap="flat" cmpd="sng">
+                      <a:solidFill>
+                        <a:srgbClr val="000000"/>
+                      </a:solidFill>
+                      <a:prstDash val="solid"/>
+                      <a:round/>
+                      <a:headEnd type="none" w="sm" len="sm"/>
+                      <a:tailEnd type="none" w="sm" len="sm"/>
+                    </a:lnL>
+                    <a:lnR w="12650" cap="flat" cmpd="sng">
+                      <a:solidFill>
+                        <a:srgbClr val="000000"/>
+                      </a:solidFill>
+                      <a:prstDash val="solid"/>
+                      <a:round/>
+                      <a:headEnd type="none" w="sm" len="sm"/>
+                      <a:tailEnd type="none" w="sm" len="sm"/>
+                    </a:lnR>
+                    <a:lnT w="12650" cap="flat" cmpd="sng">
+                      <a:solidFill>
+                        <a:srgbClr val="000000"/>
+                      </a:solidFill>
+                      <a:prstDash val="solid"/>
+                      <a:round/>
+                      <a:headEnd type="none" w="sm" len="sm"/>
+                      <a:tailEnd type="none" w="sm" len="sm"/>
+                    </a:lnT>
+                    <a:lnB w="12650" cap="flat" cmpd="sng" algn="ctr">
+                      <a:solidFill>
+                        <a:srgbClr val="000000"/>
+                      </a:solidFill>
+                      <a:prstDash val="solid"/>
+                      <a:round/>
+                      <a:headEnd type="none" w="sm" len="sm"/>
+                      <a:tailEnd type="none" w="sm" len="sm"/>
+                    </a:lnB>
+                  </a:tcPr>
+                </a:tc>
+                <a:extLst>
+                  <a:ext uri="{0D108BD9-81ED-4DB2-BD59-A6C34878D82A}">
+                    <a16:rowId xmlns:a16="http://schemas.microsoft.com/office/drawing/2014/main" val="10000"/>
+                  </a:ext>
+                </a:extLst>
+              </a:tr>
+              <a:tr h="381000">
+                <a:tc>
+                  <a:txBody>
+                    <a:bodyPr/>
+                    <a:lstStyle/>
+                    <a:p>
+                      <a:pPr marL="0" lvl="0" indent="0" algn="l" rtl="0">
+                        <a:spcBef>
+                          <a:spcPts val="0"/>
+                        </a:spcBef>
+                        <a:spcAft>
+                          <a:spcPts val="0"/>
+                        </a:spcAft>
+                        <a:buNone/>
+                      </a:pPr>
+                      <a:r>
+                        <a:rPr lang="en-US" dirty="0" err="1"/>
+                        <a:t>expected_shipment_date</a:t>
+                      </a:r>
+                      <a:endParaRPr lang="en-US" dirty="0"/>
+                    </a:p>
+                  </a:txBody>
+                  <a:tcPr marL="68575" marR="68575" marT="91425" marB="91425">
+                    <a:lnL w="12650" cap="flat" cmpd="sng">
+                      <a:solidFill>
+                        <a:srgbClr val="000000"/>
+                      </a:solidFill>
+                      <a:prstDash val="solid"/>
+                      <a:round/>
+                      <a:headEnd type="none" w="sm" len="sm"/>
+                      <a:tailEnd type="none" w="sm" len="sm"/>
+                    </a:lnL>
+                    <a:lnR w="12650" cap="flat" cmpd="sng" algn="ctr">
+                      <a:solidFill>
+                        <a:srgbClr val="000000"/>
+                      </a:solidFill>
+                      <a:prstDash val="solid"/>
+                      <a:round/>
+                      <a:headEnd type="none" w="sm" len="sm"/>
+                      <a:tailEnd type="none" w="sm" len="sm"/>
+                    </a:lnR>
+                    <a:lnT w="12650" cap="flat" cmpd="sng" algn="ctr">
+                      <a:solidFill>
+                        <a:srgbClr val="000000"/>
+                      </a:solidFill>
+                      <a:prstDash val="solid"/>
+                      <a:round/>
+                      <a:headEnd type="none" w="sm" len="sm"/>
+                      <a:tailEnd type="none" w="sm" len="sm"/>
+                    </a:lnT>
+                    <a:lnB w="12650" cap="flat" cmpd="sng">
+                      <a:solidFill>
+                        <a:srgbClr val="000000"/>
+                      </a:solidFill>
+                      <a:prstDash val="solid"/>
+                      <a:round/>
+                      <a:headEnd type="none" w="sm" len="sm"/>
+                      <a:tailEnd type="none" w="sm" len="sm"/>
+                    </a:lnB>
+                  </a:tcPr>
+                </a:tc>
+                <a:tc>
+                  <a:txBody>
+                    <a:bodyPr/>
+                    <a:lstStyle/>
+                    <a:p>
+                      <a:pPr marL="0" lvl="0" indent="0" algn="l" rtl="0">
+                        <a:spcBef>
+                          <a:spcPts val="0"/>
+                        </a:spcBef>
+                        <a:spcAft>
+                          <a:spcPts val="0"/>
+                        </a:spcAft>
+                        <a:buNone/>
+                      </a:pPr>
+                      <a:r>
+                        <a:rPr lang="en-US" dirty="0"/>
+                        <a:t>datetime()</a:t>
+                      </a:r>
+                    </a:p>
+                  </a:txBody>
+                  <a:tcPr marL="68575" marR="68575" marT="91425" marB="91425">
+                    <a:lnL w="12650" cap="flat" cmpd="sng" algn="ctr">
+                      <a:solidFill>
+                        <a:srgbClr val="000000"/>
+                      </a:solidFill>
+                      <a:prstDash val="solid"/>
+                      <a:round/>
+                      <a:headEnd type="none" w="sm" len="sm"/>
+                      <a:tailEnd type="none" w="sm" len="sm"/>
+                    </a:lnL>
+                    <a:lnR w="12650" cap="flat" cmpd="sng" algn="ctr">
+                      <a:solidFill>
+                        <a:srgbClr val="000000"/>
+                      </a:solidFill>
+                      <a:prstDash val="solid"/>
+                      <a:round/>
+                      <a:headEnd type="none" w="sm" len="sm"/>
+                      <a:tailEnd type="none" w="sm" len="sm"/>
+                    </a:lnR>
+                    <a:lnT w="12650" cap="flat" cmpd="sng" algn="ctr">
+                      <a:solidFill>
+                        <a:srgbClr val="000000"/>
+                      </a:solidFill>
+                      <a:prstDash val="solid"/>
+                      <a:round/>
+                      <a:headEnd type="none" w="sm" len="sm"/>
+                      <a:tailEnd type="none" w="sm" len="sm"/>
+                    </a:lnT>
+                    <a:lnB w="12650" cap="flat" cmpd="sng">
+                      <a:solidFill>
+                        <a:srgbClr val="000000"/>
+                      </a:solidFill>
+                      <a:prstDash val="solid"/>
+                      <a:round/>
+                      <a:headEnd type="none" w="sm" len="sm"/>
+                      <a:tailEnd type="none" w="sm" len="sm"/>
+                    </a:lnB>
+                  </a:tcPr>
+                </a:tc>
+                <a:tc>
+                  <a:txBody>
+                    <a:bodyPr/>
+                    <a:lstStyle/>
+                    <a:p>
+                      <a:pPr marL="0" lvl="0" indent="0" algn="l" rtl="0">
+                        <a:spcBef>
+                          <a:spcPts val="0"/>
+                        </a:spcBef>
+                        <a:spcAft>
+                          <a:spcPts val="0"/>
+                        </a:spcAft>
+                        <a:buNone/>
+                      </a:pPr>
+                      <a:endParaRPr dirty="0"/>
+                    </a:p>
+                  </a:txBody>
+                  <a:tcPr marL="68575" marR="68575" marT="91425" marB="91425">
+                    <a:lnL w="12650" cap="flat" cmpd="sng" algn="ctr">
+                      <a:solidFill>
+                        <a:srgbClr val="000000"/>
+                      </a:solidFill>
+                      <a:prstDash val="solid"/>
+                      <a:round/>
+                      <a:headEnd type="none" w="sm" len="sm"/>
+                      <a:tailEnd type="none" w="sm" len="sm"/>
+                    </a:lnL>
+                    <a:lnR w="12650" cap="flat" cmpd="sng" algn="ctr">
+                      <a:solidFill>
+                        <a:srgbClr val="000000"/>
+                      </a:solidFill>
+                      <a:prstDash val="solid"/>
+                      <a:round/>
+                      <a:headEnd type="none" w="sm" len="sm"/>
+                      <a:tailEnd type="none" w="sm" len="sm"/>
+                    </a:lnR>
+                    <a:lnT w="12650" cap="flat" cmpd="sng" algn="ctr">
+                      <a:solidFill>
+                        <a:srgbClr val="000000"/>
+                      </a:solidFill>
+                      <a:prstDash val="solid"/>
+                      <a:round/>
+                      <a:headEnd type="none" w="sm" len="sm"/>
+                      <a:tailEnd type="none" w="sm" len="sm"/>
+                    </a:lnT>
+                    <a:lnB w="12650" cap="flat" cmpd="sng">
+                      <a:solidFill>
+                        <a:srgbClr val="000000"/>
+                      </a:solidFill>
+                      <a:prstDash val="solid"/>
+                      <a:round/>
+                      <a:headEnd type="none" w="sm" len="sm"/>
+                      <a:tailEnd type="none" w="sm" len="sm"/>
+                    </a:lnB>
+                  </a:tcPr>
+                </a:tc>
+                <a:tc>
+                  <a:txBody>
+                    <a:bodyPr/>
+                    <a:lstStyle/>
+                    <a:p>
+                      <a:pPr marL="0" lvl="0" indent="0" algn="l" rtl="0">
+                        <a:spcBef>
+                          <a:spcPts val="0"/>
+                        </a:spcBef>
+                        <a:spcAft>
+                          <a:spcPts val="0"/>
+                        </a:spcAft>
+                        <a:buNone/>
+                      </a:pPr>
+                      <a:r>
+                        <a:rPr lang="en-US" dirty="0"/>
+                        <a:t>The expected shipment date</a:t>
+                      </a:r>
+                    </a:p>
+                  </a:txBody>
+                  <a:tcPr marL="68575" marR="68575" marT="91425" marB="91425">
+                    <a:lnL w="12650" cap="flat" cmpd="sng" algn="ctr">
+                      <a:solidFill>
+                        <a:srgbClr val="000000"/>
+                      </a:solidFill>
+                      <a:prstDash val="solid"/>
+                      <a:round/>
+                      <a:headEnd type="none" w="sm" len="sm"/>
+                      <a:tailEnd type="none" w="sm" len="sm"/>
+                    </a:lnL>
+                    <a:lnR w="12650" cap="flat" cmpd="sng" algn="ctr">
+                      <a:solidFill>
+                        <a:srgbClr val="000000"/>
+                      </a:solidFill>
+                      <a:prstDash val="solid"/>
+                      <a:round/>
+                      <a:headEnd type="none" w="sm" len="sm"/>
+                      <a:tailEnd type="none" w="sm" len="sm"/>
+                    </a:lnR>
+                    <a:lnT w="12650" cap="flat" cmpd="sng" algn="ctr">
+                      <a:solidFill>
+                        <a:srgbClr val="000000"/>
+                      </a:solidFill>
+                      <a:prstDash val="solid"/>
+                      <a:round/>
+                      <a:headEnd type="none" w="sm" len="sm"/>
+                      <a:tailEnd type="none" w="sm" len="sm"/>
+                    </a:lnT>
+                    <a:lnB w="12650" cap="flat" cmpd="sng">
+                      <a:solidFill>
+                        <a:srgbClr val="000000"/>
+                      </a:solidFill>
+                      <a:prstDash val="solid"/>
+                      <a:round/>
+                      <a:headEnd type="none" w="sm" len="sm"/>
+                      <a:tailEnd type="none" w="sm" len="sm"/>
+                    </a:lnB>
+                  </a:tcPr>
+                </a:tc>
+                <a:tc>
+                  <a:txBody>
+                    <a:bodyPr/>
+                    <a:lstStyle/>
+                    <a:p>
+                      <a:pPr marL="0" lvl="0" indent="0" algn="l" rtl="0">
+                        <a:spcBef>
+                          <a:spcPts val="0"/>
+                        </a:spcBef>
+                        <a:spcAft>
+                          <a:spcPts val="0"/>
+                        </a:spcAft>
+                        <a:buNone/>
+                      </a:pPr>
+                      <a:r>
+                        <a:rPr lang="en-US"/>
+                        <a:t>1/2/2019 23:59</a:t>
+                      </a:r>
+                    </a:p>
+                    <a:p>
+                      <a:pPr marL="0" lvl="0" indent="0" algn="l" rtl="0">
+                        <a:spcBef>
+                          <a:spcPts val="0"/>
+                        </a:spcBef>
+                        <a:spcAft>
+                          <a:spcPts val="0"/>
+                        </a:spcAft>
+                        <a:buNone/>
+                      </a:pPr>
+                      <a:r>
+                        <a:rPr lang="en-US"/>
+                        <a:t>2/2/2019 23:59</a:t>
+                      </a:r>
+                    </a:p>
+                  </a:txBody>
+                  <a:tcPr marL="68575" marR="68575" marT="91425" marB="91425">
+                    <a:lnL w="12650" cap="flat" cmpd="sng" algn="ctr">
+                      <a:solidFill>
+                        <a:srgbClr val="000000"/>
+                      </a:solidFill>
+                      <a:prstDash val="solid"/>
+                      <a:round/>
+                      <a:headEnd type="none" w="sm" len="sm"/>
+                      <a:tailEnd type="none" w="sm" len="sm"/>
+                    </a:lnL>
+                    <a:lnR w="12650" cap="flat" cmpd="sng">
+                      <a:solidFill>
+                        <a:srgbClr val="000000"/>
+                      </a:solidFill>
+                      <a:prstDash val="solid"/>
+                      <a:round/>
+                      <a:headEnd type="none" w="sm" len="sm"/>
+                      <a:tailEnd type="none" w="sm" len="sm"/>
+                    </a:lnR>
+                    <a:lnT w="12650" cap="flat" cmpd="sng" algn="ctr">
+                      <a:solidFill>
+                        <a:srgbClr val="000000"/>
+                      </a:solidFill>
+                      <a:prstDash val="solid"/>
+                      <a:round/>
+                      <a:headEnd type="none" w="sm" len="sm"/>
+                      <a:tailEnd type="none" w="sm" len="sm"/>
+                    </a:lnT>
+                    <a:lnB w="12650" cap="flat" cmpd="sng" algn="ctr">
+                      <a:solidFill>
+                        <a:srgbClr val="000000"/>
+                      </a:solidFill>
+                      <a:prstDash val="solid"/>
+                      <a:round/>
+                      <a:headEnd type="none" w="sm" len="sm"/>
+                      <a:tailEnd type="none" w="sm" len="sm"/>
+                    </a:lnB>
+                  </a:tcPr>
+                </a:tc>
+                <a:extLst>
+                  <a:ext uri="{0D108BD9-81ED-4DB2-BD59-A6C34878D82A}">
+                    <a16:rowId xmlns:a16="http://schemas.microsoft.com/office/drawing/2014/main" val="366975574"/>
+                  </a:ext>
+                </a:extLst>
+              </a:tr>
+              <a:tr h="381000">
+                <a:tc>
+                  <a:txBody>
+                    <a:bodyPr/>
+                    <a:lstStyle/>
+                    <a:p>
+                      <a:pPr marL="0" lvl="0" indent="0" algn="l" rtl="0">
+                        <a:spcBef>
+                          <a:spcPts val="0"/>
+                        </a:spcBef>
+                        <a:spcAft>
+                          <a:spcPts val="0"/>
+                        </a:spcAft>
+                        <a:buNone/>
+                      </a:pPr>
+                      <a:r>
+                        <a:rPr lang="en-US" dirty="0" err="1"/>
+                        <a:t>item_no</a:t>
+                      </a:r>
+                      <a:endParaRPr lang="en-US" dirty="0"/>
+                    </a:p>
+                  </a:txBody>
+                  <a:tcPr marL="68575" marR="68575" marT="91425" marB="91425">
+                    <a:lnL w="12650" cap="flat" cmpd="sng">
+                      <a:solidFill>
+                        <a:srgbClr val="000000"/>
+                      </a:solidFill>
+                      <a:prstDash val="solid"/>
+                      <a:round/>
+                      <a:headEnd type="none" w="sm" len="sm"/>
+                      <a:tailEnd type="none" w="sm" len="sm"/>
+                    </a:lnL>
+                    <a:lnR w="12650" cap="flat" cmpd="sng" algn="ctr">
+                      <a:solidFill>
+                        <a:srgbClr val="000000"/>
+                      </a:solidFill>
+                      <a:prstDash val="solid"/>
+                      <a:round/>
+                      <a:headEnd type="none" w="sm" len="sm"/>
+                      <a:tailEnd type="none" w="sm" len="sm"/>
+                    </a:lnR>
+                    <a:lnT w="12650" cap="flat" cmpd="sng" algn="ctr">
+                      <a:solidFill>
+                        <a:srgbClr val="000000"/>
+                      </a:solidFill>
+                      <a:prstDash val="solid"/>
+                      <a:round/>
+                      <a:headEnd type="none" w="sm" len="sm"/>
+                      <a:tailEnd type="none" w="sm" len="sm"/>
+                    </a:lnT>
+                    <a:lnB w="12650" cap="flat" cmpd="sng" algn="ctr">
+                      <a:solidFill>
+                        <a:srgbClr val="000000"/>
+                      </a:solidFill>
+                      <a:prstDash val="solid"/>
+                      <a:round/>
+                      <a:headEnd type="none" w="sm" len="sm"/>
+                      <a:tailEnd type="none" w="sm" len="sm"/>
+                    </a:lnB>
+                  </a:tcPr>
+                </a:tc>
+                <a:tc>
+                  <a:txBody>
+                    <a:bodyPr/>
+                    <a:lstStyle/>
+                    <a:p>
+                      <a:pPr marL="0" lvl="0" indent="0" algn="l" rtl="0">
+                        <a:spcBef>
+                          <a:spcPts val="0"/>
+                        </a:spcBef>
+                        <a:spcAft>
+                          <a:spcPts val="0"/>
+                        </a:spcAft>
+                        <a:buNone/>
+                      </a:pPr>
+                      <a:r>
+                        <a:rPr lang="en-US" dirty="0"/>
+                        <a:t>char(10)</a:t>
+                      </a:r>
+                    </a:p>
+                  </a:txBody>
+                  <a:tcPr marL="68575" marR="68575" marT="91425" marB="91425">
+                    <a:lnL w="12650" cap="flat" cmpd="sng" algn="ctr">
+                      <a:solidFill>
+                        <a:srgbClr val="000000"/>
+                      </a:solidFill>
+                      <a:prstDash val="solid"/>
+                      <a:round/>
+                      <a:headEnd type="none" w="sm" len="sm"/>
+                      <a:tailEnd type="none" w="sm" len="sm"/>
+                    </a:lnL>
+                    <a:lnR w="12650" cap="flat" cmpd="sng" algn="ctr">
+                      <a:solidFill>
+                        <a:srgbClr val="000000"/>
+                      </a:solidFill>
+                      <a:prstDash val="solid"/>
+                      <a:round/>
+                      <a:headEnd type="none" w="sm" len="sm"/>
+                      <a:tailEnd type="none" w="sm" len="sm"/>
+                    </a:lnR>
+                    <a:lnT w="12650" cap="flat" cmpd="sng" algn="ctr">
+                      <a:solidFill>
+                        <a:srgbClr val="000000"/>
+                      </a:solidFill>
+                      <a:prstDash val="solid"/>
+                      <a:round/>
+                      <a:headEnd type="none" w="sm" len="sm"/>
+                      <a:tailEnd type="none" w="sm" len="sm"/>
+                    </a:lnT>
+                    <a:lnB w="12650" cap="flat" cmpd="sng">
+                      <a:solidFill>
+                        <a:srgbClr val="000000"/>
+                      </a:solidFill>
+                      <a:prstDash val="solid"/>
+                      <a:round/>
+                      <a:headEnd type="none" w="sm" len="sm"/>
+                      <a:tailEnd type="none" w="sm" len="sm"/>
+                    </a:lnB>
+                  </a:tcPr>
+                </a:tc>
+                <a:tc>
+                  <a:txBody>
+                    <a:bodyPr/>
+                    <a:lstStyle/>
+                    <a:p>
+                      <a:pPr marL="0" lvl="0" indent="0" algn="l" rtl="0">
+                        <a:spcBef>
+                          <a:spcPts val="0"/>
+                        </a:spcBef>
+                        <a:spcAft>
+                          <a:spcPts val="0"/>
+                        </a:spcAft>
+                        <a:buNone/>
+                      </a:pPr>
+                      <a:r>
+                        <a:rPr lang="en-US" dirty="0"/>
+                        <a:t>FK</a:t>
+                      </a:r>
+                    </a:p>
+                  </a:txBody>
+                  <a:tcPr marL="68575" marR="68575" marT="91425" marB="91425">
+                    <a:lnL w="12650" cap="flat" cmpd="sng" algn="ctr">
+                      <a:solidFill>
+                        <a:srgbClr val="000000"/>
+                      </a:solidFill>
+                      <a:prstDash val="solid"/>
+                      <a:round/>
+                      <a:headEnd type="none" w="sm" len="sm"/>
+                      <a:tailEnd type="none" w="sm" len="sm"/>
+                    </a:lnL>
+                    <a:lnR w="12650" cap="flat" cmpd="sng" algn="ctr">
+                      <a:solidFill>
+                        <a:srgbClr val="000000"/>
+                      </a:solidFill>
+                      <a:prstDash val="solid"/>
+                      <a:round/>
+                      <a:headEnd type="none" w="sm" len="sm"/>
+                      <a:tailEnd type="none" w="sm" len="sm"/>
+                    </a:lnR>
+                    <a:lnT w="12650" cap="flat" cmpd="sng" algn="ctr">
+                      <a:solidFill>
+                        <a:srgbClr val="000000"/>
+                      </a:solidFill>
+                      <a:prstDash val="solid"/>
+                      <a:round/>
+                      <a:headEnd type="none" w="sm" len="sm"/>
+                      <a:tailEnd type="none" w="sm" len="sm"/>
+                    </a:lnT>
+                    <a:lnB w="12650" cap="flat" cmpd="sng">
+                      <a:solidFill>
+                        <a:srgbClr val="000000"/>
+                      </a:solidFill>
+                      <a:prstDash val="solid"/>
+                      <a:round/>
+                      <a:headEnd type="none" w="sm" len="sm"/>
+                      <a:tailEnd type="none" w="sm" len="sm"/>
+                    </a:lnB>
+                  </a:tcPr>
+                </a:tc>
+                <a:tc>
+                  <a:txBody>
+                    <a:bodyPr/>
+                    <a:lstStyle/>
+                    <a:p>
+                      <a:pPr marL="0" lvl="0" indent="0" algn="l" rtl="0">
+                        <a:spcBef>
+                          <a:spcPts val="0"/>
+                        </a:spcBef>
+                        <a:spcAft>
+                          <a:spcPts val="0"/>
+                        </a:spcAft>
+                        <a:buNone/>
+                      </a:pPr>
+                      <a:r>
                         <a:rPr lang="en-US" dirty="0"/>
                         <a:t>The item number</a:t>
                       </a:r>
                     </a:p>
                   </a:txBody>
                   <a:tcPr marL="68575" marR="68575" marT="91425" marB="91425">
-                    <a:lnL w="12650" cap="flat" cmpd="sng">
+                    <a:lnL w="12650" cap="flat" cmpd="sng" algn="ctr">
                       <a:solidFill>
                         <a:srgbClr val="000000"/>
                       </a:solidFill>
@@ -9415,7 +13411,7 @@
                       <a:headEnd type="none" w="sm" len="sm"/>
                       <a:tailEnd type="none" w="sm" len="sm"/>
                     </a:lnR>
-                    <a:lnT w="12650" cap="flat" cmpd="sng">
+                    <a:lnT w="12650" cap="flat" cmpd="sng" algn="ctr">
                       <a:solidFill>
                         <a:srgbClr val="000000"/>
                       </a:solidFill>
@@ -9463,7 +13459,7 @@
                     </a:p>
                   </a:txBody>
                   <a:tcPr marL="68575" marR="68575" marT="91425" marB="91425">
-                    <a:lnL w="12650" cap="flat" cmpd="sng">
+                    <a:lnL w="12650" cap="flat" cmpd="sng" algn="ctr">
                       <a:solidFill>
                         <a:srgbClr val="000000"/>
                       </a:solidFill>
@@ -9513,22 +13509,32 @@
                     <a:bodyPr/>
                     <a:lstStyle/>
                     <a:p>
-                      <a:pPr marL="0" lvl="0" indent="0" algn="l" rtl="0">
-                        <a:spcBef>
-                          <a:spcPts val="0"/>
-                        </a:spcBef>
-                        <a:spcAft>
-                          <a:spcPts val="0"/>
-                        </a:spcAft>
-                        <a:buNone/>
-                      </a:pPr>
+                      <a:pPr algn="l" fontAlgn="ctr"/>
                       <a:r>
-                        <a:rPr lang="en-US" dirty="0"/>
+                        <a:rPr lang="en-US" sz="1400" b="0" i="0" u="none" strike="noStrike" dirty="0">
+                          <a:solidFill>
+                            <a:srgbClr val="000000"/>
+                          </a:solidFill>
+                          <a:effectLst/>
+                          <a:latin typeface="+mj-lt"/>
+                          <a:ea typeface="新細明體" panose="02020500000000000000" pitchFamily="18" charset="-120"/>
+                        </a:rPr>
                         <a:t>qty</a:t>
                       </a:r>
                     </a:p>
+                    <a:p>
+                      <a:pPr algn="l" fontAlgn="ctr"/>
+                      <a:endParaRPr lang="en-US" sz="1400" b="0" i="0" u="none" strike="noStrike" dirty="0">
+                        <a:solidFill>
+                          <a:srgbClr val="000000"/>
+                        </a:solidFill>
+                        <a:effectLst/>
+                        <a:latin typeface="+mj-lt"/>
+                        <a:ea typeface="新細明體" panose="02020500000000000000" pitchFamily="18" charset="-120"/>
+                      </a:endParaRPr>
+                    </a:p>
                   </a:txBody>
-                  <a:tcPr marL="68575" marR="68575" marT="91425" marB="91425">
+                  <a:tcPr marL="9525" marR="9525" marT="9525" marB="0" anchor="ctr">
                     <a:lnL w="12650" cap="flat" cmpd="sng">
                       <a:solidFill>
                         <a:srgbClr val="000000"/>
@@ -9538,7 +13544,7 @@
                       <a:headEnd type="none" w="sm" len="sm"/>
                       <a:tailEnd type="none" w="sm" len="sm"/>
                     </a:lnL>
-                    <a:lnR w="12650" cap="flat" cmpd="sng">
+                    <a:lnR w="12650" cap="flat" cmpd="sng" algn="ctr">
                       <a:solidFill>
                         <a:srgbClr val="000000"/>
                       </a:solidFill>
@@ -9547,7 +13553,7 @@
                       <a:headEnd type="none" w="sm" len="sm"/>
                       <a:tailEnd type="none" w="sm" len="sm"/>
                     </a:lnR>
-                    <a:lnT w="12650" cap="flat" cmpd="sng">
+                    <a:lnT w="12650" cap="flat" cmpd="sng" algn="ctr">
                       <a:solidFill>
                         <a:srgbClr val="000000"/>
                       </a:solidFill>
@@ -9556,7 +13562,7 @@
                       <a:headEnd type="none" w="sm" len="sm"/>
                       <a:tailEnd type="none" w="sm" len="sm"/>
                     </a:lnT>
-                    <a:lnB w="12650" cap="flat" cmpd="sng">
+                    <a:lnB w="12650" cap="flat" cmpd="sng" algn="ctr">
                       <a:solidFill>
                         <a:srgbClr val="000000"/>
                       </a:solidFill>
@@ -9588,7 +13594,7 @@
                     </a:p>
                   </a:txBody>
                   <a:tcPr marL="68575" marR="68575" marT="91425" marB="91425">
-                    <a:lnL w="12650" cap="flat" cmpd="sng">
+                    <a:lnL w="12650" cap="flat" cmpd="sng" algn="ctr">
                       <a:solidFill>
                         <a:srgbClr val="000000"/>
                       </a:solidFill>
@@ -9597,7 +13603,7 @@
                       <a:headEnd type="none" w="sm" len="sm"/>
                       <a:tailEnd type="none" w="sm" len="sm"/>
                     </a:lnL>
-                    <a:lnR w="12650" cap="flat" cmpd="sng">
+                    <a:lnR w="12650" cap="flat" cmpd="sng" algn="ctr">
                       <a:solidFill>
                         <a:srgbClr val="000000"/>
                       </a:solidFill>
@@ -9606,7 +13612,7 @@
                       <a:headEnd type="none" w="sm" len="sm"/>
                       <a:tailEnd type="none" w="sm" len="sm"/>
                     </a:lnR>
-                    <a:lnT w="12650" cap="flat" cmpd="sng">
+                    <a:lnT w="12650" cap="flat" cmpd="sng" algn="ctr">
                       <a:solidFill>
                         <a:srgbClr val="000000"/>
                       </a:solidFill>
@@ -9615,7 +13621,7 @@
                       <a:headEnd type="none" w="sm" len="sm"/>
                       <a:tailEnd type="none" w="sm" len="sm"/>
                     </a:lnT>
-                    <a:lnB w="12650" cap="flat" cmpd="sng">
+                    <a:lnB w="12650" cap="flat" cmpd="sng" algn="ctr">
                       <a:solidFill>
                         <a:srgbClr val="000000"/>
                       </a:solidFill>
@@ -9640,11 +13646,11 @@
                         </a:spcAft>
                         <a:buNone/>
                       </a:pPr>
-                      <a:endParaRPr/>
+                      <a:endParaRPr dirty="0"/>
                     </a:p>
                   </a:txBody>
                   <a:tcPr marL="68575" marR="68575" marT="91425" marB="91425">
-                    <a:lnL w="12650" cap="flat" cmpd="sng">
+                    <a:lnL w="12650" cap="flat" cmpd="sng" algn="ctr">
                       <a:solidFill>
                         <a:srgbClr val="000000"/>
                       </a:solidFill>
@@ -9653,7 +13659,7 @@
                       <a:headEnd type="none" w="sm" len="sm"/>
                       <a:tailEnd type="none" w="sm" len="sm"/>
                     </a:lnL>
-                    <a:lnR w="12650" cap="flat" cmpd="sng">
+                    <a:lnR w="12650" cap="flat" cmpd="sng" algn="ctr">
                       <a:solidFill>
                         <a:srgbClr val="000000"/>
                       </a:solidFill>
@@ -9662,7 +13668,7 @@
                       <a:headEnd type="none" w="sm" len="sm"/>
                       <a:tailEnd type="none" w="sm" len="sm"/>
                     </a:lnR>
-                    <a:lnT w="12650" cap="flat" cmpd="sng">
+                    <a:lnT w="12650" cap="flat" cmpd="sng" algn="ctr">
                       <a:solidFill>
                         <a:srgbClr val="000000"/>
                       </a:solidFill>
@@ -9671,7 +13677,7 @@
                       <a:headEnd type="none" w="sm" len="sm"/>
                       <a:tailEnd type="none" w="sm" len="sm"/>
                     </a:lnT>
-                    <a:lnB w="12650" cap="flat" cmpd="sng">
+                    <a:lnB w="12650" cap="flat" cmpd="sng" algn="ctr">
                       <a:solidFill>
                         <a:srgbClr val="000000"/>
                       </a:solidFill>
@@ -9697,13 +13703,25 @@
                         <a:buNone/>
                       </a:pPr>
                       <a:r>
-                        <a:rPr lang="en-US" dirty="0"/>
+                        <a:rPr lang="en-US"/>
                         <a:t>The number of item quantity</a:t>
                       </a:r>
                     </a:p>
+                    <a:p>
+                      <a:pPr marL="0" lvl="0" indent="0" algn="l" rtl="0">
+                        <a:spcBef>
+                          <a:spcPts val="0"/>
+                        </a:spcBef>
+                        <a:spcAft>
+                          <a:spcPts val="0"/>
+                        </a:spcAft>
+                        <a:buNone/>
+                      </a:pPr>
+                      <a:endParaRPr lang="en-US" dirty="0"/>
+                    </a:p>
                   </a:txBody>
                   <a:tcPr marL="68575" marR="68575" marT="91425" marB="91425">
-                    <a:lnL w="12650" cap="flat" cmpd="sng">
+                    <a:lnL w="12650" cap="flat" cmpd="sng" algn="ctr">
                       <a:solidFill>
                         <a:srgbClr val="000000"/>
                       </a:solidFill>
@@ -9721,7 +13739,7 @@
                       <a:headEnd type="none" w="sm" len="sm"/>
                       <a:tailEnd type="none" w="sm" len="sm"/>
                     </a:lnR>
-                    <a:lnT w="12650" cap="flat" cmpd="sng">
+                    <a:lnT w="12650" cap="flat" cmpd="sng" algn="ctr">
                       <a:solidFill>
                         <a:srgbClr val="000000"/>
                       </a:solidFill>
@@ -9730,7 +13748,7 @@
                       <a:headEnd type="none" w="sm" len="sm"/>
                       <a:tailEnd type="none" w="sm" len="sm"/>
                     </a:lnT>
-                    <a:lnB w="12650" cap="flat" cmpd="sng">
+                    <a:lnB w="12650" cap="flat" cmpd="sng" algn="ctr">
                       <a:solidFill>
                         <a:srgbClr val="000000"/>
                       </a:solidFill>
@@ -9777,321 +13795,7 @@
                     </a:p>
                   </a:txBody>
                   <a:tcPr marL="68575" marR="68575" marT="91425" marB="91425">
-                    <a:lnL w="12650" cap="flat" cmpd="sng">
-                      <a:solidFill>
-                        <a:srgbClr val="000000"/>
-                      </a:solidFill>
-                      <a:prstDash val="solid"/>
-                      <a:round/>
-                      <a:headEnd type="none" w="sm" len="sm"/>
-                      <a:tailEnd type="none" w="sm" len="sm"/>
-                    </a:lnL>
-                    <a:lnR w="12650" cap="flat" cmpd="sng">
-                      <a:solidFill>
-                        <a:srgbClr val="000000"/>
-                      </a:solidFill>
-                      <a:prstDash val="solid"/>
-                      <a:round/>
-                      <a:headEnd type="none" w="sm" len="sm"/>
-                      <a:tailEnd type="none" w="sm" len="sm"/>
-                    </a:lnR>
-                    <a:lnT w="12650" cap="flat" cmpd="sng" algn="ctr">
-                      <a:solidFill>
-                        <a:srgbClr val="000000"/>
-                      </a:solidFill>
-                      <a:prstDash val="solid"/>
-                      <a:round/>
-                      <a:headEnd type="none" w="sm" len="sm"/>
-                      <a:tailEnd type="none" w="sm" len="sm"/>
-                    </a:lnT>
-                    <a:lnB w="12650" cap="flat" cmpd="sng" algn="ctr">
-                      <a:solidFill>
-                        <a:srgbClr val="000000"/>
-                      </a:solidFill>
-                      <a:prstDash val="solid"/>
-                      <a:round/>
-                      <a:headEnd type="none" w="sm" len="sm"/>
-                      <a:tailEnd type="none" w="sm" len="sm"/>
-                    </a:lnB>
-                  </a:tcPr>
-                </a:tc>
-                <a:extLst>
-                  <a:ext uri="{0D108BD9-81ED-4DB2-BD59-A6C34878D82A}">
-                    <a16:rowId xmlns:a16="http://schemas.microsoft.com/office/drawing/2014/main" val="10003"/>
-                  </a:ext>
-                </a:extLst>
-              </a:tr>
-              <a:tr h="381000">
-                <a:tc>
-                  <a:txBody>
-                    <a:bodyPr/>
-                    <a:lstStyle/>
-                    <a:p>
-                      <a:pPr marL="0" lvl="0" indent="0" algn="l" rtl="0">
-                        <a:spcBef>
-                          <a:spcPts val="0"/>
-                        </a:spcBef>
-                        <a:spcAft>
-                          <a:spcPts val="0"/>
-                        </a:spcAft>
-                        <a:buNone/>
-                      </a:pPr>
-                      <a:r>
-                        <a:rPr lang="en-US" dirty="0"/>
-                        <a:t>weight</a:t>
-                      </a:r>
-                    </a:p>
-                  </a:txBody>
-                  <a:tcPr marL="68575" marR="68575" marT="91425" marB="91425">
-                    <a:lnL w="12650" cap="flat" cmpd="sng">
-                      <a:solidFill>
-                        <a:srgbClr val="000000"/>
-                      </a:solidFill>
-                      <a:prstDash val="solid"/>
-                      <a:round/>
-                      <a:headEnd type="none" w="sm" len="sm"/>
-                      <a:tailEnd type="none" w="sm" len="sm"/>
-                    </a:lnL>
-                    <a:lnR w="12650" cap="flat" cmpd="sng">
-                      <a:solidFill>
-                        <a:srgbClr val="000000"/>
-                      </a:solidFill>
-                      <a:prstDash val="solid"/>
-                      <a:round/>
-                      <a:headEnd type="none" w="sm" len="sm"/>
-                      <a:tailEnd type="none" w="sm" len="sm"/>
-                    </a:lnR>
-                    <a:lnT w="12650" cap="flat" cmpd="sng">
-                      <a:solidFill>
-                        <a:srgbClr val="000000"/>
-                      </a:solidFill>
-                      <a:prstDash val="solid"/>
-                      <a:round/>
-                      <a:headEnd type="none" w="sm" len="sm"/>
-                      <a:tailEnd type="none" w="sm" len="sm"/>
-                    </a:lnT>
-                    <a:lnB w="12650" cap="flat" cmpd="sng" algn="ctr">
-                      <a:solidFill>
-                        <a:srgbClr val="000000"/>
-                      </a:solidFill>
-                      <a:prstDash val="solid"/>
-                      <a:round/>
-                      <a:headEnd type="none" w="sm" len="sm"/>
-                      <a:tailEnd type="none" w="sm" len="sm"/>
-                    </a:lnB>
-                  </a:tcPr>
-                </a:tc>
-                <a:tc>
-                  <a:txBody>
-                    <a:bodyPr/>
-                    <a:lstStyle/>
-                    <a:p>
-                      <a:pPr marL="0" lvl="0" indent="0" algn="l" rtl="0">
-                        <a:spcBef>
-                          <a:spcPts val="0"/>
-                        </a:spcBef>
-                        <a:spcAft>
-                          <a:spcPts val="0"/>
-                        </a:spcAft>
-                        <a:buNone/>
-                      </a:pPr>
-                      <a:r>
-                        <a:rPr lang="en-US" dirty="0"/>
-                        <a:t>double(7,5)</a:t>
-                      </a:r>
-                    </a:p>
-                  </a:txBody>
-                  <a:tcPr marL="68575" marR="68575" marT="91425" marB="91425">
-                    <a:lnL w="12650" cap="flat" cmpd="sng">
-                      <a:solidFill>
-                        <a:srgbClr val="000000"/>
-                      </a:solidFill>
-                      <a:prstDash val="solid"/>
-                      <a:round/>
-                      <a:headEnd type="none" w="sm" len="sm"/>
-                      <a:tailEnd type="none" w="sm" len="sm"/>
-                    </a:lnL>
-                    <a:lnR w="12650" cap="flat" cmpd="sng">
-                      <a:solidFill>
-                        <a:srgbClr val="000000"/>
-                      </a:solidFill>
-                      <a:prstDash val="solid"/>
-                      <a:round/>
-                      <a:headEnd type="none" w="sm" len="sm"/>
-                      <a:tailEnd type="none" w="sm" len="sm"/>
-                    </a:lnR>
-                    <a:lnT w="12650" cap="flat" cmpd="sng">
-                      <a:solidFill>
-                        <a:srgbClr val="000000"/>
-                      </a:solidFill>
-                      <a:prstDash val="solid"/>
-                      <a:round/>
-                      <a:headEnd type="none" w="sm" len="sm"/>
-                      <a:tailEnd type="none" w="sm" len="sm"/>
-                    </a:lnT>
-                    <a:lnB w="12650" cap="flat" cmpd="sng" algn="ctr">
-                      <a:solidFill>
-                        <a:srgbClr val="000000"/>
-                      </a:solidFill>
-                      <a:prstDash val="solid"/>
-                      <a:round/>
-                      <a:headEnd type="none" w="sm" len="sm"/>
-                      <a:tailEnd type="none" w="sm" len="sm"/>
-                    </a:lnB>
-                  </a:tcPr>
-                </a:tc>
-                <a:tc>
-                  <a:txBody>
-                    <a:bodyPr/>
-                    <a:lstStyle/>
-                    <a:p>
-                      <a:pPr marL="0" lvl="0" indent="0" algn="l" rtl="0">
-                        <a:spcBef>
-                          <a:spcPts val="0"/>
-                        </a:spcBef>
-                        <a:spcAft>
-                          <a:spcPts val="0"/>
-                        </a:spcAft>
-                        <a:buNone/>
-                      </a:pPr>
-                      <a:endParaRPr dirty="0"/>
-                    </a:p>
-                  </a:txBody>
-                  <a:tcPr marL="68575" marR="68575" marT="91425" marB="91425">
-                    <a:lnL w="12650" cap="flat" cmpd="sng">
-                      <a:solidFill>
-                        <a:srgbClr val="000000"/>
-                      </a:solidFill>
-                      <a:prstDash val="solid"/>
-                      <a:round/>
-                      <a:headEnd type="none" w="sm" len="sm"/>
-                      <a:tailEnd type="none" w="sm" len="sm"/>
-                    </a:lnL>
-                    <a:lnR w="12650" cap="flat" cmpd="sng">
-                      <a:solidFill>
-                        <a:srgbClr val="000000"/>
-                      </a:solidFill>
-                      <a:prstDash val="solid"/>
-                      <a:round/>
-                      <a:headEnd type="none" w="sm" len="sm"/>
-                      <a:tailEnd type="none" w="sm" len="sm"/>
-                    </a:lnR>
-                    <a:lnT w="12650" cap="flat" cmpd="sng">
-                      <a:solidFill>
-                        <a:srgbClr val="000000"/>
-                      </a:solidFill>
-                      <a:prstDash val="solid"/>
-                      <a:round/>
-                      <a:headEnd type="none" w="sm" len="sm"/>
-                      <a:tailEnd type="none" w="sm" len="sm"/>
-                    </a:lnT>
-                    <a:lnB w="12650" cap="flat" cmpd="sng" algn="ctr">
-                      <a:solidFill>
-                        <a:srgbClr val="000000"/>
-                      </a:solidFill>
-                      <a:prstDash val="solid"/>
-                      <a:round/>
-                      <a:headEnd type="none" w="sm" len="sm"/>
-                      <a:tailEnd type="none" w="sm" len="sm"/>
-                    </a:lnB>
-                  </a:tcPr>
-                </a:tc>
-                <a:tc>
-                  <a:txBody>
-                    <a:bodyPr/>
-                    <a:lstStyle/>
-                    <a:p>
-                      <a:pPr marL="0" lvl="0" indent="0" algn="l" rtl="0">
-                        <a:spcBef>
-                          <a:spcPts val="0"/>
-                        </a:spcBef>
-                        <a:spcAft>
-                          <a:spcPts val="0"/>
-                        </a:spcAft>
-                        <a:buNone/>
-                      </a:pPr>
-                      <a:r>
-                        <a:rPr lang="en-US" dirty="0"/>
-                        <a:t>The weight of the item</a:t>
-                      </a:r>
-                    </a:p>
-                  </a:txBody>
-                  <a:tcPr marL="68575" marR="68575" marT="91425" marB="91425">
-                    <a:lnL w="12650" cap="flat" cmpd="sng">
-                      <a:solidFill>
-                        <a:srgbClr val="000000"/>
-                      </a:solidFill>
-                      <a:prstDash val="solid"/>
-                      <a:round/>
-                      <a:headEnd type="none" w="sm" len="sm"/>
-                      <a:tailEnd type="none" w="sm" len="sm"/>
-                    </a:lnL>
-                    <a:lnR w="12650" cap="flat" cmpd="sng" algn="ctr">
-                      <a:solidFill>
-                        <a:srgbClr val="000000"/>
-                      </a:solidFill>
-                      <a:prstDash val="solid"/>
-                      <a:round/>
-                      <a:headEnd type="none" w="sm" len="sm"/>
-                      <a:tailEnd type="none" w="sm" len="sm"/>
-                    </a:lnR>
-                    <a:lnT w="12650" cap="flat" cmpd="sng">
-                      <a:solidFill>
-                        <a:srgbClr val="000000"/>
-                      </a:solidFill>
-                      <a:prstDash val="solid"/>
-                      <a:round/>
-                      <a:headEnd type="none" w="sm" len="sm"/>
-                      <a:tailEnd type="none" w="sm" len="sm"/>
-                    </a:lnT>
-                    <a:lnB w="12650" cap="flat" cmpd="sng" algn="ctr">
-                      <a:solidFill>
-                        <a:srgbClr val="000000"/>
-                      </a:solidFill>
-                      <a:prstDash val="solid"/>
-                      <a:round/>
-                      <a:headEnd type="none" w="sm" len="sm"/>
-                      <a:tailEnd type="none" w="sm" len="sm"/>
-                    </a:lnB>
-                  </a:tcPr>
-                </a:tc>
-                <a:tc>
-                  <a:txBody>
-                    <a:bodyPr/>
-                    <a:lstStyle/>
-                    <a:p>
-                      <a:pPr marL="0" lvl="0" indent="0" algn="l" rtl="0">
-                        <a:spcBef>
-                          <a:spcPts val="0"/>
-                        </a:spcBef>
-                        <a:spcAft>
-                          <a:spcPts val="0"/>
-                        </a:spcAft>
-                        <a:buNone/>
-                      </a:pPr>
-                      <a:r>
-                        <a:rPr lang="en-US" dirty="0"/>
-                        <a:t>69.99999</a:t>
-                      </a:r>
-                    </a:p>
-                    <a:p>
-                      <a:pPr marL="0" lvl="0" indent="0" algn="l" rtl="0">
-                        <a:spcBef>
-                          <a:spcPts val="0"/>
-                        </a:spcBef>
-                        <a:spcAft>
-                          <a:spcPts val="0"/>
-                        </a:spcAft>
-                        <a:buNone/>
-                      </a:pPr>
-                      <a:r>
-                        <a:rPr lang="en-US" dirty="0"/>
-                        <a:t>88.00006</a:t>
-                      </a:r>
-                    </a:p>
-                  </a:txBody>
-                  <a:tcPr marL="68575" marR="68575" marT="91425" marB="91425">
-                    <a:lnL w="12650" cap="flat" cmpd="sng">
+                    <a:lnL w="12650" cap="flat" cmpd="sng" algn="ctr">
                       <a:solidFill>
                         <a:srgbClr val="000000"/>
                       </a:solidFill>
@@ -10135,325 +13839,16 @@
                   </a:ext>
                 </a:extLst>
               </a:tr>
-              <a:tr h="381000">
-                <a:tc>
-                  <a:txBody>
-                    <a:bodyPr/>
-                    <a:lstStyle/>
-                    <a:p>
-                      <a:pPr marL="0" lvl="0" indent="0" algn="l" rtl="0">
-                        <a:spcBef>
-                          <a:spcPts val="0"/>
-                        </a:spcBef>
-                        <a:spcAft>
-                          <a:spcPts val="0"/>
-                        </a:spcAft>
-                        <a:buNone/>
-                      </a:pPr>
-                      <a:r>
-                        <a:rPr lang="en-US" dirty="0" err="1"/>
-                        <a:t>price_per_item</a:t>
-                      </a:r>
-                    </a:p>
-                  </a:txBody>
-                  <a:tcPr marL="68575" marR="68575" marT="91425" marB="91425">
-                    <a:lnL w="12650" cap="flat" cmpd="sng">
-                      <a:solidFill>
-                        <a:srgbClr val="000000"/>
-                      </a:solidFill>
-                      <a:prstDash val="solid"/>
-                      <a:round/>
-                      <a:headEnd type="none" w="sm" len="sm"/>
-                      <a:tailEnd type="none" w="sm" len="sm"/>
-                    </a:lnL>
-                    <a:lnR w="12650" cap="flat" cmpd="sng" algn="ctr">
-                      <a:solidFill>
-                        <a:srgbClr val="000000"/>
-                      </a:solidFill>
-                      <a:prstDash val="solid"/>
-                      <a:round/>
-                      <a:headEnd type="none" w="sm" len="sm"/>
-                      <a:tailEnd type="none" w="sm" len="sm"/>
-                    </a:lnR>
-                    <a:lnT w="12650" cap="flat" cmpd="sng">
-                      <a:solidFill>
-                        <a:srgbClr val="000000"/>
-                      </a:solidFill>
-                      <a:prstDash val="solid"/>
-                      <a:round/>
-                      <a:headEnd type="none" w="sm" len="sm"/>
-                      <a:tailEnd type="none" w="sm" len="sm"/>
-                    </a:lnT>
-                    <a:lnB w="12650" cap="flat" cmpd="sng">
-                      <a:solidFill>
-                        <a:srgbClr val="000000"/>
-                      </a:solidFill>
-                      <a:prstDash val="solid"/>
-                      <a:round/>
-                      <a:headEnd type="none" w="sm" len="sm"/>
-                      <a:tailEnd type="none" w="sm" len="sm"/>
-                    </a:lnB>
-                  </a:tcPr>
-                </a:tc>
-                <a:tc>
-                  <a:txBody>
-                    <a:bodyPr/>
-                    <a:lstStyle/>
-                    <a:p>
-                      <a:pPr marL="0" lvl="0" indent="0" algn="l" rtl="0">
-                        <a:spcBef>
-                          <a:spcPts val="0"/>
-                        </a:spcBef>
-                        <a:spcAft>
-                          <a:spcPts val="0"/>
-                        </a:spcAft>
-                        <a:buNone/>
-                      </a:pPr>
-                      <a:r>
-                        <a:rPr lang="en-US" dirty="0"/>
-                        <a:t>double (9,2)</a:t>
-                      </a:r>
-                    </a:p>
-                  </a:txBody>
-                  <a:tcPr marL="68575" marR="68575" marT="91425" marB="91425">
-                    <a:lnL w="12650" cap="flat" cmpd="sng" algn="ctr">
-                      <a:solidFill>
-                        <a:srgbClr val="000000"/>
-                      </a:solidFill>
-                      <a:prstDash val="solid"/>
-                      <a:round/>
-                      <a:headEnd type="none" w="sm" len="sm"/>
-                      <a:tailEnd type="none" w="sm" len="sm"/>
-                    </a:lnL>
-                    <a:lnR w="12650" cap="flat" cmpd="sng" algn="ctr">
-                      <a:solidFill>
-                        <a:srgbClr val="000000"/>
-                      </a:solidFill>
-                      <a:prstDash val="solid"/>
-                      <a:round/>
-                      <a:headEnd type="none" w="sm" len="sm"/>
-                      <a:tailEnd type="none" w="sm" len="sm"/>
-                    </a:lnR>
-                    <a:lnT w="12650" cap="flat" cmpd="sng">
-                      <a:solidFill>
-                        <a:srgbClr val="000000"/>
-                      </a:solidFill>
-                      <a:prstDash val="solid"/>
-                      <a:round/>
-                      <a:headEnd type="none" w="sm" len="sm"/>
-                      <a:tailEnd type="none" w="sm" len="sm"/>
-                    </a:lnT>
-                    <a:lnB w="12650" cap="flat" cmpd="sng">
-                      <a:solidFill>
-                        <a:srgbClr val="000000"/>
-                      </a:solidFill>
-                      <a:prstDash val="solid"/>
-                      <a:round/>
-                      <a:headEnd type="none" w="sm" len="sm"/>
-                      <a:tailEnd type="none" w="sm" len="sm"/>
-                    </a:lnB>
-                  </a:tcPr>
-                </a:tc>
-                <a:tc>
-                  <a:txBody>
-                    <a:bodyPr/>
-                    <a:lstStyle/>
-                    <a:p>
-                      <a:pPr marL="0" lvl="0" indent="0" algn="l" rtl="0">
-                        <a:spcBef>
-                          <a:spcPts val="0"/>
-                        </a:spcBef>
-                        <a:spcAft>
-                          <a:spcPts val="0"/>
-                        </a:spcAft>
-                        <a:buNone/>
-                      </a:pPr>
-                      <a:endParaRPr dirty="0"/>
-                    </a:p>
-                  </a:txBody>
-                  <a:tcPr marL="68575" marR="68575" marT="91425" marB="91425">
-                    <a:lnL w="12650" cap="flat" cmpd="sng" algn="ctr">
-                      <a:solidFill>
-                        <a:srgbClr val="000000"/>
-                      </a:solidFill>
-                      <a:prstDash val="solid"/>
-                      <a:round/>
-                      <a:headEnd type="none" w="sm" len="sm"/>
-                      <a:tailEnd type="none" w="sm" len="sm"/>
-                    </a:lnL>
-                    <a:lnR w="12650" cap="flat" cmpd="sng" algn="ctr">
-                      <a:solidFill>
-                        <a:srgbClr val="000000"/>
-                      </a:solidFill>
-                      <a:prstDash val="solid"/>
-                      <a:round/>
-                      <a:headEnd type="none" w="sm" len="sm"/>
-                      <a:tailEnd type="none" w="sm" len="sm"/>
-                    </a:lnR>
-                    <a:lnT w="12650" cap="flat" cmpd="sng">
-                      <a:solidFill>
-                        <a:srgbClr val="000000"/>
-                      </a:solidFill>
-                      <a:prstDash val="solid"/>
-                      <a:round/>
-                      <a:headEnd type="none" w="sm" len="sm"/>
-                      <a:tailEnd type="none" w="sm" len="sm"/>
-                    </a:lnT>
-                    <a:lnB w="12650" cap="flat" cmpd="sng">
-                      <a:solidFill>
-                        <a:srgbClr val="000000"/>
-                      </a:solidFill>
-                      <a:prstDash val="solid"/>
-                      <a:round/>
-                      <a:headEnd type="none" w="sm" len="sm"/>
-                      <a:tailEnd type="none" w="sm" len="sm"/>
-                    </a:lnB>
-                  </a:tcPr>
-                </a:tc>
-                <a:tc>
-                  <a:txBody>
-                    <a:bodyPr/>
-                    <a:lstStyle/>
-                    <a:p>
-                      <a:pPr marL="0" lvl="0" indent="0" algn="l" rtl="0">
-                        <a:spcBef>
-                          <a:spcPts val="0"/>
-                        </a:spcBef>
-                        <a:spcAft>
-                          <a:spcPts val="0"/>
-                        </a:spcAft>
-                        <a:buNone/>
-                      </a:pPr>
-                      <a:r>
-                        <a:rPr lang="en-US" dirty="0"/>
-                        <a:t>The price of item</a:t>
-                      </a:r>
-                    </a:p>
-                  </a:txBody>
-                  <a:tcPr marL="68575" marR="68575" marT="91425" marB="91425">
-                    <a:lnL w="12650" cap="flat" cmpd="sng" algn="ctr">
-                      <a:solidFill>
-                        <a:srgbClr val="000000"/>
-                      </a:solidFill>
-                      <a:prstDash val="solid"/>
-                      <a:round/>
-                      <a:headEnd type="none" w="sm" len="sm"/>
-                      <a:tailEnd type="none" w="sm" len="sm"/>
-                    </a:lnL>
-                    <a:lnR w="12650" cap="flat" cmpd="sng" algn="ctr">
-                      <a:solidFill>
-                        <a:srgbClr val="000000"/>
-                      </a:solidFill>
-                      <a:prstDash val="solid"/>
-                      <a:round/>
-                      <a:headEnd type="none" w="sm" len="sm"/>
-                      <a:tailEnd type="none" w="sm" len="sm"/>
-                    </a:lnR>
-                    <a:lnT w="12650" cap="flat" cmpd="sng">
-                      <a:solidFill>
-                        <a:srgbClr val="000000"/>
-                      </a:solidFill>
-                      <a:prstDash val="solid"/>
-                      <a:round/>
-                      <a:headEnd type="none" w="sm" len="sm"/>
-                      <a:tailEnd type="none" w="sm" len="sm"/>
-                    </a:lnT>
-                    <a:lnB w="12650" cap="flat" cmpd="sng">
-                      <a:solidFill>
-                        <a:srgbClr val="000000"/>
-                      </a:solidFill>
-                      <a:prstDash val="solid"/>
-                      <a:round/>
-                      <a:headEnd type="none" w="sm" len="sm"/>
-                      <a:tailEnd type="none" w="sm" len="sm"/>
-                    </a:lnB>
-                  </a:tcPr>
-                </a:tc>
-                <a:tc>
-                  <a:txBody>
-                    <a:bodyPr/>
-                    <a:lstStyle/>
-                    <a:p>
-                      <a:pPr marL="0" lvl="0" indent="0" algn="l" rtl="0">
-                        <a:spcBef>
-                          <a:spcPts val="0"/>
-                        </a:spcBef>
-                        <a:spcAft>
-                          <a:spcPts val="0"/>
-                        </a:spcAft>
-                        <a:buNone/>
-                      </a:pPr>
-                      <a:r>
-                        <a:rPr lang="en-US" dirty="0"/>
-                        <a:t>5.5</a:t>
-                      </a:r>
-                    </a:p>
-                    <a:p>
-                      <a:pPr marL="0" lvl="0" indent="0" algn="l" rtl="0">
-                        <a:spcBef>
-                          <a:spcPts val="0"/>
-                        </a:spcBef>
-                        <a:spcAft>
-                          <a:spcPts val="0"/>
-                        </a:spcAft>
-                        <a:buNone/>
-                      </a:pPr>
-                      <a:r>
-                        <a:rPr lang="en-US" dirty="0"/>
-                        <a:t>6</a:t>
-                      </a:r>
-                    </a:p>
-                  </a:txBody>
-                  <a:tcPr marL="68575" marR="68575" marT="91425" marB="91425">
-                    <a:lnL w="12650" cap="flat" cmpd="sng" algn="ctr">
-                      <a:solidFill>
-                        <a:srgbClr val="000000"/>
-                      </a:solidFill>
-                      <a:prstDash val="solid"/>
-                      <a:round/>
-                      <a:headEnd type="none" w="sm" len="sm"/>
-                      <a:tailEnd type="none" w="sm" len="sm"/>
-                    </a:lnL>
-                    <a:lnR w="12650" cap="flat" cmpd="sng">
-                      <a:solidFill>
-                        <a:srgbClr val="000000"/>
-                      </a:solidFill>
-                      <a:prstDash val="solid"/>
-                      <a:round/>
-                      <a:headEnd type="none" w="sm" len="sm"/>
-                      <a:tailEnd type="none" w="sm" len="sm"/>
-                    </a:lnR>
-                    <a:lnT w="12650" cap="flat" cmpd="sng" algn="ctr">
-                      <a:solidFill>
-                        <a:srgbClr val="000000"/>
-                      </a:solidFill>
-                      <a:prstDash val="solid"/>
-                      <a:round/>
-                      <a:headEnd type="none" w="sm" len="sm"/>
-                      <a:tailEnd type="none" w="sm" len="sm"/>
-                    </a:lnT>
-                    <a:lnB w="12650" cap="flat" cmpd="sng">
-                      <a:solidFill>
-                        <a:srgbClr val="000000"/>
-                      </a:solidFill>
-                      <a:prstDash val="solid"/>
-                      <a:round/>
-                      <a:headEnd type="none" w="sm" len="sm"/>
-                      <a:tailEnd type="none" w="sm" len="sm"/>
-                    </a:lnB>
-                  </a:tcPr>
-                </a:tc>
-                <a:extLst>
-                  <a:ext uri="{0D108BD9-81ED-4DB2-BD59-A6C34878D82A}">
-                    <a16:rowId xmlns:a16="http://schemas.microsoft.com/office/drawing/2014/main" val="2097184701"/>
-                  </a:ext>
-                </a:extLst>
-              </a:tr>
             </a:tbl>
           </a:graphicData>
         </a:graphic>
       </p:graphicFrame>
     </p:spTree>
+    <p:extLst>
+      <p:ext uri="{BB962C8B-B14F-4D97-AF65-F5344CB8AC3E}">
+        <p14:creationId xmlns:p14="http://schemas.microsoft.com/office/powerpoint/2010/main" val="1573356471"/>
+      </p:ext>
+    </p:extLst>
   </p:cSld>
   <p:clrMapOvr>
     <a:masterClrMapping/>
@@ -10461,7 +13856,129 @@
 </p:sld>
 </file>
 
-<file path=ppt/slides/slide4.xml><?xml version="1.0" encoding="utf-8"?>
+<file path=ppt/slides/slide7.xml><?xml version="1.0" encoding="utf-8"?>
+<p:sld xmlns:a="http://schemas.openxmlformats.org/drawingml/2006/main" xmlns:r="http://schemas.openxmlformats.org/officeDocument/2006/relationships" xmlns:p="http://schemas.openxmlformats.org/presentationml/2006/main">
+  <p:cSld>
+    <p:spTree>
+      <p:nvGrpSpPr>
+        <p:cNvPr id="1" name=""/>
+        <p:cNvGrpSpPr/>
+        <p:nvPr/>
+      </p:nvGrpSpPr>
+      <p:grpSpPr>
+        <a:xfrm>
+          <a:off x="0" y="0"/>
+          <a:ext cx="0" cy="0"/>
+          <a:chOff x="0" y="0"/>
+          <a:chExt cx="0" cy="0"/>
+        </a:xfrm>
+      </p:grpSpPr>
+      <p:sp>
+        <p:nvSpPr>
+          <p:cNvPr id="2" name="標題 1">
+            <a:extLst>
+              <a:ext uri="{FF2B5EF4-FFF2-40B4-BE49-F238E27FC236}">
+                <a16:creationId xmlns:a16="http://schemas.microsoft.com/office/drawing/2014/main" id="{20098305-197C-49E2-A869-37CDCF2868F0}"/>
+              </a:ext>
+            </a:extLst>
+          </p:cNvPr>
+          <p:cNvSpPr>
+            <a:spLocks noGrp="1"/>
+          </p:cNvSpPr>
+          <p:nvPr>
+            <p:ph type="title"/>
+          </p:nvPr>
+        </p:nvSpPr>
+        <p:spPr/>
+        <p:txBody>
+          <a:bodyPr/>
+          <a:lstStyle/>
+          <a:p>
+            <a:r>
+              <a:rPr lang="en-US" altLang="zh-HK" dirty="0" err="1"/>
+              <a:t>logistics_sample_data</a:t>
+            </a:r>
+            <a:r>
+              <a:rPr lang="zh-TW" altLang="en-US" dirty="0"/>
+              <a:t> </a:t>
+            </a:r>
+            <a:r>
+              <a:rPr lang="en-US" altLang="zh-TW" dirty="0"/>
+              <a:t>from retailers</a:t>
+            </a:r>
+            <a:endParaRPr lang="zh-HK" altLang="en-US" dirty="0"/>
+          </a:p>
+        </p:txBody>
+      </p:sp>
+      <p:pic>
+        <p:nvPicPr>
+          <p:cNvPr id="5" name="圖片 4">
+            <a:extLst>
+              <a:ext uri="{FF2B5EF4-FFF2-40B4-BE49-F238E27FC236}">
+                <a16:creationId xmlns:a16="http://schemas.microsoft.com/office/drawing/2014/main" id="{38E346DF-56D1-46C8-907B-A0C6FD0BAF08}"/>
+              </a:ext>
+            </a:extLst>
+          </p:cNvPr>
+          <p:cNvPicPr>
+            <a:picLocks noChangeAspect="1"/>
+          </p:cNvPicPr>
+          <p:nvPr/>
+        </p:nvPicPr>
+        <p:blipFill>
+          <a:blip r:embed="rId2"/>
+          <a:stretch>
+            <a:fillRect/>
+          </a:stretch>
+        </p:blipFill>
+        <p:spPr>
+          <a:xfrm>
+            <a:off x="706437" y="1158925"/>
+            <a:ext cx="7096125" cy="3409950"/>
+          </a:xfrm>
+          <a:prstGeom prst="rect">
+            <a:avLst/>
+          </a:prstGeom>
+        </p:spPr>
+      </p:pic>
+      <p:sp>
+        <p:nvSpPr>
+          <p:cNvPr id="3" name="文字版面配置區 2">
+            <a:extLst>
+              <a:ext uri="{FF2B5EF4-FFF2-40B4-BE49-F238E27FC236}">
+                <a16:creationId xmlns:a16="http://schemas.microsoft.com/office/drawing/2014/main" id="{97DA079C-D348-4513-81BE-9702042A9F90}"/>
+              </a:ext>
+            </a:extLst>
+          </p:cNvPr>
+          <p:cNvSpPr>
+            <a:spLocks noGrp="1"/>
+          </p:cNvSpPr>
+          <p:nvPr>
+            <p:ph type="body" idx="1"/>
+          </p:nvPr>
+        </p:nvSpPr>
+        <p:spPr/>
+        <p:txBody>
+          <a:bodyPr/>
+          <a:lstStyle/>
+          <a:p>
+            <a:endParaRPr lang="zh-HK" altLang="en-US" dirty="0"/>
+          </a:p>
+        </p:txBody>
+      </p:sp>
+    </p:spTree>
+    <p:extLst>
+      <p:ext uri="{BB962C8B-B14F-4D97-AF65-F5344CB8AC3E}">
+        <p14:creationId xmlns:p14="http://schemas.microsoft.com/office/powerpoint/2010/main" val="2250063397"/>
+      </p:ext>
+    </p:extLst>
+  </p:cSld>
+  <p:clrMapOvr>
+    <a:masterClrMapping/>
+  </p:clrMapOvr>
+</p:sld>
+</file>
+
+<file path=ppt/slides/slide8.xml><?xml version="1.0" encoding="utf-8"?>
 <p:sld xmlns:a="http://schemas.openxmlformats.org/drawingml/2006/main" xmlns:r="http://schemas.openxmlformats.org/officeDocument/2006/relationships" xmlns:p="http://schemas.openxmlformats.org/presentationml/2006/main">
   <p:cSld>
     <p:spTree>
